--- a/docs/0000_Prasentation/PF_SnakeFX.pptx
+++ b/docs/0000_Prasentation/PF_SnakeFX.pptx
@@ -1,30 +1,125 @@
 
 <file path=ppt/presentation.xml><?xml version="1.0" encoding="utf-8"?>
-<p:presentation xmlns:a="http://schemas.openxmlformats.org/drawingml/2006/main" xmlns:p="http://schemas.openxmlformats.org/presentationml/2006/main" xmlns:r="http://schemas.openxmlformats.org/officeDocument/2006/relationships" xmlns:p14="http://schemas.microsoft.com/office/powerpoint/2010/main" xmlns:p15="http://schemas.microsoft.com/office/powerpoint/2012/main" xmlns:mc="http://schemas.openxmlformats.org/markup-compatibility/2006">
+<p:presentation xmlns:a="http://schemas.openxmlformats.org/drawingml/2006/main" xmlns:r="http://schemas.openxmlformats.org/officeDocument/2006/relationships" xmlns:p="http://schemas.openxmlformats.org/presentationml/2006/main">
   <p:sldMasterIdLst>
-    <p:sldMasterId id="2147483648" r:id="rId2"/>
-    <p:sldMasterId id="2147483661" r:id="rId3"/>
-    <p:sldMasterId id="2147483674" r:id="rId4"/>
+    <p:sldMasterId id="2147483648" r:id="rId1"/>
+    <p:sldMasterId id="2147483661" r:id="rId2"/>
+    <p:sldMasterId id="2147483674" r:id="rId3"/>
   </p:sldMasterIdLst>
   <p:sldIdLst>
-    <p:sldId id="256" r:id="rId5"/>
-    <p:sldId id="257" r:id="rId6"/>
-    <p:sldId id="258" r:id="rId7"/>
-    <p:sldId id="259" r:id="rId8"/>
-    <p:sldId id="260" r:id="rId9"/>
-    <p:sldId id="261" r:id="rId10"/>
-    <p:sldId id="262" r:id="rId11"/>
-    <p:sldId id="263" r:id="rId12"/>
-    <p:sldId id="264" r:id="rId13"/>
-    <p:sldId id="265" r:id="rId14"/>
+    <p:sldId id="256" r:id="rId4"/>
+    <p:sldId id="257" r:id="rId5"/>
+    <p:sldId id="258" r:id="rId6"/>
+    <p:sldId id="259" r:id="rId7"/>
+    <p:sldId id="260" r:id="rId8"/>
+    <p:sldId id="261" r:id="rId9"/>
+    <p:sldId id="262" r:id="rId10"/>
+    <p:sldId id="263" r:id="rId11"/>
+    <p:sldId id="264" r:id="rId12"/>
+    <p:sldId id="265" r:id="rId13"/>
   </p:sldIdLst>
   <p:sldSz cx="12192000" cy="6858000"/>
-  <p:notesSz cx="7559675" cy="10691812"/>
+  <p:notesSz cx="7559675" cy="10691813"/>
+  <p:defaultTextStyle>
+    <a:defPPr>
+      <a:defRPr lang="de-DE"/>
+    </a:defPPr>
+    <a:lvl1pPr marL="0" algn="l" defTabSz="914400" rtl="0" eaLnBrk="1" latinLnBrk="0" hangingPunct="1">
+      <a:defRPr sz="1800" kern="1200">
+        <a:solidFill>
+          <a:schemeClr val="tx1"/>
+        </a:solidFill>
+        <a:latin typeface="+mn-lt"/>
+        <a:ea typeface="+mn-ea"/>
+        <a:cs typeface="+mn-cs"/>
+      </a:defRPr>
+    </a:lvl1pPr>
+    <a:lvl2pPr marL="457200" algn="l" defTabSz="914400" rtl="0" eaLnBrk="1" latinLnBrk="0" hangingPunct="1">
+      <a:defRPr sz="1800" kern="1200">
+        <a:solidFill>
+          <a:schemeClr val="tx1"/>
+        </a:solidFill>
+        <a:latin typeface="+mn-lt"/>
+        <a:ea typeface="+mn-ea"/>
+        <a:cs typeface="+mn-cs"/>
+      </a:defRPr>
+    </a:lvl2pPr>
+    <a:lvl3pPr marL="914400" algn="l" defTabSz="914400" rtl="0" eaLnBrk="1" latinLnBrk="0" hangingPunct="1">
+      <a:defRPr sz="1800" kern="1200">
+        <a:solidFill>
+          <a:schemeClr val="tx1"/>
+        </a:solidFill>
+        <a:latin typeface="+mn-lt"/>
+        <a:ea typeface="+mn-ea"/>
+        <a:cs typeface="+mn-cs"/>
+      </a:defRPr>
+    </a:lvl3pPr>
+    <a:lvl4pPr marL="1371600" algn="l" defTabSz="914400" rtl="0" eaLnBrk="1" latinLnBrk="0" hangingPunct="1">
+      <a:defRPr sz="1800" kern="1200">
+        <a:solidFill>
+          <a:schemeClr val="tx1"/>
+        </a:solidFill>
+        <a:latin typeface="+mn-lt"/>
+        <a:ea typeface="+mn-ea"/>
+        <a:cs typeface="+mn-cs"/>
+      </a:defRPr>
+    </a:lvl4pPr>
+    <a:lvl5pPr marL="1828800" algn="l" defTabSz="914400" rtl="0" eaLnBrk="1" latinLnBrk="0" hangingPunct="1">
+      <a:defRPr sz="1800" kern="1200">
+        <a:solidFill>
+          <a:schemeClr val="tx1"/>
+        </a:solidFill>
+        <a:latin typeface="+mn-lt"/>
+        <a:ea typeface="+mn-ea"/>
+        <a:cs typeface="+mn-cs"/>
+      </a:defRPr>
+    </a:lvl5pPr>
+    <a:lvl6pPr marL="2286000" algn="l" defTabSz="914400" rtl="0" eaLnBrk="1" latinLnBrk="0" hangingPunct="1">
+      <a:defRPr sz="1800" kern="1200">
+        <a:solidFill>
+          <a:schemeClr val="tx1"/>
+        </a:solidFill>
+        <a:latin typeface="+mn-lt"/>
+        <a:ea typeface="+mn-ea"/>
+        <a:cs typeface="+mn-cs"/>
+      </a:defRPr>
+    </a:lvl6pPr>
+    <a:lvl7pPr marL="2743200" algn="l" defTabSz="914400" rtl="0" eaLnBrk="1" latinLnBrk="0" hangingPunct="1">
+      <a:defRPr sz="1800" kern="1200">
+        <a:solidFill>
+          <a:schemeClr val="tx1"/>
+        </a:solidFill>
+        <a:latin typeface="+mn-lt"/>
+        <a:ea typeface="+mn-ea"/>
+        <a:cs typeface="+mn-cs"/>
+      </a:defRPr>
+    </a:lvl7pPr>
+    <a:lvl8pPr marL="3200400" algn="l" defTabSz="914400" rtl="0" eaLnBrk="1" latinLnBrk="0" hangingPunct="1">
+      <a:defRPr sz="1800" kern="1200">
+        <a:solidFill>
+          <a:schemeClr val="tx1"/>
+        </a:solidFill>
+        <a:latin typeface="+mn-lt"/>
+        <a:ea typeface="+mn-ea"/>
+        <a:cs typeface="+mn-cs"/>
+      </a:defRPr>
+    </a:lvl8pPr>
+    <a:lvl9pPr marL="3657600" algn="l" defTabSz="914400" rtl="0" eaLnBrk="1" latinLnBrk="0" hangingPunct="1">
+      <a:defRPr sz="1800" kern="1200">
+        <a:solidFill>
+          <a:schemeClr val="tx1"/>
+        </a:solidFill>
+        <a:latin typeface="+mn-lt"/>
+        <a:ea typeface="+mn-ea"/>
+        <a:cs typeface="+mn-cs"/>
+      </a:defRPr>
+    </a:lvl9pPr>
+  </p:defaultTextStyle>
 </p:presentation>
 </file>
 
 <file path=ppt/slideLayouts/slideLayout1.xml><?xml version="1.0" encoding="utf-8"?>
-<p:sldLayout xmlns:a="http://schemas.openxmlformats.org/drawingml/2006/main" xmlns:p="http://schemas.openxmlformats.org/presentationml/2006/main" xmlns:r="http://schemas.openxmlformats.org/officeDocument/2006/relationships" xmlns:p14="http://schemas.microsoft.com/office/powerpoint/2010/main" xmlns:p15="http://schemas.microsoft.com/office/powerpoint/2012/main" xmlns:mc="http://schemas.openxmlformats.org/markup-compatibility/2006" type="blank" preserve="1">
+<p:sldLayout xmlns:a="http://schemas.openxmlformats.org/drawingml/2006/main" xmlns:r="http://schemas.openxmlformats.org/officeDocument/2006/relationships" xmlns:p="http://schemas.openxmlformats.org/presentationml/2006/main" type="blank" preserve="1">
   <p:cSld name="Blank Slide">
     <p:spTree>
       <p:nvGrpSpPr>
@@ -42,11 +137,14 @@
       </p:grpSpPr>
     </p:spTree>
   </p:cSld>
+  <p:clrMapOvr>
+    <a:masterClrMapping/>
+  </p:clrMapOvr>
 </p:sldLayout>
 </file>
 
 <file path=ppt/slideLayouts/slideLayout10.xml><?xml version="1.0" encoding="utf-8"?>
-<p:sldLayout xmlns:a="http://schemas.openxmlformats.org/drawingml/2006/main" xmlns:p="http://schemas.openxmlformats.org/presentationml/2006/main" xmlns:r="http://schemas.openxmlformats.org/officeDocument/2006/relationships" xmlns:p14="http://schemas.microsoft.com/office/powerpoint/2010/main" xmlns:p15="http://schemas.microsoft.com/office/powerpoint/2012/main" xmlns:mc="http://schemas.openxmlformats.org/markup-compatibility/2006" type="objOverTx" preserve="1">
+<p:sldLayout xmlns:a="http://schemas.openxmlformats.org/drawingml/2006/main" xmlns:r="http://schemas.openxmlformats.org/officeDocument/2006/relationships" xmlns:p="http://schemas.openxmlformats.org/presentationml/2006/main" type="objOverTx" preserve="1">
   <p:cSld name="Title, Content over Content">
     <p:spTree>
       <p:nvGrpSpPr>
@@ -82,11 +180,12 @@
           </a:prstGeom>
         </p:spPr>
         <p:txBody>
-          <a:bodyPr lIns="0" rIns="0" tIns="0" bIns="0" anchor="ctr">
+          <a:bodyPr lIns="0" tIns="0" rIns="0" bIns="0" anchor="ctr">
             <a:noAutofit/>
           </a:bodyPr>
-          <a:p>
-            <a:endParaRPr b="0" lang="de-DE" sz="1800" spc="-1" strike="noStrike">
+          <a:lstStyle/>
+          <a:p>
+            <a:endParaRPr lang="de-DE" sz="1800" b="0" strike="noStrike" spc="-1">
               <a:solidFill>
                 <a:srgbClr val="000000"/>
               </a:solidFill>
@@ -115,11 +214,12 @@
           </a:prstGeom>
         </p:spPr>
         <p:txBody>
-          <a:bodyPr lIns="0" rIns="0" tIns="0" bIns="0">
+          <a:bodyPr lIns="0" tIns="0" rIns="0" bIns="0">
             <a:normAutofit/>
           </a:bodyPr>
-          <a:p>
-            <a:endParaRPr b="0" lang="de-DE" sz="2800" spc="-1" strike="noStrike">
+          <a:lstStyle/>
+          <a:p>
+            <a:endParaRPr lang="de-DE" sz="2800" b="0" strike="noStrike" spc="-1">
               <a:solidFill>
                 <a:srgbClr val="000000"/>
               </a:solidFill>
@@ -148,11 +248,12 @@
           </a:prstGeom>
         </p:spPr>
         <p:txBody>
-          <a:bodyPr lIns="0" rIns="0" tIns="0" bIns="0">
+          <a:bodyPr lIns="0" tIns="0" rIns="0" bIns="0">
             <a:normAutofit/>
           </a:bodyPr>
-          <a:p>
-            <a:endParaRPr b="0" lang="de-DE" sz="2800" spc="-1" strike="noStrike">
+          <a:lstStyle/>
+          <a:p>
+            <a:endParaRPr lang="de-DE" sz="2800" b="0" strike="noStrike" spc="-1">
               <a:solidFill>
                 <a:srgbClr val="000000"/>
               </a:solidFill>
@@ -163,11 +264,14 @@
       </p:sp>
     </p:spTree>
   </p:cSld>
+  <p:clrMapOvr>
+    <a:masterClrMapping/>
+  </p:clrMapOvr>
 </p:sldLayout>
 </file>
 
 <file path=ppt/slideLayouts/slideLayout11.xml><?xml version="1.0" encoding="utf-8"?>
-<p:sldLayout xmlns:a="http://schemas.openxmlformats.org/drawingml/2006/main" xmlns:p="http://schemas.openxmlformats.org/presentationml/2006/main" xmlns:r="http://schemas.openxmlformats.org/officeDocument/2006/relationships" xmlns:p14="http://schemas.microsoft.com/office/powerpoint/2010/main" xmlns:p15="http://schemas.microsoft.com/office/powerpoint/2012/main" xmlns:mc="http://schemas.openxmlformats.org/markup-compatibility/2006" type="fourObj" preserve="1">
+<p:sldLayout xmlns:a="http://schemas.openxmlformats.org/drawingml/2006/main" xmlns:r="http://schemas.openxmlformats.org/officeDocument/2006/relationships" xmlns:p="http://schemas.openxmlformats.org/presentationml/2006/main" type="fourObj" preserve="1">
   <p:cSld name="Title, 4 Content">
     <p:spTree>
       <p:nvGrpSpPr>
@@ -203,11 +307,12 @@
           </a:prstGeom>
         </p:spPr>
         <p:txBody>
-          <a:bodyPr lIns="0" rIns="0" tIns="0" bIns="0" anchor="ctr">
+          <a:bodyPr lIns="0" tIns="0" rIns="0" bIns="0" anchor="ctr">
             <a:noAutofit/>
           </a:bodyPr>
-          <a:p>
-            <a:endParaRPr b="0" lang="de-DE" sz="1800" spc="-1" strike="noStrike">
+          <a:lstStyle/>
+          <a:p>
+            <a:endParaRPr lang="de-DE" sz="1800" b="0" strike="noStrike" spc="-1">
               <a:solidFill>
                 <a:srgbClr val="000000"/>
               </a:solidFill>
@@ -236,11 +341,12 @@
           </a:prstGeom>
         </p:spPr>
         <p:txBody>
-          <a:bodyPr lIns="0" rIns="0" tIns="0" bIns="0">
+          <a:bodyPr lIns="0" tIns="0" rIns="0" bIns="0">
             <a:normAutofit/>
           </a:bodyPr>
-          <a:p>
-            <a:endParaRPr b="0" lang="de-DE" sz="2800" spc="-1" strike="noStrike">
+          <a:lstStyle/>
+          <a:p>
+            <a:endParaRPr lang="de-DE" sz="2800" b="0" strike="noStrike" spc="-1">
               <a:solidFill>
                 <a:srgbClr val="000000"/>
               </a:solidFill>
@@ -269,11 +375,12 @@
           </a:prstGeom>
         </p:spPr>
         <p:txBody>
-          <a:bodyPr lIns="0" rIns="0" tIns="0" bIns="0">
+          <a:bodyPr lIns="0" tIns="0" rIns="0" bIns="0">
             <a:normAutofit/>
           </a:bodyPr>
-          <a:p>
-            <a:endParaRPr b="0" lang="de-DE" sz="2800" spc="-1" strike="noStrike">
+          <a:lstStyle/>
+          <a:p>
+            <a:endParaRPr lang="de-DE" sz="2800" b="0" strike="noStrike" spc="-1">
               <a:solidFill>
                 <a:srgbClr val="000000"/>
               </a:solidFill>
@@ -302,11 +409,12 @@
           </a:prstGeom>
         </p:spPr>
         <p:txBody>
-          <a:bodyPr lIns="0" rIns="0" tIns="0" bIns="0">
+          <a:bodyPr lIns="0" tIns="0" rIns="0" bIns="0">
             <a:normAutofit/>
           </a:bodyPr>
-          <a:p>
-            <a:endParaRPr b="0" lang="de-DE" sz="2800" spc="-1" strike="noStrike">
+          <a:lstStyle/>
+          <a:p>
+            <a:endParaRPr lang="de-DE" sz="2800" b="0" strike="noStrike" spc="-1">
               <a:solidFill>
                 <a:srgbClr val="000000"/>
               </a:solidFill>
@@ -335,11 +443,12 @@
           </a:prstGeom>
         </p:spPr>
         <p:txBody>
-          <a:bodyPr lIns="0" rIns="0" tIns="0" bIns="0">
+          <a:bodyPr lIns="0" tIns="0" rIns="0" bIns="0">
             <a:normAutofit/>
           </a:bodyPr>
-          <a:p>
-            <a:endParaRPr b="0" lang="de-DE" sz="2800" spc="-1" strike="noStrike">
+          <a:lstStyle/>
+          <a:p>
+            <a:endParaRPr lang="de-DE" sz="2800" b="0" strike="noStrike" spc="-1">
               <a:solidFill>
                 <a:srgbClr val="000000"/>
               </a:solidFill>
@@ -350,11 +459,14 @@
       </p:sp>
     </p:spTree>
   </p:cSld>
+  <p:clrMapOvr>
+    <a:masterClrMapping/>
+  </p:clrMapOvr>
 </p:sldLayout>
 </file>
 
 <file path=ppt/slideLayouts/slideLayout12.xml><?xml version="1.0" encoding="utf-8"?>
-<p:sldLayout xmlns:a="http://schemas.openxmlformats.org/drawingml/2006/main" xmlns:p="http://schemas.openxmlformats.org/presentationml/2006/main" xmlns:r="http://schemas.openxmlformats.org/officeDocument/2006/relationships" xmlns:p14="http://schemas.microsoft.com/office/powerpoint/2010/main" xmlns:p15="http://schemas.microsoft.com/office/powerpoint/2012/main" xmlns:mc="http://schemas.openxmlformats.org/markup-compatibility/2006" type="blank" preserve="1">
+<p:sldLayout xmlns:a="http://schemas.openxmlformats.org/drawingml/2006/main" xmlns:r="http://schemas.openxmlformats.org/officeDocument/2006/relationships" xmlns:p="http://schemas.openxmlformats.org/presentationml/2006/main" type="blank" preserve="1">
   <p:cSld name="Title, 6 Content">
     <p:spTree>
       <p:nvGrpSpPr>
@@ -390,11 +502,12 @@
           </a:prstGeom>
         </p:spPr>
         <p:txBody>
-          <a:bodyPr lIns="0" rIns="0" tIns="0" bIns="0" anchor="ctr">
+          <a:bodyPr lIns="0" tIns="0" rIns="0" bIns="0" anchor="ctr">
             <a:noAutofit/>
           </a:bodyPr>
-          <a:p>
-            <a:endParaRPr b="0" lang="de-DE" sz="1800" spc="-1" strike="noStrike">
+          <a:lstStyle/>
+          <a:p>
+            <a:endParaRPr lang="de-DE" sz="1800" b="0" strike="noStrike" spc="-1">
               <a:solidFill>
                 <a:srgbClr val="000000"/>
               </a:solidFill>
@@ -423,11 +536,12 @@
           </a:prstGeom>
         </p:spPr>
         <p:txBody>
-          <a:bodyPr lIns="0" rIns="0" tIns="0" bIns="0">
+          <a:bodyPr lIns="0" tIns="0" rIns="0" bIns="0">
             <a:normAutofit/>
           </a:bodyPr>
-          <a:p>
-            <a:endParaRPr b="0" lang="de-DE" sz="2800" spc="-1" strike="noStrike">
+          <a:lstStyle/>
+          <a:p>
+            <a:endParaRPr lang="de-DE" sz="2800" b="0" strike="noStrike" spc="-1">
               <a:solidFill>
                 <a:srgbClr val="000000"/>
               </a:solidFill>
@@ -456,11 +570,12 @@
           </a:prstGeom>
         </p:spPr>
         <p:txBody>
-          <a:bodyPr lIns="0" rIns="0" tIns="0" bIns="0">
+          <a:bodyPr lIns="0" tIns="0" rIns="0" bIns="0">
             <a:normAutofit/>
           </a:bodyPr>
-          <a:p>
-            <a:endParaRPr b="0" lang="de-DE" sz="2800" spc="-1" strike="noStrike">
+          <a:lstStyle/>
+          <a:p>
+            <a:endParaRPr lang="de-DE" sz="2800" b="0" strike="noStrike" spc="-1">
               <a:solidFill>
                 <a:srgbClr val="000000"/>
               </a:solidFill>
@@ -489,11 +604,12 @@
           </a:prstGeom>
         </p:spPr>
         <p:txBody>
-          <a:bodyPr lIns="0" rIns="0" tIns="0" bIns="0">
+          <a:bodyPr lIns="0" tIns="0" rIns="0" bIns="0">
             <a:normAutofit/>
           </a:bodyPr>
-          <a:p>
-            <a:endParaRPr b="0" lang="de-DE" sz="2800" spc="-1" strike="noStrike">
+          <a:lstStyle/>
+          <a:p>
+            <a:endParaRPr lang="de-DE" sz="2800" b="0" strike="noStrike" spc="-1">
               <a:solidFill>
                 <a:srgbClr val="000000"/>
               </a:solidFill>
@@ -522,11 +638,12 @@
           </a:prstGeom>
         </p:spPr>
         <p:txBody>
-          <a:bodyPr lIns="0" rIns="0" tIns="0" bIns="0">
+          <a:bodyPr lIns="0" tIns="0" rIns="0" bIns="0">
             <a:normAutofit/>
           </a:bodyPr>
-          <a:p>
-            <a:endParaRPr b="0" lang="de-DE" sz="2800" spc="-1" strike="noStrike">
+          <a:lstStyle/>
+          <a:p>
+            <a:endParaRPr lang="de-DE" sz="2800" b="0" strike="noStrike" spc="-1">
               <a:solidFill>
                 <a:srgbClr val="000000"/>
               </a:solidFill>
@@ -555,11 +672,12 @@
           </a:prstGeom>
         </p:spPr>
         <p:txBody>
-          <a:bodyPr lIns="0" rIns="0" tIns="0" bIns="0">
+          <a:bodyPr lIns="0" tIns="0" rIns="0" bIns="0">
             <a:normAutofit/>
           </a:bodyPr>
-          <a:p>
-            <a:endParaRPr b="0" lang="de-DE" sz="2800" spc="-1" strike="noStrike">
+          <a:lstStyle/>
+          <a:p>
+            <a:endParaRPr lang="de-DE" sz="2800" b="0" strike="noStrike" spc="-1">
               <a:solidFill>
                 <a:srgbClr val="000000"/>
               </a:solidFill>
@@ -588,11 +706,12 @@
           </a:prstGeom>
         </p:spPr>
         <p:txBody>
-          <a:bodyPr lIns="0" rIns="0" tIns="0" bIns="0">
+          <a:bodyPr lIns="0" tIns="0" rIns="0" bIns="0">
             <a:normAutofit/>
           </a:bodyPr>
-          <a:p>
-            <a:endParaRPr b="0" lang="de-DE" sz="2800" spc="-1" strike="noStrike">
+          <a:lstStyle/>
+          <a:p>
+            <a:endParaRPr lang="de-DE" sz="2800" b="0" strike="noStrike" spc="-1">
               <a:solidFill>
                 <a:srgbClr val="000000"/>
               </a:solidFill>
@@ -603,11 +722,14 @@
       </p:sp>
     </p:spTree>
   </p:cSld>
+  <p:clrMapOvr>
+    <a:masterClrMapping/>
+  </p:clrMapOvr>
 </p:sldLayout>
 </file>
 
 <file path=ppt/slideLayouts/slideLayout13.xml><?xml version="1.0" encoding="utf-8"?>
-<p:sldLayout xmlns:a="http://schemas.openxmlformats.org/drawingml/2006/main" xmlns:p="http://schemas.openxmlformats.org/presentationml/2006/main" xmlns:r="http://schemas.openxmlformats.org/officeDocument/2006/relationships" xmlns:p14="http://schemas.microsoft.com/office/powerpoint/2010/main" xmlns:p15="http://schemas.microsoft.com/office/powerpoint/2012/main" xmlns:mc="http://schemas.openxmlformats.org/markup-compatibility/2006" type="blank" preserve="1">
+<p:sldLayout xmlns:a="http://schemas.openxmlformats.org/drawingml/2006/main" xmlns:r="http://schemas.openxmlformats.org/officeDocument/2006/relationships" xmlns:p="http://schemas.openxmlformats.org/presentationml/2006/main" type="blank" preserve="1">
   <p:cSld name="Blank Slide">
     <p:spTree>
       <p:nvGrpSpPr>
@@ -625,11 +747,14 @@
       </p:grpSpPr>
     </p:spTree>
   </p:cSld>
+  <p:clrMapOvr>
+    <a:masterClrMapping/>
+  </p:clrMapOvr>
 </p:sldLayout>
 </file>
 
 <file path=ppt/slideLayouts/slideLayout14.xml><?xml version="1.0" encoding="utf-8"?>
-<p:sldLayout xmlns:a="http://schemas.openxmlformats.org/drawingml/2006/main" xmlns:p="http://schemas.openxmlformats.org/presentationml/2006/main" xmlns:r="http://schemas.openxmlformats.org/officeDocument/2006/relationships" xmlns:p14="http://schemas.microsoft.com/office/powerpoint/2010/main" xmlns:p15="http://schemas.microsoft.com/office/powerpoint/2012/main" xmlns:mc="http://schemas.openxmlformats.org/markup-compatibility/2006" type="tx" preserve="1">
+<p:sldLayout xmlns:a="http://schemas.openxmlformats.org/drawingml/2006/main" xmlns:r="http://schemas.openxmlformats.org/officeDocument/2006/relationships" xmlns:p="http://schemas.openxmlformats.org/presentationml/2006/main" type="tx" preserve="1">
   <p:cSld name="Title Slide">
     <p:spTree>
       <p:nvGrpSpPr>
@@ -665,11 +790,12 @@
           </a:prstGeom>
         </p:spPr>
         <p:txBody>
-          <a:bodyPr lIns="0" rIns="0" tIns="0" bIns="0" anchor="ctr">
+          <a:bodyPr lIns="0" tIns="0" rIns="0" bIns="0" anchor="ctr">
             <a:noAutofit/>
           </a:bodyPr>
-          <a:p>
-            <a:endParaRPr b="0" lang="de-DE" sz="1800" spc="-1" strike="noStrike">
+          <a:lstStyle/>
+          <a:p>
+            <a:endParaRPr lang="de-DE" sz="1800" b="0" strike="noStrike" spc="-1">
               <a:solidFill>
                 <a:srgbClr val="000000"/>
               </a:solidFill>
@@ -698,12 +824,13 @@
           </a:prstGeom>
         </p:spPr>
         <p:txBody>
-          <a:bodyPr lIns="0" rIns="0" tIns="0" bIns="0" anchor="ctr">
+          <a:bodyPr lIns="0" tIns="0" rIns="0" bIns="0" anchor="ctr">
             <a:noAutofit/>
           </a:bodyPr>
+          <a:lstStyle/>
           <a:p>
             <a:pPr algn="ctr"/>
-            <a:endParaRPr b="0" lang="de-DE" sz="3200" spc="-1" strike="noStrike">
+            <a:endParaRPr lang="de-DE" sz="3200" b="0" strike="noStrike" spc="-1">
               <a:latin typeface="Arial"/>
             </a:endParaRPr>
           </a:p>
@@ -711,11 +838,14 @@
       </p:sp>
     </p:spTree>
   </p:cSld>
+  <p:clrMapOvr>
+    <a:masterClrMapping/>
+  </p:clrMapOvr>
 </p:sldLayout>
 </file>
 
 <file path=ppt/slideLayouts/slideLayout15.xml><?xml version="1.0" encoding="utf-8"?>
-<p:sldLayout xmlns:a="http://schemas.openxmlformats.org/drawingml/2006/main" xmlns:p="http://schemas.openxmlformats.org/presentationml/2006/main" xmlns:r="http://schemas.openxmlformats.org/officeDocument/2006/relationships" xmlns:p14="http://schemas.microsoft.com/office/powerpoint/2010/main" xmlns:p15="http://schemas.microsoft.com/office/powerpoint/2012/main" xmlns:mc="http://schemas.openxmlformats.org/markup-compatibility/2006" type="obj" preserve="1">
+<p:sldLayout xmlns:a="http://schemas.openxmlformats.org/drawingml/2006/main" xmlns:r="http://schemas.openxmlformats.org/officeDocument/2006/relationships" xmlns:p="http://schemas.openxmlformats.org/presentationml/2006/main" type="obj" preserve="1">
   <p:cSld name="Title, Content">
     <p:spTree>
       <p:nvGrpSpPr>
@@ -751,11 +881,12 @@
           </a:prstGeom>
         </p:spPr>
         <p:txBody>
-          <a:bodyPr lIns="0" rIns="0" tIns="0" bIns="0" anchor="ctr">
+          <a:bodyPr lIns="0" tIns="0" rIns="0" bIns="0" anchor="ctr">
             <a:noAutofit/>
           </a:bodyPr>
-          <a:p>
-            <a:endParaRPr b="0" lang="de-DE" sz="1800" spc="-1" strike="noStrike">
+          <a:lstStyle/>
+          <a:p>
+            <a:endParaRPr lang="de-DE" sz="1800" b="0" strike="noStrike" spc="-1">
               <a:solidFill>
                 <a:srgbClr val="000000"/>
               </a:solidFill>
@@ -784,11 +915,12 @@
           </a:prstGeom>
         </p:spPr>
         <p:txBody>
-          <a:bodyPr lIns="0" rIns="0" tIns="0" bIns="0">
+          <a:bodyPr lIns="0" tIns="0" rIns="0" bIns="0">
             <a:normAutofit/>
           </a:bodyPr>
-          <a:p>
-            <a:endParaRPr b="0" lang="de-DE" sz="2800" spc="-1" strike="noStrike">
+          <a:lstStyle/>
+          <a:p>
+            <a:endParaRPr lang="de-DE" sz="2800" b="0" strike="noStrike" spc="-1">
               <a:solidFill>
                 <a:srgbClr val="000000"/>
               </a:solidFill>
@@ -799,11 +931,14 @@
       </p:sp>
     </p:spTree>
   </p:cSld>
+  <p:clrMapOvr>
+    <a:masterClrMapping/>
+  </p:clrMapOvr>
 </p:sldLayout>
 </file>
 
 <file path=ppt/slideLayouts/slideLayout16.xml><?xml version="1.0" encoding="utf-8"?>
-<p:sldLayout xmlns:a="http://schemas.openxmlformats.org/drawingml/2006/main" xmlns:p="http://schemas.openxmlformats.org/presentationml/2006/main" xmlns:r="http://schemas.openxmlformats.org/officeDocument/2006/relationships" xmlns:p14="http://schemas.microsoft.com/office/powerpoint/2010/main" xmlns:p15="http://schemas.microsoft.com/office/powerpoint/2012/main" xmlns:mc="http://schemas.openxmlformats.org/markup-compatibility/2006" type="twoObj" preserve="1">
+<p:sldLayout xmlns:a="http://schemas.openxmlformats.org/drawingml/2006/main" xmlns:r="http://schemas.openxmlformats.org/officeDocument/2006/relationships" xmlns:p="http://schemas.openxmlformats.org/presentationml/2006/main" type="twoObj" preserve="1">
   <p:cSld name="Title, 2 Content">
     <p:spTree>
       <p:nvGrpSpPr>
@@ -839,11 +974,12 @@
           </a:prstGeom>
         </p:spPr>
         <p:txBody>
-          <a:bodyPr lIns="0" rIns="0" tIns="0" bIns="0" anchor="ctr">
+          <a:bodyPr lIns="0" tIns="0" rIns="0" bIns="0" anchor="ctr">
             <a:noAutofit/>
           </a:bodyPr>
-          <a:p>
-            <a:endParaRPr b="0" lang="de-DE" sz="1800" spc="-1" strike="noStrike">
+          <a:lstStyle/>
+          <a:p>
+            <a:endParaRPr lang="de-DE" sz="1800" b="0" strike="noStrike" spc="-1">
               <a:solidFill>
                 <a:srgbClr val="000000"/>
               </a:solidFill>
@@ -872,11 +1008,12 @@
           </a:prstGeom>
         </p:spPr>
         <p:txBody>
-          <a:bodyPr lIns="0" rIns="0" tIns="0" bIns="0">
+          <a:bodyPr lIns="0" tIns="0" rIns="0" bIns="0">
             <a:normAutofit/>
           </a:bodyPr>
-          <a:p>
-            <a:endParaRPr b="0" lang="de-DE" sz="2800" spc="-1" strike="noStrike">
+          <a:lstStyle/>
+          <a:p>
+            <a:endParaRPr lang="de-DE" sz="2800" b="0" strike="noStrike" spc="-1">
               <a:solidFill>
                 <a:srgbClr val="000000"/>
               </a:solidFill>
@@ -905,11 +1042,12 @@
           </a:prstGeom>
         </p:spPr>
         <p:txBody>
-          <a:bodyPr lIns="0" rIns="0" tIns="0" bIns="0">
+          <a:bodyPr lIns="0" tIns="0" rIns="0" bIns="0">
             <a:normAutofit/>
           </a:bodyPr>
-          <a:p>
-            <a:endParaRPr b="0" lang="de-DE" sz="2800" spc="-1" strike="noStrike">
+          <a:lstStyle/>
+          <a:p>
+            <a:endParaRPr lang="de-DE" sz="2800" b="0" strike="noStrike" spc="-1">
               <a:solidFill>
                 <a:srgbClr val="000000"/>
               </a:solidFill>
@@ -920,11 +1058,14 @@
       </p:sp>
     </p:spTree>
   </p:cSld>
+  <p:clrMapOvr>
+    <a:masterClrMapping/>
+  </p:clrMapOvr>
 </p:sldLayout>
 </file>
 
 <file path=ppt/slideLayouts/slideLayout17.xml><?xml version="1.0" encoding="utf-8"?>
-<p:sldLayout xmlns:a="http://schemas.openxmlformats.org/drawingml/2006/main" xmlns:p="http://schemas.openxmlformats.org/presentationml/2006/main" xmlns:r="http://schemas.openxmlformats.org/officeDocument/2006/relationships" xmlns:p14="http://schemas.microsoft.com/office/powerpoint/2010/main" xmlns:p15="http://schemas.microsoft.com/office/powerpoint/2012/main" xmlns:mc="http://schemas.openxmlformats.org/markup-compatibility/2006" type="titleOnly" preserve="1">
+<p:sldLayout xmlns:a="http://schemas.openxmlformats.org/drawingml/2006/main" xmlns:r="http://schemas.openxmlformats.org/officeDocument/2006/relationships" xmlns:p="http://schemas.openxmlformats.org/presentationml/2006/main" type="titleOnly" preserve="1">
   <p:cSld name="Title Only">
     <p:spTree>
       <p:nvGrpSpPr>
@@ -960,11 +1101,12 @@
           </a:prstGeom>
         </p:spPr>
         <p:txBody>
-          <a:bodyPr lIns="0" rIns="0" tIns="0" bIns="0" anchor="ctr">
+          <a:bodyPr lIns="0" tIns="0" rIns="0" bIns="0" anchor="ctr">
             <a:noAutofit/>
           </a:bodyPr>
-          <a:p>
-            <a:endParaRPr b="0" lang="de-DE" sz="1800" spc="-1" strike="noStrike">
+          <a:lstStyle/>
+          <a:p>
+            <a:endParaRPr lang="de-DE" sz="1800" b="0" strike="noStrike" spc="-1">
               <a:solidFill>
                 <a:srgbClr val="000000"/>
               </a:solidFill>
@@ -975,11 +1117,14 @@
       </p:sp>
     </p:spTree>
   </p:cSld>
+  <p:clrMapOvr>
+    <a:masterClrMapping/>
+  </p:clrMapOvr>
 </p:sldLayout>
 </file>
 
 <file path=ppt/slideLayouts/slideLayout18.xml><?xml version="1.0" encoding="utf-8"?>
-<p:sldLayout xmlns:a="http://schemas.openxmlformats.org/drawingml/2006/main" xmlns:p="http://schemas.openxmlformats.org/presentationml/2006/main" xmlns:r="http://schemas.openxmlformats.org/officeDocument/2006/relationships" xmlns:p14="http://schemas.microsoft.com/office/powerpoint/2010/main" xmlns:p15="http://schemas.microsoft.com/office/powerpoint/2012/main" xmlns:mc="http://schemas.openxmlformats.org/markup-compatibility/2006" type="objOnly" preserve="1">
+<p:sldLayout xmlns:a="http://schemas.openxmlformats.org/drawingml/2006/main" xmlns:r="http://schemas.openxmlformats.org/officeDocument/2006/relationships" xmlns:p="http://schemas.openxmlformats.org/presentationml/2006/main" type="objOnly" preserve="1">
   <p:cSld name="Centered Text">
     <p:spTree>
       <p:nvGrpSpPr>
@@ -1015,12 +1160,13 @@
           </a:prstGeom>
         </p:spPr>
         <p:txBody>
-          <a:bodyPr lIns="0" rIns="0" tIns="0" bIns="0" anchor="ctr">
+          <a:bodyPr lIns="0" tIns="0" rIns="0" bIns="0" anchor="ctr">
             <a:noAutofit/>
           </a:bodyPr>
+          <a:lstStyle/>
           <a:p>
             <a:pPr algn="ctr"/>
-            <a:endParaRPr b="0" lang="de-DE" sz="3200" spc="-1" strike="noStrike">
+            <a:endParaRPr lang="de-DE" sz="3200" b="0" strike="noStrike" spc="-1">
               <a:latin typeface="Arial"/>
             </a:endParaRPr>
           </a:p>
@@ -1028,11 +1174,14 @@
       </p:sp>
     </p:spTree>
   </p:cSld>
+  <p:clrMapOvr>
+    <a:masterClrMapping/>
+  </p:clrMapOvr>
 </p:sldLayout>
 </file>
 
 <file path=ppt/slideLayouts/slideLayout19.xml><?xml version="1.0" encoding="utf-8"?>
-<p:sldLayout xmlns:a="http://schemas.openxmlformats.org/drawingml/2006/main" xmlns:p="http://schemas.openxmlformats.org/presentationml/2006/main" xmlns:r="http://schemas.openxmlformats.org/officeDocument/2006/relationships" xmlns:p14="http://schemas.microsoft.com/office/powerpoint/2010/main" xmlns:p15="http://schemas.microsoft.com/office/powerpoint/2012/main" xmlns:mc="http://schemas.openxmlformats.org/markup-compatibility/2006" type="twoObjAndObj" preserve="1">
+<p:sldLayout xmlns:a="http://schemas.openxmlformats.org/drawingml/2006/main" xmlns:r="http://schemas.openxmlformats.org/officeDocument/2006/relationships" xmlns:p="http://schemas.openxmlformats.org/presentationml/2006/main" type="twoObjAndObj" preserve="1">
   <p:cSld name="Title, 2 Content and Content">
     <p:spTree>
       <p:nvGrpSpPr>
@@ -1068,11 +1217,12 @@
           </a:prstGeom>
         </p:spPr>
         <p:txBody>
-          <a:bodyPr lIns="0" rIns="0" tIns="0" bIns="0" anchor="ctr">
+          <a:bodyPr lIns="0" tIns="0" rIns="0" bIns="0" anchor="ctr">
             <a:noAutofit/>
           </a:bodyPr>
-          <a:p>
-            <a:endParaRPr b="0" lang="de-DE" sz="1800" spc="-1" strike="noStrike">
+          <a:lstStyle/>
+          <a:p>
+            <a:endParaRPr lang="de-DE" sz="1800" b="0" strike="noStrike" spc="-1">
               <a:solidFill>
                 <a:srgbClr val="000000"/>
               </a:solidFill>
@@ -1101,11 +1251,12 @@
           </a:prstGeom>
         </p:spPr>
         <p:txBody>
-          <a:bodyPr lIns="0" rIns="0" tIns="0" bIns="0">
+          <a:bodyPr lIns="0" tIns="0" rIns="0" bIns="0">
             <a:normAutofit/>
           </a:bodyPr>
-          <a:p>
-            <a:endParaRPr b="0" lang="de-DE" sz="2800" spc="-1" strike="noStrike">
+          <a:lstStyle/>
+          <a:p>
+            <a:endParaRPr lang="de-DE" sz="2800" b="0" strike="noStrike" spc="-1">
               <a:solidFill>
                 <a:srgbClr val="000000"/>
               </a:solidFill>
@@ -1134,11 +1285,12 @@
           </a:prstGeom>
         </p:spPr>
         <p:txBody>
-          <a:bodyPr lIns="0" rIns="0" tIns="0" bIns="0">
+          <a:bodyPr lIns="0" tIns="0" rIns="0" bIns="0">
             <a:normAutofit/>
           </a:bodyPr>
-          <a:p>
-            <a:endParaRPr b="0" lang="de-DE" sz="2800" spc="-1" strike="noStrike">
+          <a:lstStyle/>
+          <a:p>
+            <a:endParaRPr lang="de-DE" sz="2800" b="0" strike="noStrike" spc="-1">
               <a:solidFill>
                 <a:srgbClr val="000000"/>
               </a:solidFill>
@@ -1167,11 +1319,12 @@
           </a:prstGeom>
         </p:spPr>
         <p:txBody>
-          <a:bodyPr lIns="0" rIns="0" tIns="0" bIns="0">
+          <a:bodyPr lIns="0" tIns="0" rIns="0" bIns="0">
             <a:normAutofit/>
           </a:bodyPr>
-          <a:p>
-            <a:endParaRPr b="0" lang="de-DE" sz="2800" spc="-1" strike="noStrike">
+          <a:lstStyle/>
+          <a:p>
+            <a:endParaRPr lang="de-DE" sz="2800" b="0" strike="noStrike" spc="-1">
               <a:solidFill>
                 <a:srgbClr val="000000"/>
               </a:solidFill>
@@ -1182,11 +1335,14 @@
       </p:sp>
     </p:spTree>
   </p:cSld>
+  <p:clrMapOvr>
+    <a:masterClrMapping/>
+  </p:clrMapOvr>
 </p:sldLayout>
 </file>
 
 <file path=ppt/slideLayouts/slideLayout2.xml><?xml version="1.0" encoding="utf-8"?>
-<p:sldLayout xmlns:a="http://schemas.openxmlformats.org/drawingml/2006/main" xmlns:p="http://schemas.openxmlformats.org/presentationml/2006/main" xmlns:r="http://schemas.openxmlformats.org/officeDocument/2006/relationships" xmlns:p14="http://schemas.microsoft.com/office/powerpoint/2010/main" xmlns:p15="http://schemas.microsoft.com/office/powerpoint/2012/main" xmlns:mc="http://schemas.openxmlformats.org/markup-compatibility/2006" type="tx" preserve="1">
+<p:sldLayout xmlns:a="http://schemas.openxmlformats.org/drawingml/2006/main" xmlns:r="http://schemas.openxmlformats.org/officeDocument/2006/relationships" xmlns:p="http://schemas.openxmlformats.org/presentationml/2006/main" type="tx" preserve="1">
   <p:cSld name="Title Slide">
     <p:spTree>
       <p:nvGrpSpPr>
@@ -1222,11 +1378,12 @@
           </a:prstGeom>
         </p:spPr>
         <p:txBody>
-          <a:bodyPr lIns="0" rIns="0" tIns="0" bIns="0" anchor="ctr">
+          <a:bodyPr lIns="0" tIns="0" rIns="0" bIns="0" anchor="ctr">
             <a:noAutofit/>
           </a:bodyPr>
-          <a:p>
-            <a:endParaRPr b="0" lang="de-DE" sz="1800" spc="-1" strike="noStrike">
+          <a:lstStyle/>
+          <a:p>
+            <a:endParaRPr lang="de-DE" sz="1800" b="0" strike="noStrike" spc="-1">
               <a:solidFill>
                 <a:srgbClr val="000000"/>
               </a:solidFill>
@@ -1255,12 +1412,13 @@
           </a:prstGeom>
         </p:spPr>
         <p:txBody>
-          <a:bodyPr lIns="0" rIns="0" tIns="0" bIns="0" anchor="ctr">
+          <a:bodyPr lIns="0" tIns="0" rIns="0" bIns="0" anchor="ctr">
             <a:noAutofit/>
           </a:bodyPr>
+          <a:lstStyle/>
           <a:p>
             <a:pPr algn="ctr"/>
-            <a:endParaRPr b="0" lang="de-DE" sz="3200" spc="-1" strike="noStrike">
+            <a:endParaRPr lang="de-DE" sz="3200" b="0" strike="noStrike" spc="-1">
               <a:latin typeface="Arial"/>
             </a:endParaRPr>
           </a:p>
@@ -1268,11 +1426,14 @@
       </p:sp>
     </p:spTree>
   </p:cSld>
+  <p:clrMapOvr>
+    <a:masterClrMapping/>
+  </p:clrMapOvr>
 </p:sldLayout>
 </file>
 
 <file path=ppt/slideLayouts/slideLayout20.xml><?xml version="1.0" encoding="utf-8"?>
-<p:sldLayout xmlns:a="http://schemas.openxmlformats.org/drawingml/2006/main" xmlns:p="http://schemas.openxmlformats.org/presentationml/2006/main" xmlns:r="http://schemas.openxmlformats.org/officeDocument/2006/relationships" xmlns:p14="http://schemas.microsoft.com/office/powerpoint/2010/main" xmlns:p15="http://schemas.microsoft.com/office/powerpoint/2012/main" xmlns:mc="http://schemas.openxmlformats.org/markup-compatibility/2006" type="objAndTwoObj" preserve="1">
+<p:sldLayout xmlns:a="http://schemas.openxmlformats.org/drawingml/2006/main" xmlns:r="http://schemas.openxmlformats.org/officeDocument/2006/relationships" xmlns:p="http://schemas.openxmlformats.org/presentationml/2006/main" type="objAndTwoObj" preserve="1">
   <p:cSld name="Title Content and 2 Content">
     <p:spTree>
       <p:nvGrpSpPr>
@@ -1308,11 +1469,12 @@
           </a:prstGeom>
         </p:spPr>
         <p:txBody>
-          <a:bodyPr lIns="0" rIns="0" tIns="0" bIns="0" anchor="ctr">
+          <a:bodyPr lIns="0" tIns="0" rIns="0" bIns="0" anchor="ctr">
             <a:noAutofit/>
           </a:bodyPr>
-          <a:p>
-            <a:endParaRPr b="0" lang="de-DE" sz="1800" spc="-1" strike="noStrike">
+          <a:lstStyle/>
+          <a:p>
+            <a:endParaRPr lang="de-DE" sz="1800" b="0" strike="noStrike" spc="-1">
               <a:solidFill>
                 <a:srgbClr val="000000"/>
               </a:solidFill>
@@ -1341,11 +1503,12 @@
           </a:prstGeom>
         </p:spPr>
         <p:txBody>
-          <a:bodyPr lIns="0" rIns="0" tIns="0" bIns="0">
+          <a:bodyPr lIns="0" tIns="0" rIns="0" bIns="0">
             <a:normAutofit/>
           </a:bodyPr>
-          <a:p>
-            <a:endParaRPr b="0" lang="de-DE" sz="2800" spc="-1" strike="noStrike">
+          <a:lstStyle/>
+          <a:p>
+            <a:endParaRPr lang="de-DE" sz="2800" b="0" strike="noStrike" spc="-1">
               <a:solidFill>
                 <a:srgbClr val="000000"/>
               </a:solidFill>
@@ -1374,11 +1537,12 @@
           </a:prstGeom>
         </p:spPr>
         <p:txBody>
-          <a:bodyPr lIns="0" rIns="0" tIns="0" bIns="0">
+          <a:bodyPr lIns="0" tIns="0" rIns="0" bIns="0">
             <a:normAutofit/>
           </a:bodyPr>
-          <a:p>
-            <a:endParaRPr b="0" lang="de-DE" sz="2800" spc="-1" strike="noStrike">
+          <a:lstStyle/>
+          <a:p>
+            <a:endParaRPr lang="de-DE" sz="2800" b="0" strike="noStrike" spc="-1">
               <a:solidFill>
                 <a:srgbClr val="000000"/>
               </a:solidFill>
@@ -1407,11 +1571,12 @@
           </a:prstGeom>
         </p:spPr>
         <p:txBody>
-          <a:bodyPr lIns="0" rIns="0" tIns="0" bIns="0">
+          <a:bodyPr lIns="0" tIns="0" rIns="0" bIns="0">
             <a:normAutofit/>
           </a:bodyPr>
-          <a:p>
-            <a:endParaRPr b="0" lang="de-DE" sz="2800" spc="-1" strike="noStrike">
+          <a:lstStyle/>
+          <a:p>
+            <a:endParaRPr lang="de-DE" sz="2800" b="0" strike="noStrike" spc="-1">
               <a:solidFill>
                 <a:srgbClr val="000000"/>
               </a:solidFill>
@@ -1422,11 +1587,14 @@
       </p:sp>
     </p:spTree>
   </p:cSld>
+  <p:clrMapOvr>
+    <a:masterClrMapping/>
+  </p:clrMapOvr>
 </p:sldLayout>
 </file>
 
 <file path=ppt/slideLayouts/slideLayout21.xml><?xml version="1.0" encoding="utf-8"?>
-<p:sldLayout xmlns:a="http://schemas.openxmlformats.org/drawingml/2006/main" xmlns:p="http://schemas.openxmlformats.org/presentationml/2006/main" xmlns:r="http://schemas.openxmlformats.org/officeDocument/2006/relationships" xmlns:p14="http://schemas.microsoft.com/office/powerpoint/2010/main" xmlns:p15="http://schemas.microsoft.com/office/powerpoint/2012/main" xmlns:mc="http://schemas.openxmlformats.org/markup-compatibility/2006" type="twoObjOverTx" preserve="1">
+<p:sldLayout xmlns:a="http://schemas.openxmlformats.org/drawingml/2006/main" xmlns:r="http://schemas.openxmlformats.org/officeDocument/2006/relationships" xmlns:p="http://schemas.openxmlformats.org/presentationml/2006/main" type="twoObjOverTx" preserve="1">
   <p:cSld name="Title, 2 Content over Content">
     <p:spTree>
       <p:nvGrpSpPr>
@@ -1462,11 +1630,12 @@
           </a:prstGeom>
         </p:spPr>
         <p:txBody>
-          <a:bodyPr lIns="0" rIns="0" tIns="0" bIns="0" anchor="ctr">
+          <a:bodyPr lIns="0" tIns="0" rIns="0" bIns="0" anchor="ctr">
             <a:noAutofit/>
           </a:bodyPr>
-          <a:p>
-            <a:endParaRPr b="0" lang="de-DE" sz="1800" spc="-1" strike="noStrike">
+          <a:lstStyle/>
+          <a:p>
+            <a:endParaRPr lang="de-DE" sz="1800" b="0" strike="noStrike" spc="-1">
               <a:solidFill>
                 <a:srgbClr val="000000"/>
               </a:solidFill>
@@ -1495,11 +1664,12 @@
           </a:prstGeom>
         </p:spPr>
         <p:txBody>
-          <a:bodyPr lIns="0" rIns="0" tIns="0" bIns="0">
+          <a:bodyPr lIns="0" tIns="0" rIns="0" bIns="0">
             <a:normAutofit/>
           </a:bodyPr>
-          <a:p>
-            <a:endParaRPr b="0" lang="de-DE" sz="2800" spc="-1" strike="noStrike">
+          <a:lstStyle/>
+          <a:p>
+            <a:endParaRPr lang="de-DE" sz="2800" b="0" strike="noStrike" spc="-1">
               <a:solidFill>
                 <a:srgbClr val="000000"/>
               </a:solidFill>
@@ -1528,11 +1698,12 @@
           </a:prstGeom>
         </p:spPr>
         <p:txBody>
-          <a:bodyPr lIns="0" rIns="0" tIns="0" bIns="0">
+          <a:bodyPr lIns="0" tIns="0" rIns="0" bIns="0">
             <a:normAutofit/>
           </a:bodyPr>
-          <a:p>
-            <a:endParaRPr b="0" lang="de-DE" sz="2800" spc="-1" strike="noStrike">
+          <a:lstStyle/>
+          <a:p>
+            <a:endParaRPr lang="de-DE" sz="2800" b="0" strike="noStrike" spc="-1">
               <a:solidFill>
                 <a:srgbClr val="000000"/>
               </a:solidFill>
@@ -1561,11 +1732,12 @@
           </a:prstGeom>
         </p:spPr>
         <p:txBody>
-          <a:bodyPr lIns="0" rIns="0" tIns="0" bIns="0">
+          <a:bodyPr lIns="0" tIns="0" rIns="0" bIns="0">
             <a:normAutofit/>
           </a:bodyPr>
-          <a:p>
-            <a:endParaRPr b="0" lang="de-DE" sz="2800" spc="-1" strike="noStrike">
+          <a:lstStyle/>
+          <a:p>
+            <a:endParaRPr lang="de-DE" sz="2800" b="0" strike="noStrike" spc="-1">
               <a:solidFill>
                 <a:srgbClr val="000000"/>
               </a:solidFill>
@@ -1576,11 +1748,14 @@
       </p:sp>
     </p:spTree>
   </p:cSld>
+  <p:clrMapOvr>
+    <a:masterClrMapping/>
+  </p:clrMapOvr>
 </p:sldLayout>
 </file>
 
 <file path=ppt/slideLayouts/slideLayout22.xml><?xml version="1.0" encoding="utf-8"?>
-<p:sldLayout xmlns:a="http://schemas.openxmlformats.org/drawingml/2006/main" xmlns:p="http://schemas.openxmlformats.org/presentationml/2006/main" xmlns:r="http://schemas.openxmlformats.org/officeDocument/2006/relationships" xmlns:p14="http://schemas.microsoft.com/office/powerpoint/2010/main" xmlns:p15="http://schemas.microsoft.com/office/powerpoint/2012/main" xmlns:mc="http://schemas.openxmlformats.org/markup-compatibility/2006" type="objOverTx" preserve="1">
+<p:sldLayout xmlns:a="http://schemas.openxmlformats.org/drawingml/2006/main" xmlns:r="http://schemas.openxmlformats.org/officeDocument/2006/relationships" xmlns:p="http://schemas.openxmlformats.org/presentationml/2006/main" type="objOverTx" preserve="1">
   <p:cSld name="Title, Content over Content">
     <p:spTree>
       <p:nvGrpSpPr>
@@ -1616,11 +1791,12 @@
           </a:prstGeom>
         </p:spPr>
         <p:txBody>
-          <a:bodyPr lIns="0" rIns="0" tIns="0" bIns="0" anchor="ctr">
+          <a:bodyPr lIns="0" tIns="0" rIns="0" bIns="0" anchor="ctr">
             <a:noAutofit/>
           </a:bodyPr>
-          <a:p>
-            <a:endParaRPr b="0" lang="de-DE" sz="1800" spc="-1" strike="noStrike">
+          <a:lstStyle/>
+          <a:p>
+            <a:endParaRPr lang="de-DE" sz="1800" b="0" strike="noStrike" spc="-1">
               <a:solidFill>
                 <a:srgbClr val="000000"/>
               </a:solidFill>
@@ -1649,11 +1825,12 @@
           </a:prstGeom>
         </p:spPr>
         <p:txBody>
-          <a:bodyPr lIns="0" rIns="0" tIns="0" bIns="0">
+          <a:bodyPr lIns="0" tIns="0" rIns="0" bIns="0">
             <a:normAutofit/>
           </a:bodyPr>
-          <a:p>
-            <a:endParaRPr b="0" lang="de-DE" sz="2800" spc="-1" strike="noStrike">
+          <a:lstStyle/>
+          <a:p>
+            <a:endParaRPr lang="de-DE" sz="2800" b="0" strike="noStrike" spc="-1">
               <a:solidFill>
                 <a:srgbClr val="000000"/>
               </a:solidFill>
@@ -1682,11 +1859,12 @@
           </a:prstGeom>
         </p:spPr>
         <p:txBody>
-          <a:bodyPr lIns="0" rIns="0" tIns="0" bIns="0">
+          <a:bodyPr lIns="0" tIns="0" rIns="0" bIns="0">
             <a:normAutofit/>
           </a:bodyPr>
-          <a:p>
-            <a:endParaRPr b="0" lang="de-DE" sz="2800" spc="-1" strike="noStrike">
+          <a:lstStyle/>
+          <a:p>
+            <a:endParaRPr lang="de-DE" sz="2800" b="0" strike="noStrike" spc="-1">
               <a:solidFill>
                 <a:srgbClr val="000000"/>
               </a:solidFill>
@@ -1697,11 +1875,14 @@
       </p:sp>
     </p:spTree>
   </p:cSld>
+  <p:clrMapOvr>
+    <a:masterClrMapping/>
+  </p:clrMapOvr>
 </p:sldLayout>
 </file>
 
 <file path=ppt/slideLayouts/slideLayout23.xml><?xml version="1.0" encoding="utf-8"?>
-<p:sldLayout xmlns:a="http://schemas.openxmlformats.org/drawingml/2006/main" xmlns:p="http://schemas.openxmlformats.org/presentationml/2006/main" xmlns:r="http://schemas.openxmlformats.org/officeDocument/2006/relationships" xmlns:p14="http://schemas.microsoft.com/office/powerpoint/2010/main" xmlns:p15="http://schemas.microsoft.com/office/powerpoint/2012/main" xmlns:mc="http://schemas.openxmlformats.org/markup-compatibility/2006" type="fourObj" preserve="1">
+<p:sldLayout xmlns:a="http://schemas.openxmlformats.org/drawingml/2006/main" xmlns:r="http://schemas.openxmlformats.org/officeDocument/2006/relationships" xmlns:p="http://schemas.openxmlformats.org/presentationml/2006/main" type="fourObj" preserve="1">
   <p:cSld name="Title, 4 Content">
     <p:spTree>
       <p:nvGrpSpPr>
@@ -1737,11 +1918,12 @@
           </a:prstGeom>
         </p:spPr>
         <p:txBody>
-          <a:bodyPr lIns="0" rIns="0" tIns="0" bIns="0" anchor="ctr">
+          <a:bodyPr lIns="0" tIns="0" rIns="0" bIns="0" anchor="ctr">
             <a:noAutofit/>
           </a:bodyPr>
-          <a:p>
-            <a:endParaRPr b="0" lang="de-DE" sz="1800" spc="-1" strike="noStrike">
+          <a:lstStyle/>
+          <a:p>
+            <a:endParaRPr lang="de-DE" sz="1800" b="0" strike="noStrike" spc="-1">
               <a:solidFill>
                 <a:srgbClr val="000000"/>
               </a:solidFill>
@@ -1770,11 +1952,12 @@
           </a:prstGeom>
         </p:spPr>
         <p:txBody>
-          <a:bodyPr lIns="0" rIns="0" tIns="0" bIns="0">
+          <a:bodyPr lIns="0" tIns="0" rIns="0" bIns="0">
             <a:normAutofit/>
           </a:bodyPr>
-          <a:p>
-            <a:endParaRPr b="0" lang="de-DE" sz="2800" spc="-1" strike="noStrike">
+          <a:lstStyle/>
+          <a:p>
+            <a:endParaRPr lang="de-DE" sz="2800" b="0" strike="noStrike" spc="-1">
               <a:solidFill>
                 <a:srgbClr val="000000"/>
               </a:solidFill>
@@ -1803,11 +1986,12 @@
           </a:prstGeom>
         </p:spPr>
         <p:txBody>
-          <a:bodyPr lIns="0" rIns="0" tIns="0" bIns="0">
+          <a:bodyPr lIns="0" tIns="0" rIns="0" bIns="0">
             <a:normAutofit/>
           </a:bodyPr>
-          <a:p>
-            <a:endParaRPr b="0" lang="de-DE" sz="2800" spc="-1" strike="noStrike">
+          <a:lstStyle/>
+          <a:p>
+            <a:endParaRPr lang="de-DE" sz="2800" b="0" strike="noStrike" spc="-1">
               <a:solidFill>
                 <a:srgbClr val="000000"/>
               </a:solidFill>
@@ -1836,11 +2020,12 @@
           </a:prstGeom>
         </p:spPr>
         <p:txBody>
-          <a:bodyPr lIns="0" rIns="0" tIns="0" bIns="0">
+          <a:bodyPr lIns="0" tIns="0" rIns="0" bIns="0">
             <a:normAutofit/>
           </a:bodyPr>
-          <a:p>
-            <a:endParaRPr b="0" lang="de-DE" sz="2800" spc="-1" strike="noStrike">
+          <a:lstStyle/>
+          <a:p>
+            <a:endParaRPr lang="de-DE" sz="2800" b="0" strike="noStrike" spc="-1">
               <a:solidFill>
                 <a:srgbClr val="000000"/>
               </a:solidFill>
@@ -1869,11 +2054,12 @@
           </a:prstGeom>
         </p:spPr>
         <p:txBody>
-          <a:bodyPr lIns="0" rIns="0" tIns="0" bIns="0">
+          <a:bodyPr lIns="0" tIns="0" rIns="0" bIns="0">
             <a:normAutofit/>
           </a:bodyPr>
-          <a:p>
-            <a:endParaRPr b="0" lang="de-DE" sz="2800" spc="-1" strike="noStrike">
+          <a:lstStyle/>
+          <a:p>
+            <a:endParaRPr lang="de-DE" sz="2800" b="0" strike="noStrike" spc="-1">
               <a:solidFill>
                 <a:srgbClr val="000000"/>
               </a:solidFill>
@@ -1884,11 +2070,14 @@
       </p:sp>
     </p:spTree>
   </p:cSld>
+  <p:clrMapOvr>
+    <a:masterClrMapping/>
+  </p:clrMapOvr>
 </p:sldLayout>
 </file>
 
 <file path=ppt/slideLayouts/slideLayout24.xml><?xml version="1.0" encoding="utf-8"?>
-<p:sldLayout xmlns:a="http://schemas.openxmlformats.org/drawingml/2006/main" xmlns:p="http://schemas.openxmlformats.org/presentationml/2006/main" xmlns:r="http://schemas.openxmlformats.org/officeDocument/2006/relationships" xmlns:p14="http://schemas.microsoft.com/office/powerpoint/2010/main" xmlns:p15="http://schemas.microsoft.com/office/powerpoint/2012/main" xmlns:mc="http://schemas.openxmlformats.org/markup-compatibility/2006" type="blank" preserve="1">
+<p:sldLayout xmlns:a="http://schemas.openxmlformats.org/drawingml/2006/main" xmlns:r="http://schemas.openxmlformats.org/officeDocument/2006/relationships" xmlns:p="http://schemas.openxmlformats.org/presentationml/2006/main" type="blank" preserve="1">
   <p:cSld name="Title, 6 Content">
     <p:spTree>
       <p:nvGrpSpPr>
@@ -1924,11 +2113,12 @@
           </a:prstGeom>
         </p:spPr>
         <p:txBody>
-          <a:bodyPr lIns="0" rIns="0" tIns="0" bIns="0" anchor="ctr">
+          <a:bodyPr lIns="0" tIns="0" rIns="0" bIns="0" anchor="ctr">
             <a:noAutofit/>
           </a:bodyPr>
-          <a:p>
-            <a:endParaRPr b="0" lang="de-DE" sz="1800" spc="-1" strike="noStrike">
+          <a:lstStyle/>
+          <a:p>
+            <a:endParaRPr lang="de-DE" sz="1800" b="0" strike="noStrike" spc="-1">
               <a:solidFill>
                 <a:srgbClr val="000000"/>
               </a:solidFill>
@@ -1957,11 +2147,12 @@
           </a:prstGeom>
         </p:spPr>
         <p:txBody>
-          <a:bodyPr lIns="0" rIns="0" tIns="0" bIns="0">
+          <a:bodyPr lIns="0" tIns="0" rIns="0" bIns="0">
             <a:normAutofit/>
           </a:bodyPr>
-          <a:p>
-            <a:endParaRPr b="0" lang="de-DE" sz="2800" spc="-1" strike="noStrike">
+          <a:lstStyle/>
+          <a:p>
+            <a:endParaRPr lang="de-DE" sz="2800" b="0" strike="noStrike" spc="-1">
               <a:solidFill>
                 <a:srgbClr val="000000"/>
               </a:solidFill>
@@ -1990,11 +2181,12 @@
           </a:prstGeom>
         </p:spPr>
         <p:txBody>
-          <a:bodyPr lIns="0" rIns="0" tIns="0" bIns="0">
+          <a:bodyPr lIns="0" tIns="0" rIns="0" bIns="0">
             <a:normAutofit/>
           </a:bodyPr>
-          <a:p>
-            <a:endParaRPr b="0" lang="de-DE" sz="2800" spc="-1" strike="noStrike">
+          <a:lstStyle/>
+          <a:p>
+            <a:endParaRPr lang="de-DE" sz="2800" b="0" strike="noStrike" spc="-1">
               <a:solidFill>
                 <a:srgbClr val="000000"/>
               </a:solidFill>
@@ -2023,11 +2215,12 @@
           </a:prstGeom>
         </p:spPr>
         <p:txBody>
-          <a:bodyPr lIns="0" rIns="0" tIns="0" bIns="0">
+          <a:bodyPr lIns="0" tIns="0" rIns="0" bIns="0">
             <a:normAutofit/>
           </a:bodyPr>
-          <a:p>
-            <a:endParaRPr b="0" lang="de-DE" sz="2800" spc="-1" strike="noStrike">
+          <a:lstStyle/>
+          <a:p>
+            <a:endParaRPr lang="de-DE" sz="2800" b="0" strike="noStrike" spc="-1">
               <a:solidFill>
                 <a:srgbClr val="000000"/>
               </a:solidFill>
@@ -2056,11 +2249,12 @@
           </a:prstGeom>
         </p:spPr>
         <p:txBody>
-          <a:bodyPr lIns="0" rIns="0" tIns="0" bIns="0">
+          <a:bodyPr lIns="0" tIns="0" rIns="0" bIns="0">
             <a:normAutofit/>
           </a:bodyPr>
-          <a:p>
-            <a:endParaRPr b="0" lang="de-DE" sz="2800" spc="-1" strike="noStrike">
+          <a:lstStyle/>
+          <a:p>
+            <a:endParaRPr lang="de-DE" sz="2800" b="0" strike="noStrike" spc="-1">
               <a:solidFill>
                 <a:srgbClr val="000000"/>
               </a:solidFill>
@@ -2089,11 +2283,12 @@
           </a:prstGeom>
         </p:spPr>
         <p:txBody>
-          <a:bodyPr lIns="0" rIns="0" tIns="0" bIns="0">
+          <a:bodyPr lIns="0" tIns="0" rIns="0" bIns="0">
             <a:normAutofit/>
           </a:bodyPr>
-          <a:p>
-            <a:endParaRPr b="0" lang="de-DE" sz="2800" spc="-1" strike="noStrike">
+          <a:lstStyle/>
+          <a:p>
+            <a:endParaRPr lang="de-DE" sz="2800" b="0" strike="noStrike" spc="-1">
               <a:solidFill>
                 <a:srgbClr val="000000"/>
               </a:solidFill>
@@ -2122,11 +2317,12 @@
           </a:prstGeom>
         </p:spPr>
         <p:txBody>
-          <a:bodyPr lIns="0" rIns="0" tIns="0" bIns="0">
+          <a:bodyPr lIns="0" tIns="0" rIns="0" bIns="0">
             <a:normAutofit/>
           </a:bodyPr>
-          <a:p>
-            <a:endParaRPr b="0" lang="de-DE" sz="2800" spc="-1" strike="noStrike">
+          <a:lstStyle/>
+          <a:p>
+            <a:endParaRPr lang="de-DE" sz="2800" b="0" strike="noStrike" spc="-1">
               <a:solidFill>
                 <a:srgbClr val="000000"/>
               </a:solidFill>
@@ -2137,11 +2333,14 @@
       </p:sp>
     </p:spTree>
   </p:cSld>
+  <p:clrMapOvr>
+    <a:masterClrMapping/>
+  </p:clrMapOvr>
 </p:sldLayout>
 </file>
 
 <file path=ppt/slideLayouts/slideLayout25.xml><?xml version="1.0" encoding="utf-8"?>
-<p:sldLayout xmlns:a="http://schemas.openxmlformats.org/drawingml/2006/main" xmlns:p="http://schemas.openxmlformats.org/presentationml/2006/main" xmlns:r="http://schemas.openxmlformats.org/officeDocument/2006/relationships" xmlns:p14="http://schemas.microsoft.com/office/powerpoint/2010/main" xmlns:p15="http://schemas.microsoft.com/office/powerpoint/2012/main" xmlns:mc="http://schemas.openxmlformats.org/markup-compatibility/2006" type="blank" preserve="1">
+<p:sldLayout xmlns:a="http://schemas.openxmlformats.org/drawingml/2006/main" xmlns:r="http://schemas.openxmlformats.org/officeDocument/2006/relationships" xmlns:p="http://schemas.openxmlformats.org/presentationml/2006/main" type="blank" preserve="1">
   <p:cSld name="Blank Slide">
     <p:spTree>
       <p:nvGrpSpPr>
@@ -2159,11 +2358,14 @@
       </p:grpSpPr>
     </p:spTree>
   </p:cSld>
+  <p:clrMapOvr>
+    <a:masterClrMapping/>
+  </p:clrMapOvr>
 </p:sldLayout>
 </file>
 
 <file path=ppt/slideLayouts/slideLayout26.xml><?xml version="1.0" encoding="utf-8"?>
-<p:sldLayout xmlns:a="http://schemas.openxmlformats.org/drawingml/2006/main" xmlns:p="http://schemas.openxmlformats.org/presentationml/2006/main" xmlns:r="http://schemas.openxmlformats.org/officeDocument/2006/relationships" xmlns:p14="http://schemas.microsoft.com/office/powerpoint/2010/main" xmlns:p15="http://schemas.microsoft.com/office/powerpoint/2012/main" xmlns:mc="http://schemas.openxmlformats.org/markup-compatibility/2006" type="tx" preserve="1">
+<p:sldLayout xmlns:a="http://schemas.openxmlformats.org/drawingml/2006/main" xmlns:r="http://schemas.openxmlformats.org/officeDocument/2006/relationships" xmlns:p="http://schemas.openxmlformats.org/presentationml/2006/main" type="tx" preserve="1">
   <p:cSld name="Title Slide">
     <p:spTree>
       <p:nvGrpSpPr>
@@ -2199,11 +2401,12 @@
           </a:prstGeom>
         </p:spPr>
         <p:txBody>
-          <a:bodyPr lIns="0" rIns="0" tIns="0" bIns="0" anchor="ctr">
+          <a:bodyPr lIns="0" tIns="0" rIns="0" bIns="0" anchor="ctr">
             <a:noAutofit/>
           </a:bodyPr>
-          <a:p>
-            <a:endParaRPr b="0" lang="de-DE" sz="1800" spc="-1" strike="noStrike">
+          <a:lstStyle/>
+          <a:p>
+            <a:endParaRPr lang="de-DE" sz="1800" b="0" strike="noStrike" spc="-1">
               <a:solidFill>
                 <a:srgbClr val="000000"/>
               </a:solidFill>
@@ -2232,12 +2435,13 @@
           </a:prstGeom>
         </p:spPr>
         <p:txBody>
-          <a:bodyPr lIns="0" rIns="0" tIns="0" bIns="0" anchor="ctr">
+          <a:bodyPr lIns="0" tIns="0" rIns="0" bIns="0" anchor="ctr">
             <a:noAutofit/>
           </a:bodyPr>
+          <a:lstStyle/>
           <a:p>
             <a:pPr algn="ctr"/>
-            <a:endParaRPr b="0" lang="de-DE" sz="3200" spc="-1" strike="noStrike">
+            <a:endParaRPr lang="de-DE" sz="3200" b="0" strike="noStrike" spc="-1">
               <a:latin typeface="Arial"/>
             </a:endParaRPr>
           </a:p>
@@ -2245,11 +2449,14 @@
       </p:sp>
     </p:spTree>
   </p:cSld>
+  <p:clrMapOvr>
+    <a:masterClrMapping/>
+  </p:clrMapOvr>
 </p:sldLayout>
 </file>
 
 <file path=ppt/slideLayouts/slideLayout27.xml><?xml version="1.0" encoding="utf-8"?>
-<p:sldLayout xmlns:a="http://schemas.openxmlformats.org/drawingml/2006/main" xmlns:p="http://schemas.openxmlformats.org/presentationml/2006/main" xmlns:r="http://schemas.openxmlformats.org/officeDocument/2006/relationships" xmlns:p14="http://schemas.microsoft.com/office/powerpoint/2010/main" xmlns:p15="http://schemas.microsoft.com/office/powerpoint/2012/main" xmlns:mc="http://schemas.openxmlformats.org/markup-compatibility/2006" type="obj" preserve="1">
+<p:sldLayout xmlns:a="http://schemas.openxmlformats.org/drawingml/2006/main" xmlns:r="http://schemas.openxmlformats.org/officeDocument/2006/relationships" xmlns:p="http://schemas.openxmlformats.org/presentationml/2006/main" type="obj" preserve="1">
   <p:cSld name="Title, Content">
     <p:spTree>
       <p:nvGrpSpPr>
@@ -2285,11 +2492,12 @@
           </a:prstGeom>
         </p:spPr>
         <p:txBody>
-          <a:bodyPr lIns="0" rIns="0" tIns="0" bIns="0" anchor="ctr">
+          <a:bodyPr lIns="0" tIns="0" rIns="0" bIns="0" anchor="ctr">
             <a:noAutofit/>
           </a:bodyPr>
-          <a:p>
-            <a:endParaRPr b="0" lang="de-DE" sz="1800" spc="-1" strike="noStrike">
+          <a:lstStyle/>
+          <a:p>
+            <a:endParaRPr lang="de-DE" sz="1800" b="0" strike="noStrike" spc="-1">
               <a:solidFill>
                 <a:srgbClr val="000000"/>
               </a:solidFill>
@@ -2318,11 +2526,12 @@
           </a:prstGeom>
         </p:spPr>
         <p:txBody>
-          <a:bodyPr lIns="0" rIns="0" tIns="0" bIns="0">
+          <a:bodyPr lIns="0" tIns="0" rIns="0" bIns="0">
             <a:normAutofit/>
           </a:bodyPr>
-          <a:p>
-            <a:endParaRPr b="0" lang="de-DE" sz="2800" spc="-1" strike="noStrike">
+          <a:lstStyle/>
+          <a:p>
+            <a:endParaRPr lang="de-DE" sz="2800" b="0" strike="noStrike" spc="-1">
               <a:solidFill>
                 <a:srgbClr val="000000"/>
               </a:solidFill>
@@ -2333,11 +2542,14 @@
       </p:sp>
     </p:spTree>
   </p:cSld>
+  <p:clrMapOvr>
+    <a:masterClrMapping/>
+  </p:clrMapOvr>
 </p:sldLayout>
 </file>
 
 <file path=ppt/slideLayouts/slideLayout28.xml><?xml version="1.0" encoding="utf-8"?>
-<p:sldLayout xmlns:a="http://schemas.openxmlformats.org/drawingml/2006/main" xmlns:p="http://schemas.openxmlformats.org/presentationml/2006/main" xmlns:r="http://schemas.openxmlformats.org/officeDocument/2006/relationships" xmlns:p14="http://schemas.microsoft.com/office/powerpoint/2010/main" xmlns:p15="http://schemas.microsoft.com/office/powerpoint/2012/main" xmlns:mc="http://schemas.openxmlformats.org/markup-compatibility/2006" type="twoObj" preserve="1">
+<p:sldLayout xmlns:a="http://schemas.openxmlformats.org/drawingml/2006/main" xmlns:r="http://schemas.openxmlformats.org/officeDocument/2006/relationships" xmlns:p="http://schemas.openxmlformats.org/presentationml/2006/main" type="twoObj" preserve="1">
   <p:cSld name="Title, 2 Content">
     <p:spTree>
       <p:nvGrpSpPr>
@@ -2373,11 +2585,12 @@
           </a:prstGeom>
         </p:spPr>
         <p:txBody>
-          <a:bodyPr lIns="0" rIns="0" tIns="0" bIns="0" anchor="ctr">
+          <a:bodyPr lIns="0" tIns="0" rIns="0" bIns="0" anchor="ctr">
             <a:noAutofit/>
           </a:bodyPr>
-          <a:p>
-            <a:endParaRPr b="0" lang="de-DE" sz="1800" spc="-1" strike="noStrike">
+          <a:lstStyle/>
+          <a:p>
+            <a:endParaRPr lang="de-DE" sz="1800" b="0" strike="noStrike" spc="-1">
               <a:solidFill>
                 <a:srgbClr val="000000"/>
               </a:solidFill>
@@ -2406,11 +2619,12 @@
           </a:prstGeom>
         </p:spPr>
         <p:txBody>
-          <a:bodyPr lIns="0" rIns="0" tIns="0" bIns="0">
+          <a:bodyPr lIns="0" tIns="0" rIns="0" bIns="0">
             <a:normAutofit/>
           </a:bodyPr>
-          <a:p>
-            <a:endParaRPr b="0" lang="de-DE" sz="2800" spc="-1" strike="noStrike">
+          <a:lstStyle/>
+          <a:p>
+            <a:endParaRPr lang="de-DE" sz="2800" b="0" strike="noStrike" spc="-1">
               <a:solidFill>
                 <a:srgbClr val="000000"/>
               </a:solidFill>
@@ -2439,11 +2653,12 @@
           </a:prstGeom>
         </p:spPr>
         <p:txBody>
-          <a:bodyPr lIns="0" rIns="0" tIns="0" bIns="0">
+          <a:bodyPr lIns="0" tIns="0" rIns="0" bIns="0">
             <a:normAutofit/>
           </a:bodyPr>
-          <a:p>
-            <a:endParaRPr b="0" lang="de-DE" sz="2800" spc="-1" strike="noStrike">
+          <a:lstStyle/>
+          <a:p>
+            <a:endParaRPr lang="de-DE" sz="2800" b="0" strike="noStrike" spc="-1">
               <a:solidFill>
                 <a:srgbClr val="000000"/>
               </a:solidFill>
@@ -2454,11 +2669,14 @@
       </p:sp>
     </p:spTree>
   </p:cSld>
+  <p:clrMapOvr>
+    <a:masterClrMapping/>
+  </p:clrMapOvr>
 </p:sldLayout>
 </file>
 
 <file path=ppt/slideLayouts/slideLayout29.xml><?xml version="1.0" encoding="utf-8"?>
-<p:sldLayout xmlns:a="http://schemas.openxmlformats.org/drawingml/2006/main" xmlns:p="http://schemas.openxmlformats.org/presentationml/2006/main" xmlns:r="http://schemas.openxmlformats.org/officeDocument/2006/relationships" xmlns:p14="http://schemas.microsoft.com/office/powerpoint/2010/main" xmlns:p15="http://schemas.microsoft.com/office/powerpoint/2012/main" xmlns:mc="http://schemas.openxmlformats.org/markup-compatibility/2006" type="titleOnly" preserve="1">
+<p:sldLayout xmlns:a="http://schemas.openxmlformats.org/drawingml/2006/main" xmlns:r="http://schemas.openxmlformats.org/officeDocument/2006/relationships" xmlns:p="http://schemas.openxmlformats.org/presentationml/2006/main" type="titleOnly" preserve="1">
   <p:cSld name="Title Only">
     <p:spTree>
       <p:nvGrpSpPr>
@@ -2494,11 +2712,12 @@
           </a:prstGeom>
         </p:spPr>
         <p:txBody>
-          <a:bodyPr lIns="0" rIns="0" tIns="0" bIns="0" anchor="ctr">
+          <a:bodyPr lIns="0" tIns="0" rIns="0" bIns="0" anchor="ctr">
             <a:noAutofit/>
           </a:bodyPr>
-          <a:p>
-            <a:endParaRPr b="0" lang="de-DE" sz="1800" spc="-1" strike="noStrike">
+          <a:lstStyle/>
+          <a:p>
+            <a:endParaRPr lang="de-DE" sz="1800" b="0" strike="noStrike" spc="-1">
               <a:solidFill>
                 <a:srgbClr val="000000"/>
               </a:solidFill>
@@ -2509,11 +2728,14 @@
       </p:sp>
     </p:spTree>
   </p:cSld>
+  <p:clrMapOvr>
+    <a:masterClrMapping/>
+  </p:clrMapOvr>
 </p:sldLayout>
 </file>
 
 <file path=ppt/slideLayouts/slideLayout3.xml><?xml version="1.0" encoding="utf-8"?>
-<p:sldLayout xmlns:a="http://schemas.openxmlformats.org/drawingml/2006/main" xmlns:p="http://schemas.openxmlformats.org/presentationml/2006/main" xmlns:r="http://schemas.openxmlformats.org/officeDocument/2006/relationships" xmlns:p14="http://schemas.microsoft.com/office/powerpoint/2010/main" xmlns:p15="http://schemas.microsoft.com/office/powerpoint/2012/main" xmlns:mc="http://schemas.openxmlformats.org/markup-compatibility/2006" type="obj" preserve="1">
+<p:sldLayout xmlns:a="http://schemas.openxmlformats.org/drawingml/2006/main" xmlns:r="http://schemas.openxmlformats.org/officeDocument/2006/relationships" xmlns:p="http://schemas.openxmlformats.org/presentationml/2006/main" type="obj" preserve="1">
   <p:cSld name="Title, Content">
     <p:spTree>
       <p:nvGrpSpPr>
@@ -2549,11 +2771,12 @@
           </a:prstGeom>
         </p:spPr>
         <p:txBody>
-          <a:bodyPr lIns="0" rIns="0" tIns="0" bIns="0" anchor="ctr">
+          <a:bodyPr lIns="0" tIns="0" rIns="0" bIns="0" anchor="ctr">
             <a:noAutofit/>
           </a:bodyPr>
-          <a:p>
-            <a:endParaRPr b="0" lang="de-DE" sz="1800" spc="-1" strike="noStrike">
+          <a:lstStyle/>
+          <a:p>
+            <a:endParaRPr lang="de-DE" sz="1800" b="0" strike="noStrike" spc="-1">
               <a:solidFill>
                 <a:srgbClr val="000000"/>
               </a:solidFill>
@@ -2582,11 +2805,12 @@
           </a:prstGeom>
         </p:spPr>
         <p:txBody>
-          <a:bodyPr lIns="0" rIns="0" tIns="0" bIns="0">
+          <a:bodyPr lIns="0" tIns="0" rIns="0" bIns="0">
             <a:normAutofit/>
           </a:bodyPr>
-          <a:p>
-            <a:endParaRPr b="0" lang="de-DE" sz="2800" spc="-1" strike="noStrike">
+          <a:lstStyle/>
+          <a:p>
+            <a:endParaRPr lang="de-DE" sz="2800" b="0" strike="noStrike" spc="-1">
               <a:solidFill>
                 <a:srgbClr val="000000"/>
               </a:solidFill>
@@ -2597,11 +2821,14 @@
       </p:sp>
     </p:spTree>
   </p:cSld>
+  <p:clrMapOvr>
+    <a:masterClrMapping/>
+  </p:clrMapOvr>
 </p:sldLayout>
 </file>
 
 <file path=ppt/slideLayouts/slideLayout30.xml><?xml version="1.0" encoding="utf-8"?>
-<p:sldLayout xmlns:a="http://schemas.openxmlformats.org/drawingml/2006/main" xmlns:p="http://schemas.openxmlformats.org/presentationml/2006/main" xmlns:r="http://schemas.openxmlformats.org/officeDocument/2006/relationships" xmlns:p14="http://schemas.microsoft.com/office/powerpoint/2010/main" xmlns:p15="http://schemas.microsoft.com/office/powerpoint/2012/main" xmlns:mc="http://schemas.openxmlformats.org/markup-compatibility/2006" type="objOnly" preserve="1">
+<p:sldLayout xmlns:a="http://schemas.openxmlformats.org/drawingml/2006/main" xmlns:r="http://schemas.openxmlformats.org/officeDocument/2006/relationships" xmlns:p="http://schemas.openxmlformats.org/presentationml/2006/main" type="objOnly" preserve="1">
   <p:cSld name="Centered Text">
     <p:spTree>
       <p:nvGrpSpPr>
@@ -2637,12 +2864,13 @@
           </a:prstGeom>
         </p:spPr>
         <p:txBody>
-          <a:bodyPr lIns="0" rIns="0" tIns="0" bIns="0" anchor="ctr">
+          <a:bodyPr lIns="0" tIns="0" rIns="0" bIns="0" anchor="ctr">
             <a:noAutofit/>
           </a:bodyPr>
+          <a:lstStyle/>
           <a:p>
             <a:pPr algn="ctr"/>
-            <a:endParaRPr b="0" lang="de-DE" sz="3200" spc="-1" strike="noStrike">
+            <a:endParaRPr lang="de-DE" sz="3200" b="0" strike="noStrike" spc="-1">
               <a:latin typeface="Arial"/>
             </a:endParaRPr>
           </a:p>
@@ -2650,11 +2878,14 @@
       </p:sp>
     </p:spTree>
   </p:cSld>
+  <p:clrMapOvr>
+    <a:masterClrMapping/>
+  </p:clrMapOvr>
 </p:sldLayout>
 </file>
 
 <file path=ppt/slideLayouts/slideLayout31.xml><?xml version="1.0" encoding="utf-8"?>
-<p:sldLayout xmlns:a="http://schemas.openxmlformats.org/drawingml/2006/main" xmlns:p="http://schemas.openxmlformats.org/presentationml/2006/main" xmlns:r="http://schemas.openxmlformats.org/officeDocument/2006/relationships" xmlns:p14="http://schemas.microsoft.com/office/powerpoint/2010/main" xmlns:p15="http://schemas.microsoft.com/office/powerpoint/2012/main" xmlns:mc="http://schemas.openxmlformats.org/markup-compatibility/2006" type="twoObjAndObj" preserve="1">
+<p:sldLayout xmlns:a="http://schemas.openxmlformats.org/drawingml/2006/main" xmlns:r="http://schemas.openxmlformats.org/officeDocument/2006/relationships" xmlns:p="http://schemas.openxmlformats.org/presentationml/2006/main" type="twoObjAndObj" preserve="1">
   <p:cSld name="Title, 2 Content and Content">
     <p:spTree>
       <p:nvGrpSpPr>
@@ -2690,11 +2921,12 @@
           </a:prstGeom>
         </p:spPr>
         <p:txBody>
-          <a:bodyPr lIns="0" rIns="0" tIns="0" bIns="0" anchor="ctr">
+          <a:bodyPr lIns="0" tIns="0" rIns="0" bIns="0" anchor="ctr">
             <a:noAutofit/>
           </a:bodyPr>
-          <a:p>
-            <a:endParaRPr b="0" lang="de-DE" sz="1800" spc="-1" strike="noStrike">
+          <a:lstStyle/>
+          <a:p>
+            <a:endParaRPr lang="de-DE" sz="1800" b="0" strike="noStrike" spc="-1">
               <a:solidFill>
                 <a:srgbClr val="000000"/>
               </a:solidFill>
@@ -2723,11 +2955,12 @@
           </a:prstGeom>
         </p:spPr>
         <p:txBody>
-          <a:bodyPr lIns="0" rIns="0" tIns="0" bIns="0">
+          <a:bodyPr lIns="0" tIns="0" rIns="0" bIns="0">
             <a:normAutofit/>
           </a:bodyPr>
-          <a:p>
-            <a:endParaRPr b="0" lang="de-DE" sz="2800" spc="-1" strike="noStrike">
+          <a:lstStyle/>
+          <a:p>
+            <a:endParaRPr lang="de-DE" sz="2800" b="0" strike="noStrike" spc="-1">
               <a:solidFill>
                 <a:srgbClr val="000000"/>
               </a:solidFill>
@@ -2756,11 +2989,12 @@
           </a:prstGeom>
         </p:spPr>
         <p:txBody>
-          <a:bodyPr lIns="0" rIns="0" tIns="0" bIns="0">
+          <a:bodyPr lIns="0" tIns="0" rIns="0" bIns="0">
             <a:normAutofit/>
           </a:bodyPr>
-          <a:p>
-            <a:endParaRPr b="0" lang="de-DE" sz="2800" spc="-1" strike="noStrike">
+          <a:lstStyle/>
+          <a:p>
+            <a:endParaRPr lang="de-DE" sz="2800" b="0" strike="noStrike" spc="-1">
               <a:solidFill>
                 <a:srgbClr val="000000"/>
               </a:solidFill>
@@ -2789,11 +3023,12 @@
           </a:prstGeom>
         </p:spPr>
         <p:txBody>
-          <a:bodyPr lIns="0" rIns="0" tIns="0" bIns="0">
+          <a:bodyPr lIns="0" tIns="0" rIns="0" bIns="0">
             <a:normAutofit/>
           </a:bodyPr>
-          <a:p>
-            <a:endParaRPr b="0" lang="de-DE" sz="2800" spc="-1" strike="noStrike">
+          <a:lstStyle/>
+          <a:p>
+            <a:endParaRPr lang="de-DE" sz="2800" b="0" strike="noStrike" spc="-1">
               <a:solidFill>
                 <a:srgbClr val="000000"/>
               </a:solidFill>
@@ -2804,11 +3039,14 @@
       </p:sp>
     </p:spTree>
   </p:cSld>
+  <p:clrMapOvr>
+    <a:masterClrMapping/>
+  </p:clrMapOvr>
 </p:sldLayout>
 </file>
 
 <file path=ppt/slideLayouts/slideLayout32.xml><?xml version="1.0" encoding="utf-8"?>
-<p:sldLayout xmlns:a="http://schemas.openxmlformats.org/drawingml/2006/main" xmlns:p="http://schemas.openxmlformats.org/presentationml/2006/main" xmlns:r="http://schemas.openxmlformats.org/officeDocument/2006/relationships" xmlns:p14="http://schemas.microsoft.com/office/powerpoint/2010/main" xmlns:p15="http://schemas.microsoft.com/office/powerpoint/2012/main" xmlns:mc="http://schemas.openxmlformats.org/markup-compatibility/2006" type="objAndTwoObj" preserve="1">
+<p:sldLayout xmlns:a="http://schemas.openxmlformats.org/drawingml/2006/main" xmlns:r="http://schemas.openxmlformats.org/officeDocument/2006/relationships" xmlns:p="http://schemas.openxmlformats.org/presentationml/2006/main" type="objAndTwoObj" preserve="1">
   <p:cSld name="Title Content and 2 Content">
     <p:spTree>
       <p:nvGrpSpPr>
@@ -2844,11 +3082,12 @@
           </a:prstGeom>
         </p:spPr>
         <p:txBody>
-          <a:bodyPr lIns="0" rIns="0" tIns="0" bIns="0" anchor="ctr">
+          <a:bodyPr lIns="0" tIns="0" rIns="0" bIns="0" anchor="ctr">
             <a:noAutofit/>
           </a:bodyPr>
-          <a:p>
-            <a:endParaRPr b="0" lang="de-DE" sz="1800" spc="-1" strike="noStrike">
+          <a:lstStyle/>
+          <a:p>
+            <a:endParaRPr lang="de-DE" sz="1800" b="0" strike="noStrike" spc="-1">
               <a:solidFill>
                 <a:srgbClr val="000000"/>
               </a:solidFill>
@@ -2877,11 +3116,12 @@
           </a:prstGeom>
         </p:spPr>
         <p:txBody>
-          <a:bodyPr lIns="0" rIns="0" tIns="0" bIns="0">
+          <a:bodyPr lIns="0" tIns="0" rIns="0" bIns="0">
             <a:normAutofit/>
           </a:bodyPr>
-          <a:p>
-            <a:endParaRPr b="0" lang="de-DE" sz="2800" spc="-1" strike="noStrike">
+          <a:lstStyle/>
+          <a:p>
+            <a:endParaRPr lang="de-DE" sz="2800" b="0" strike="noStrike" spc="-1">
               <a:solidFill>
                 <a:srgbClr val="000000"/>
               </a:solidFill>
@@ -2910,11 +3150,12 @@
           </a:prstGeom>
         </p:spPr>
         <p:txBody>
-          <a:bodyPr lIns="0" rIns="0" tIns="0" bIns="0">
+          <a:bodyPr lIns="0" tIns="0" rIns="0" bIns="0">
             <a:normAutofit/>
           </a:bodyPr>
-          <a:p>
-            <a:endParaRPr b="0" lang="de-DE" sz="2800" spc="-1" strike="noStrike">
+          <a:lstStyle/>
+          <a:p>
+            <a:endParaRPr lang="de-DE" sz="2800" b="0" strike="noStrike" spc="-1">
               <a:solidFill>
                 <a:srgbClr val="000000"/>
               </a:solidFill>
@@ -2943,11 +3184,12 @@
           </a:prstGeom>
         </p:spPr>
         <p:txBody>
-          <a:bodyPr lIns="0" rIns="0" tIns="0" bIns="0">
+          <a:bodyPr lIns="0" tIns="0" rIns="0" bIns="0">
             <a:normAutofit/>
           </a:bodyPr>
-          <a:p>
-            <a:endParaRPr b="0" lang="de-DE" sz="2800" spc="-1" strike="noStrike">
+          <a:lstStyle/>
+          <a:p>
+            <a:endParaRPr lang="de-DE" sz="2800" b="0" strike="noStrike" spc="-1">
               <a:solidFill>
                 <a:srgbClr val="000000"/>
               </a:solidFill>
@@ -2958,11 +3200,14 @@
       </p:sp>
     </p:spTree>
   </p:cSld>
+  <p:clrMapOvr>
+    <a:masterClrMapping/>
+  </p:clrMapOvr>
 </p:sldLayout>
 </file>
 
 <file path=ppt/slideLayouts/slideLayout33.xml><?xml version="1.0" encoding="utf-8"?>
-<p:sldLayout xmlns:a="http://schemas.openxmlformats.org/drawingml/2006/main" xmlns:p="http://schemas.openxmlformats.org/presentationml/2006/main" xmlns:r="http://schemas.openxmlformats.org/officeDocument/2006/relationships" xmlns:p14="http://schemas.microsoft.com/office/powerpoint/2010/main" xmlns:p15="http://schemas.microsoft.com/office/powerpoint/2012/main" xmlns:mc="http://schemas.openxmlformats.org/markup-compatibility/2006" type="twoObjOverTx" preserve="1">
+<p:sldLayout xmlns:a="http://schemas.openxmlformats.org/drawingml/2006/main" xmlns:r="http://schemas.openxmlformats.org/officeDocument/2006/relationships" xmlns:p="http://schemas.openxmlformats.org/presentationml/2006/main" type="twoObjOverTx" preserve="1">
   <p:cSld name="Title, 2 Content over Content">
     <p:spTree>
       <p:nvGrpSpPr>
@@ -2998,11 +3243,12 @@
           </a:prstGeom>
         </p:spPr>
         <p:txBody>
-          <a:bodyPr lIns="0" rIns="0" tIns="0" bIns="0" anchor="ctr">
+          <a:bodyPr lIns="0" tIns="0" rIns="0" bIns="0" anchor="ctr">
             <a:noAutofit/>
           </a:bodyPr>
-          <a:p>
-            <a:endParaRPr b="0" lang="de-DE" sz="1800" spc="-1" strike="noStrike">
+          <a:lstStyle/>
+          <a:p>
+            <a:endParaRPr lang="de-DE" sz="1800" b="0" strike="noStrike" spc="-1">
               <a:solidFill>
                 <a:srgbClr val="000000"/>
               </a:solidFill>
@@ -3031,11 +3277,12 @@
           </a:prstGeom>
         </p:spPr>
         <p:txBody>
-          <a:bodyPr lIns="0" rIns="0" tIns="0" bIns="0">
+          <a:bodyPr lIns="0" tIns="0" rIns="0" bIns="0">
             <a:normAutofit/>
           </a:bodyPr>
-          <a:p>
-            <a:endParaRPr b="0" lang="de-DE" sz="2800" spc="-1" strike="noStrike">
+          <a:lstStyle/>
+          <a:p>
+            <a:endParaRPr lang="de-DE" sz="2800" b="0" strike="noStrike" spc="-1">
               <a:solidFill>
                 <a:srgbClr val="000000"/>
               </a:solidFill>
@@ -3064,11 +3311,12 @@
           </a:prstGeom>
         </p:spPr>
         <p:txBody>
-          <a:bodyPr lIns="0" rIns="0" tIns="0" bIns="0">
+          <a:bodyPr lIns="0" tIns="0" rIns="0" bIns="0">
             <a:normAutofit/>
           </a:bodyPr>
-          <a:p>
-            <a:endParaRPr b="0" lang="de-DE" sz="2800" spc="-1" strike="noStrike">
+          <a:lstStyle/>
+          <a:p>
+            <a:endParaRPr lang="de-DE" sz="2800" b="0" strike="noStrike" spc="-1">
               <a:solidFill>
                 <a:srgbClr val="000000"/>
               </a:solidFill>
@@ -3097,11 +3345,12 @@
           </a:prstGeom>
         </p:spPr>
         <p:txBody>
-          <a:bodyPr lIns="0" rIns="0" tIns="0" bIns="0">
+          <a:bodyPr lIns="0" tIns="0" rIns="0" bIns="0">
             <a:normAutofit/>
           </a:bodyPr>
-          <a:p>
-            <a:endParaRPr b="0" lang="de-DE" sz="2800" spc="-1" strike="noStrike">
+          <a:lstStyle/>
+          <a:p>
+            <a:endParaRPr lang="de-DE" sz="2800" b="0" strike="noStrike" spc="-1">
               <a:solidFill>
                 <a:srgbClr val="000000"/>
               </a:solidFill>
@@ -3112,11 +3361,14 @@
       </p:sp>
     </p:spTree>
   </p:cSld>
+  <p:clrMapOvr>
+    <a:masterClrMapping/>
+  </p:clrMapOvr>
 </p:sldLayout>
 </file>
 
 <file path=ppt/slideLayouts/slideLayout34.xml><?xml version="1.0" encoding="utf-8"?>
-<p:sldLayout xmlns:a="http://schemas.openxmlformats.org/drawingml/2006/main" xmlns:p="http://schemas.openxmlformats.org/presentationml/2006/main" xmlns:r="http://schemas.openxmlformats.org/officeDocument/2006/relationships" xmlns:p14="http://schemas.microsoft.com/office/powerpoint/2010/main" xmlns:p15="http://schemas.microsoft.com/office/powerpoint/2012/main" xmlns:mc="http://schemas.openxmlformats.org/markup-compatibility/2006" type="objOverTx" preserve="1">
+<p:sldLayout xmlns:a="http://schemas.openxmlformats.org/drawingml/2006/main" xmlns:r="http://schemas.openxmlformats.org/officeDocument/2006/relationships" xmlns:p="http://schemas.openxmlformats.org/presentationml/2006/main" type="objOverTx" preserve="1">
   <p:cSld name="Title, Content over Content">
     <p:spTree>
       <p:nvGrpSpPr>
@@ -3152,11 +3404,12 @@
           </a:prstGeom>
         </p:spPr>
         <p:txBody>
-          <a:bodyPr lIns="0" rIns="0" tIns="0" bIns="0" anchor="ctr">
+          <a:bodyPr lIns="0" tIns="0" rIns="0" bIns="0" anchor="ctr">
             <a:noAutofit/>
           </a:bodyPr>
-          <a:p>
-            <a:endParaRPr b="0" lang="de-DE" sz="1800" spc="-1" strike="noStrike">
+          <a:lstStyle/>
+          <a:p>
+            <a:endParaRPr lang="de-DE" sz="1800" b="0" strike="noStrike" spc="-1">
               <a:solidFill>
                 <a:srgbClr val="000000"/>
               </a:solidFill>
@@ -3185,11 +3438,12 @@
           </a:prstGeom>
         </p:spPr>
         <p:txBody>
-          <a:bodyPr lIns="0" rIns="0" tIns="0" bIns="0">
+          <a:bodyPr lIns="0" tIns="0" rIns="0" bIns="0">
             <a:normAutofit/>
           </a:bodyPr>
-          <a:p>
-            <a:endParaRPr b="0" lang="de-DE" sz="2800" spc="-1" strike="noStrike">
+          <a:lstStyle/>
+          <a:p>
+            <a:endParaRPr lang="de-DE" sz="2800" b="0" strike="noStrike" spc="-1">
               <a:solidFill>
                 <a:srgbClr val="000000"/>
               </a:solidFill>
@@ -3218,11 +3472,12 @@
           </a:prstGeom>
         </p:spPr>
         <p:txBody>
-          <a:bodyPr lIns="0" rIns="0" tIns="0" bIns="0">
+          <a:bodyPr lIns="0" tIns="0" rIns="0" bIns="0">
             <a:normAutofit/>
           </a:bodyPr>
-          <a:p>
-            <a:endParaRPr b="0" lang="de-DE" sz="2800" spc="-1" strike="noStrike">
+          <a:lstStyle/>
+          <a:p>
+            <a:endParaRPr lang="de-DE" sz="2800" b="0" strike="noStrike" spc="-1">
               <a:solidFill>
                 <a:srgbClr val="000000"/>
               </a:solidFill>
@@ -3233,11 +3488,14 @@
       </p:sp>
     </p:spTree>
   </p:cSld>
+  <p:clrMapOvr>
+    <a:masterClrMapping/>
+  </p:clrMapOvr>
 </p:sldLayout>
 </file>
 
 <file path=ppt/slideLayouts/slideLayout35.xml><?xml version="1.0" encoding="utf-8"?>
-<p:sldLayout xmlns:a="http://schemas.openxmlformats.org/drawingml/2006/main" xmlns:p="http://schemas.openxmlformats.org/presentationml/2006/main" xmlns:r="http://schemas.openxmlformats.org/officeDocument/2006/relationships" xmlns:p14="http://schemas.microsoft.com/office/powerpoint/2010/main" xmlns:p15="http://schemas.microsoft.com/office/powerpoint/2012/main" xmlns:mc="http://schemas.openxmlformats.org/markup-compatibility/2006" type="fourObj" preserve="1">
+<p:sldLayout xmlns:a="http://schemas.openxmlformats.org/drawingml/2006/main" xmlns:r="http://schemas.openxmlformats.org/officeDocument/2006/relationships" xmlns:p="http://schemas.openxmlformats.org/presentationml/2006/main" type="fourObj" preserve="1">
   <p:cSld name="Title, 4 Content">
     <p:spTree>
       <p:nvGrpSpPr>
@@ -3273,11 +3531,12 @@
           </a:prstGeom>
         </p:spPr>
         <p:txBody>
-          <a:bodyPr lIns="0" rIns="0" tIns="0" bIns="0" anchor="ctr">
+          <a:bodyPr lIns="0" tIns="0" rIns="0" bIns="0" anchor="ctr">
             <a:noAutofit/>
           </a:bodyPr>
-          <a:p>
-            <a:endParaRPr b="0" lang="de-DE" sz="1800" spc="-1" strike="noStrike">
+          <a:lstStyle/>
+          <a:p>
+            <a:endParaRPr lang="de-DE" sz="1800" b="0" strike="noStrike" spc="-1">
               <a:solidFill>
                 <a:srgbClr val="000000"/>
               </a:solidFill>
@@ -3306,11 +3565,12 @@
           </a:prstGeom>
         </p:spPr>
         <p:txBody>
-          <a:bodyPr lIns="0" rIns="0" tIns="0" bIns="0">
+          <a:bodyPr lIns="0" tIns="0" rIns="0" bIns="0">
             <a:normAutofit/>
           </a:bodyPr>
-          <a:p>
-            <a:endParaRPr b="0" lang="de-DE" sz="2800" spc="-1" strike="noStrike">
+          <a:lstStyle/>
+          <a:p>
+            <a:endParaRPr lang="de-DE" sz="2800" b="0" strike="noStrike" spc="-1">
               <a:solidFill>
                 <a:srgbClr val="000000"/>
               </a:solidFill>
@@ -3339,11 +3599,12 @@
           </a:prstGeom>
         </p:spPr>
         <p:txBody>
-          <a:bodyPr lIns="0" rIns="0" tIns="0" bIns="0">
+          <a:bodyPr lIns="0" tIns="0" rIns="0" bIns="0">
             <a:normAutofit/>
           </a:bodyPr>
-          <a:p>
-            <a:endParaRPr b="0" lang="de-DE" sz="2800" spc="-1" strike="noStrike">
+          <a:lstStyle/>
+          <a:p>
+            <a:endParaRPr lang="de-DE" sz="2800" b="0" strike="noStrike" spc="-1">
               <a:solidFill>
                 <a:srgbClr val="000000"/>
               </a:solidFill>
@@ -3372,11 +3633,12 @@
           </a:prstGeom>
         </p:spPr>
         <p:txBody>
-          <a:bodyPr lIns="0" rIns="0" tIns="0" bIns="0">
+          <a:bodyPr lIns="0" tIns="0" rIns="0" bIns="0">
             <a:normAutofit/>
           </a:bodyPr>
-          <a:p>
-            <a:endParaRPr b="0" lang="de-DE" sz="2800" spc="-1" strike="noStrike">
+          <a:lstStyle/>
+          <a:p>
+            <a:endParaRPr lang="de-DE" sz="2800" b="0" strike="noStrike" spc="-1">
               <a:solidFill>
                 <a:srgbClr val="000000"/>
               </a:solidFill>
@@ -3405,11 +3667,12 @@
           </a:prstGeom>
         </p:spPr>
         <p:txBody>
-          <a:bodyPr lIns="0" rIns="0" tIns="0" bIns="0">
+          <a:bodyPr lIns="0" tIns="0" rIns="0" bIns="0">
             <a:normAutofit/>
           </a:bodyPr>
-          <a:p>
-            <a:endParaRPr b="0" lang="de-DE" sz="2800" spc="-1" strike="noStrike">
+          <a:lstStyle/>
+          <a:p>
+            <a:endParaRPr lang="de-DE" sz="2800" b="0" strike="noStrike" spc="-1">
               <a:solidFill>
                 <a:srgbClr val="000000"/>
               </a:solidFill>
@@ -3420,11 +3683,14 @@
       </p:sp>
     </p:spTree>
   </p:cSld>
+  <p:clrMapOvr>
+    <a:masterClrMapping/>
+  </p:clrMapOvr>
 </p:sldLayout>
 </file>
 
 <file path=ppt/slideLayouts/slideLayout36.xml><?xml version="1.0" encoding="utf-8"?>
-<p:sldLayout xmlns:a="http://schemas.openxmlformats.org/drawingml/2006/main" xmlns:p="http://schemas.openxmlformats.org/presentationml/2006/main" xmlns:r="http://schemas.openxmlformats.org/officeDocument/2006/relationships" xmlns:p14="http://schemas.microsoft.com/office/powerpoint/2010/main" xmlns:p15="http://schemas.microsoft.com/office/powerpoint/2012/main" xmlns:mc="http://schemas.openxmlformats.org/markup-compatibility/2006" type="blank" preserve="1">
+<p:sldLayout xmlns:a="http://schemas.openxmlformats.org/drawingml/2006/main" xmlns:r="http://schemas.openxmlformats.org/officeDocument/2006/relationships" xmlns:p="http://schemas.openxmlformats.org/presentationml/2006/main" type="blank" preserve="1">
   <p:cSld name="Title, 6 Content">
     <p:spTree>
       <p:nvGrpSpPr>
@@ -3460,11 +3726,12 @@
           </a:prstGeom>
         </p:spPr>
         <p:txBody>
-          <a:bodyPr lIns="0" rIns="0" tIns="0" bIns="0" anchor="ctr">
+          <a:bodyPr lIns="0" tIns="0" rIns="0" bIns="0" anchor="ctr">
             <a:noAutofit/>
           </a:bodyPr>
-          <a:p>
-            <a:endParaRPr b="0" lang="de-DE" sz="1800" spc="-1" strike="noStrike">
+          <a:lstStyle/>
+          <a:p>
+            <a:endParaRPr lang="de-DE" sz="1800" b="0" strike="noStrike" spc="-1">
               <a:solidFill>
                 <a:srgbClr val="000000"/>
               </a:solidFill>
@@ -3493,11 +3760,12 @@
           </a:prstGeom>
         </p:spPr>
         <p:txBody>
-          <a:bodyPr lIns="0" rIns="0" tIns="0" bIns="0">
+          <a:bodyPr lIns="0" tIns="0" rIns="0" bIns="0">
             <a:normAutofit/>
           </a:bodyPr>
-          <a:p>
-            <a:endParaRPr b="0" lang="de-DE" sz="2800" spc="-1" strike="noStrike">
+          <a:lstStyle/>
+          <a:p>
+            <a:endParaRPr lang="de-DE" sz="2800" b="0" strike="noStrike" spc="-1">
               <a:solidFill>
                 <a:srgbClr val="000000"/>
               </a:solidFill>
@@ -3526,11 +3794,12 @@
           </a:prstGeom>
         </p:spPr>
         <p:txBody>
-          <a:bodyPr lIns="0" rIns="0" tIns="0" bIns="0">
+          <a:bodyPr lIns="0" tIns="0" rIns="0" bIns="0">
             <a:normAutofit/>
           </a:bodyPr>
-          <a:p>
-            <a:endParaRPr b="0" lang="de-DE" sz="2800" spc="-1" strike="noStrike">
+          <a:lstStyle/>
+          <a:p>
+            <a:endParaRPr lang="de-DE" sz="2800" b="0" strike="noStrike" spc="-1">
               <a:solidFill>
                 <a:srgbClr val="000000"/>
               </a:solidFill>
@@ -3559,11 +3828,12 @@
           </a:prstGeom>
         </p:spPr>
         <p:txBody>
-          <a:bodyPr lIns="0" rIns="0" tIns="0" bIns="0">
+          <a:bodyPr lIns="0" tIns="0" rIns="0" bIns="0">
             <a:normAutofit/>
           </a:bodyPr>
-          <a:p>
-            <a:endParaRPr b="0" lang="de-DE" sz="2800" spc="-1" strike="noStrike">
+          <a:lstStyle/>
+          <a:p>
+            <a:endParaRPr lang="de-DE" sz="2800" b="0" strike="noStrike" spc="-1">
               <a:solidFill>
                 <a:srgbClr val="000000"/>
               </a:solidFill>
@@ -3592,11 +3862,12 @@
           </a:prstGeom>
         </p:spPr>
         <p:txBody>
-          <a:bodyPr lIns="0" rIns="0" tIns="0" bIns="0">
+          <a:bodyPr lIns="0" tIns="0" rIns="0" bIns="0">
             <a:normAutofit/>
           </a:bodyPr>
-          <a:p>
-            <a:endParaRPr b="0" lang="de-DE" sz="2800" spc="-1" strike="noStrike">
+          <a:lstStyle/>
+          <a:p>
+            <a:endParaRPr lang="de-DE" sz="2800" b="0" strike="noStrike" spc="-1">
               <a:solidFill>
                 <a:srgbClr val="000000"/>
               </a:solidFill>
@@ -3625,11 +3896,12 @@
           </a:prstGeom>
         </p:spPr>
         <p:txBody>
-          <a:bodyPr lIns="0" rIns="0" tIns="0" bIns="0">
+          <a:bodyPr lIns="0" tIns="0" rIns="0" bIns="0">
             <a:normAutofit/>
           </a:bodyPr>
-          <a:p>
-            <a:endParaRPr b="0" lang="de-DE" sz="2800" spc="-1" strike="noStrike">
+          <a:lstStyle/>
+          <a:p>
+            <a:endParaRPr lang="de-DE" sz="2800" b="0" strike="noStrike" spc="-1">
               <a:solidFill>
                 <a:srgbClr val="000000"/>
               </a:solidFill>
@@ -3658,11 +3930,12 @@
           </a:prstGeom>
         </p:spPr>
         <p:txBody>
-          <a:bodyPr lIns="0" rIns="0" tIns="0" bIns="0">
+          <a:bodyPr lIns="0" tIns="0" rIns="0" bIns="0">
             <a:normAutofit/>
           </a:bodyPr>
-          <a:p>
-            <a:endParaRPr b="0" lang="de-DE" sz="2800" spc="-1" strike="noStrike">
+          <a:lstStyle/>
+          <a:p>
+            <a:endParaRPr lang="de-DE" sz="2800" b="0" strike="noStrike" spc="-1">
               <a:solidFill>
                 <a:srgbClr val="000000"/>
               </a:solidFill>
@@ -3673,11 +3946,14 @@
       </p:sp>
     </p:spTree>
   </p:cSld>
+  <p:clrMapOvr>
+    <a:masterClrMapping/>
+  </p:clrMapOvr>
 </p:sldLayout>
 </file>
 
 <file path=ppt/slideLayouts/slideLayout4.xml><?xml version="1.0" encoding="utf-8"?>
-<p:sldLayout xmlns:a="http://schemas.openxmlformats.org/drawingml/2006/main" xmlns:p="http://schemas.openxmlformats.org/presentationml/2006/main" xmlns:r="http://schemas.openxmlformats.org/officeDocument/2006/relationships" xmlns:p14="http://schemas.microsoft.com/office/powerpoint/2010/main" xmlns:p15="http://schemas.microsoft.com/office/powerpoint/2012/main" xmlns:mc="http://schemas.openxmlformats.org/markup-compatibility/2006" type="twoObj" preserve="1">
+<p:sldLayout xmlns:a="http://schemas.openxmlformats.org/drawingml/2006/main" xmlns:r="http://schemas.openxmlformats.org/officeDocument/2006/relationships" xmlns:p="http://schemas.openxmlformats.org/presentationml/2006/main" type="twoObj" preserve="1">
   <p:cSld name="Title, 2 Content">
     <p:spTree>
       <p:nvGrpSpPr>
@@ -3713,11 +3989,12 @@
           </a:prstGeom>
         </p:spPr>
         <p:txBody>
-          <a:bodyPr lIns="0" rIns="0" tIns="0" bIns="0" anchor="ctr">
+          <a:bodyPr lIns="0" tIns="0" rIns="0" bIns="0" anchor="ctr">
             <a:noAutofit/>
           </a:bodyPr>
-          <a:p>
-            <a:endParaRPr b="0" lang="de-DE" sz="1800" spc="-1" strike="noStrike">
+          <a:lstStyle/>
+          <a:p>
+            <a:endParaRPr lang="de-DE" sz="1800" b="0" strike="noStrike" spc="-1">
               <a:solidFill>
                 <a:srgbClr val="000000"/>
               </a:solidFill>
@@ -3746,11 +4023,12 @@
           </a:prstGeom>
         </p:spPr>
         <p:txBody>
-          <a:bodyPr lIns="0" rIns="0" tIns="0" bIns="0">
+          <a:bodyPr lIns="0" tIns="0" rIns="0" bIns="0">
             <a:normAutofit/>
           </a:bodyPr>
-          <a:p>
-            <a:endParaRPr b="0" lang="de-DE" sz="2800" spc="-1" strike="noStrike">
+          <a:lstStyle/>
+          <a:p>
+            <a:endParaRPr lang="de-DE" sz="2800" b="0" strike="noStrike" spc="-1">
               <a:solidFill>
                 <a:srgbClr val="000000"/>
               </a:solidFill>
@@ -3779,11 +4057,12 @@
           </a:prstGeom>
         </p:spPr>
         <p:txBody>
-          <a:bodyPr lIns="0" rIns="0" tIns="0" bIns="0">
+          <a:bodyPr lIns="0" tIns="0" rIns="0" bIns="0">
             <a:normAutofit/>
           </a:bodyPr>
-          <a:p>
-            <a:endParaRPr b="0" lang="de-DE" sz="2800" spc="-1" strike="noStrike">
+          <a:lstStyle/>
+          <a:p>
+            <a:endParaRPr lang="de-DE" sz="2800" b="0" strike="noStrike" spc="-1">
               <a:solidFill>
                 <a:srgbClr val="000000"/>
               </a:solidFill>
@@ -3794,11 +4073,14 @@
       </p:sp>
     </p:spTree>
   </p:cSld>
+  <p:clrMapOvr>
+    <a:masterClrMapping/>
+  </p:clrMapOvr>
 </p:sldLayout>
 </file>
 
 <file path=ppt/slideLayouts/slideLayout5.xml><?xml version="1.0" encoding="utf-8"?>
-<p:sldLayout xmlns:a="http://schemas.openxmlformats.org/drawingml/2006/main" xmlns:p="http://schemas.openxmlformats.org/presentationml/2006/main" xmlns:r="http://schemas.openxmlformats.org/officeDocument/2006/relationships" xmlns:p14="http://schemas.microsoft.com/office/powerpoint/2010/main" xmlns:p15="http://schemas.microsoft.com/office/powerpoint/2012/main" xmlns:mc="http://schemas.openxmlformats.org/markup-compatibility/2006" type="titleOnly" preserve="1">
+<p:sldLayout xmlns:a="http://schemas.openxmlformats.org/drawingml/2006/main" xmlns:r="http://schemas.openxmlformats.org/officeDocument/2006/relationships" xmlns:p="http://schemas.openxmlformats.org/presentationml/2006/main" type="titleOnly" preserve="1">
   <p:cSld name="Title Only">
     <p:spTree>
       <p:nvGrpSpPr>
@@ -3834,11 +4116,12 @@
           </a:prstGeom>
         </p:spPr>
         <p:txBody>
-          <a:bodyPr lIns="0" rIns="0" tIns="0" bIns="0" anchor="ctr">
+          <a:bodyPr lIns="0" tIns="0" rIns="0" bIns="0" anchor="ctr">
             <a:noAutofit/>
           </a:bodyPr>
-          <a:p>
-            <a:endParaRPr b="0" lang="de-DE" sz="1800" spc="-1" strike="noStrike">
+          <a:lstStyle/>
+          <a:p>
+            <a:endParaRPr lang="de-DE" sz="1800" b="0" strike="noStrike" spc="-1">
               <a:solidFill>
                 <a:srgbClr val="000000"/>
               </a:solidFill>
@@ -3849,11 +4132,14 @@
       </p:sp>
     </p:spTree>
   </p:cSld>
+  <p:clrMapOvr>
+    <a:masterClrMapping/>
+  </p:clrMapOvr>
 </p:sldLayout>
 </file>
 
 <file path=ppt/slideLayouts/slideLayout6.xml><?xml version="1.0" encoding="utf-8"?>
-<p:sldLayout xmlns:a="http://schemas.openxmlformats.org/drawingml/2006/main" xmlns:p="http://schemas.openxmlformats.org/presentationml/2006/main" xmlns:r="http://schemas.openxmlformats.org/officeDocument/2006/relationships" xmlns:p14="http://schemas.microsoft.com/office/powerpoint/2010/main" xmlns:p15="http://schemas.microsoft.com/office/powerpoint/2012/main" xmlns:mc="http://schemas.openxmlformats.org/markup-compatibility/2006" type="objOnly" preserve="1">
+<p:sldLayout xmlns:a="http://schemas.openxmlformats.org/drawingml/2006/main" xmlns:r="http://schemas.openxmlformats.org/officeDocument/2006/relationships" xmlns:p="http://schemas.openxmlformats.org/presentationml/2006/main" type="objOnly" preserve="1">
   <p:cSld name="Centered Text">
     <p:spTree>
       <p:nvGrpSpPr>
@@ -3889,12 +4175,13 @@
           </a:prstGeom>
         </p:spPr>
         <p:txBody>
-          <a:bodyPr lIns="0" rIns="0" tIns="0" bIns="0" anchor="ctr">
+          <a:bodyPr lIns="0" tIns="0" rIns="0" bIns="0" anchor="ctr">
             <a:noAutofit/>
           </a:bodyPr>
+          <a:lstStyle/>
           <a:p>
             <a:pPr algn="ctr"/>
-            <a:endParaRPr b="0" lang="de-DE" sz="3200" spc="-1" strike="noStrike">
+            <a:endParaRPr lang="de-DE" sz="3200" b="0" strike="noStrike" spc="-1">
               <a:latin typeface="Arial"/>
             </a:endParaRPr>
           </a:p>
@@ -3902,11 +4189,14 @@
       </p:sp>
     </p:spTree>
   </p:cSld>
+  <p:clrMapOvr>
+    <a:masterClrMapping/>
+  </p:clrMapOvr>
 </p:sldLayout>
 </file>
 
 <file path=ppt/slideLayouts/slideLayout7.xml><?xml version="1.0" encoding="utf-8"?>
-<p:sldLayout xmlns:a="http://schemas.openxmlformats.org/drawingml/2006/main" xmlns:p="http://schemas.openxmlformats.org/presentationml/2006/main" xmlns:r="http://schemas.openxmlformats.org/officeDocument/2006/relationships" xmlns:p14="http://schemas.microsoft.com/office/powerpoint/2010/main" xmlns:p15="http://schemas.microsoft.com/office/powerpoint/2012/main" xmlns:mc="http://schemas.openxmlformats.org/markup-compatibility/2006" type="twoObjAndObj" preserve="1">
+<p:sldLayout xmlns:a="http://schemas.openxmlformats.org/drawingml/2006/main" xmlns:r="http://schemas.openxmlformats.org/officeDocument/2006/relationships" xmlns:p="http://schemas.openxmlformats.org/presentationml/2006/main" type="twoObjAndObj" preserve="1">
   <p:cSld name="Title, 2 Content and Content">
     <p:spTree>
       <p:nvGrpSpPr>
@@ -3942,11 +4232,12 @@
           </a:prstGeom>
         </p:spPr>
         <p:txBody>
-          <a:bodyPr lIns="0" rIns="0" tIns="0" bIns="0" anchor="ctr">
+          <a:bodyPr lIns="0" tIns="0" rIns="0" bIns="0" anchor="ctr">
             <a:noAutofit/>
           </a:bodyPr>
-          <a:p>
-            <a:endParaRPr b="0" lang="de-DE" sz="1800" spc="-1" strike="noStrike">
+          <a:lstStyle/>
+          <a:p>
+            <a:endParaRPr lang="de-DE" sz="1800" b="0" strike="noStrike" spc="-1">
               <a:solidFill>
                 <a:srgbClr val="000000"/>
               </a:solidFill>
@@ -3975,11 +4266,12 @@
           </a:prstGeom>
         </p:spPr>
         <p:txBody>
-          <a:bodyPr lIns="0" rIns="0" tIns="0" bIns="0">
+          <a:bodyPr lIns="0" tIns="0" rIns="0" bIns="0">
             <a:normAutofit/>
           </a:bodyPr>
-          <a:p>
-            <a:endParaRPr b="0" lang="de-DE" sz="2800" spc="-1" strike="noStrike">
+          <a:lstStyle/>
+          <a:p>
+            <a:endParaRPr lang="de-DE" sz="2800" b="0" strike="noStrike" spc="-1">
               <a:solidFill>
                 <a:srgbClr val="000000"/>
               </a:solidFill>
@@ -4008,11 +4300,12 @@
           </a:prstGeom>
         </p:spPr>
         <p:txBody>
-          <a:bodyPr lIns="0" rIns="0" tIns="0" bIns="0">
+          <a:bodyPr lIns="0" tIns="0" rIns="0" bIns="0">
             <a:normAutofit/>
           </a:bodyPr>
-          <a:p>
-            <a:endParaRPr b="0" lang="de-DE" sz="2800" spc="-1" strike="noStrike">
+          <a:lstStyle/>
+          <a:p>
+            <a:endParaRPr lang="de-DE" sz="2800" b="0" strike="noStrike" spc="-1">
               <a:solidFill>
                 <a:srgbClr val="000000"/>
               </a:solidFill>
@@ -4041,11 +4334,12 @@
           </a:prstGeom>
         </p:spPr>
         <p:txBody>
-          <a:bodyPr lIns="0" rIns="0" tIns="0" bIns="0">
+          <a:bodyPr lIns="0" tIns="0" rIns="0" bIns="0">
             <a:normAutofit/>
           </a:bodyPr>
-          <a:p>
-            <a:endParaRPr b="0" lang="de-DE" sz="2800" spc="-1" strike="noStrike">
+          <a:lstStyle/>
+          <a:p>
+            <a:endParaRPr lang="de-DE" sz="2800" b="0" strike="noStrike" spc="-1">
               <a:solidFill>
                 <a:srgbClr val="000000"/>
               </a:solidFill>
@@ -4056,11 +4350,14 @@
       </p:sp>
     </p:spTree>
   </p:cSld>
+  <p:clrMapOvr>
+    <a:masterClrMapping/>
+  </p:clrMapOvr>
 </p:sldLayout>
 </file>
 
 <file path=ppt/slideLayouts/slideLayout8.xml><?xml version="1.0" encoding="utf-8"?>
-<p:sldLayout xmlns:a="http://schemas.openxmlformats.org/drawingml/2006/main" xmlns:p="http://schemas.openxmlformats.org/presentationml/2006/main" xmlns:r="http://schemas.openxmlformats.org/officeDocument/2006/relationships" xmlns:p14="http://schemas.microsoft.com/office/powerpoint/2010/main" xmlns:p15="http://schemas.microsoft.com/office/powerpoint/2012/main" xmlns:mc="http://schemas.openxmlformats.org/markup-compatibility/2006" type="objAndTwoObj" preserve="1">
+<p:sldLayout xmlns:a="http://schemas.openxmlformats.org/drawingml/2006/main" xmlns:r="http://schemas.openxmlformats.org/officeDocument/2006/relationships" xmlns:p="http://schemas.openxmlformats.org/presentationml/2006/main" type="objAndTwoObj" preserve="1">
   <p:cSld name="Title Content and 2 Content">
     <p:spTree>
       <p:nvGrpSpPr>
@@ -4096,11 +4393,12 @@
           </a:prstGeom>
         </p:spPr>
         <p:txBody>
-          <a:bodyPr lIns="0" rIns="0" tIns="0" bIns="0" anchor="ctr">
+          <a:bodyPr lIns="0" tIns="0" rIns="0" bIns="0" anchor="ctr">
             <a:noAutofit/>
           </a:bodyPr>
-          <a:p>
-            <a:endParaRPr b="0" lang="de-DE" sz="1800" spc="-1" strike="noStrike">
+          <a:lstStyle/>
+          <a:p>
+            <a:endParaRPr lang="de-DE" sz="1800" b="0" strike="noStrike" spc="-1">
               <a:solidFill>
                 <a:srgbClr val="000000"/>
               </a:solidFill>
@@ -4129,11 +4427,12 @@
           </a:prstGeom>
         </p:spPr>
         <p:txBody>
-          <a:bodyPr lIns="0" rIns="0" tIns="0" bIns="0">
+          <a:bodyPr lIns="0" tIns="0" rIns="0" bIns="0">
             <a:normAutofit/>
           </a:bodyPr>
-          <a:p>
-            <a:endParaRPr b="0" lang="de-DE" sz="2800" spc="-1" strike="noStrike">
+          <a:lstStyle/>
+          <a:p>
+            <a:endParaRPr lang="de-DE" sz="2800" b="0" strike="noStrike" spc="-1">
               <a:solidFill>
                 <a:srgbClr val="000000"/>
               </a:solidFill>
@@ -4162,11 +4461,12 @@
           </a:prstGeom>
         </p:spPr>
         <p:txBody>
-          <a:bodyPr lIns="0" rIns="0" tIns="0" bIns="0">
+          <a:bodyPr lIns="0" tIns="0" rIns="0" bIns="0">
             <a:normAutofit/>
           </a:bodyPr>
-          <a:p>
-            <a:endParaRPr b="0" lang="de-DE" sz="2800" spc="-1" strike="noStrike">
+          <a:lstStyle/>
+          <a:p>
+            <a:endParaRPr lang="de-DE" sz="2800" b="0" strike="noStrike" spc="-1">
               <a:solidFill>
                 <a:srgbClr val="000000"/>
               </a:solidFill>
@@ -4195,11 +4495,12 @@
           </a:prstGeom>
         </p:spPr>
         <p:txBody>
-          <a:bodyPr lIns="0" rIns="0" tIns="0" bIns="0">
+          <a:bodyPr lIns="0" tIns="0" rIns="0" bIns="0">
             <a:normAutofit/>
           </a:bodyPr>
-          <a:p>
-            <a:endParaRPr b="0" lang="de-DE" sz="2800" spc="-1" strike="noStrike">
+          <a:lstStyle/>
+          <a:p>
+            <a:endParaRPr lang="de-DE" sz="2800" b="0" strike="noStrike" spc="-1">
               <a:solidFill>
                 <a:srgbClr val="000000"/>
               </a:solidFill>
@@ -4210,11 +4511,14 @@
       </p:sp>
     </p:spTree>
   </p:cSld>
+  <p:clrMapOvr>
+    <a:masterClrMapping/>
+  </p:clrMapOvr>
 </p:sldLayout>
 </file>
 
 <file path=ppt/slideLayouts/slideLayout9.xml><?xml version="1.0" encoding="utf-8"?>
-<p:sldLayout xmlns:a="http://schemas.openxmlformats.org/drawingml/2006/main" xmlns:p="http://schemas.openxmlformats.org/presentationml/2006/main" xmlns:r="http://schemas.openxmlformats.org/officeDocument/2006/relationships" xmlns:p14="http://schemas.microsoft.com/office/powerpoint/2010/main" xmlns:p15="http://schemas.microsoft.com/office/powerpoint/2012/main" xmlns:mc="http://schemas.openxmlformats.org/markup-compatibility/2006" type="twoObjOverTx" preserve="1">
+<p:sldLayout xmlns:a="http://schemas.openxmlformats.org/drawingml/2006/main" xmlns:r="http://schemas.openxmlformats.org/officeDocument/2006/relationships" xmlns:p="http://schemas.openxmlformats.org/presentationml/2006/main" type="twoObjOverTx" preserve="1">
   <p:cSld name="Title, 2 Content over Content">
     <p:spTree>
       <p:nvGrpSpPr>
@@ -4250,11 +4554,12 @@
           </a:prstGeom>
         </p:spPr>
         <p:txBody>
-          <a:bodyPr lIns="0" rIns="0" tIns="0" bIns="0" anchor="ctr">
+          <a:bodyPr lIns="0" tIns="0" rIns="0" bIns="0" anchor="ctr">
             <a:noAutofit/>
           </a:bodyPr>
-          <a:p>
-            <a:endParaRPr b="0" lang="de-DE" sz="1800" spc="-1" strike="noStrike">
+          <a:lstStyle/>
+          <a:p>
+            <a:endParaRPr lang="de-DE" sz="1800" b="0" strike="noStrike" spc="-1">
               <a:solidFill>
                 <a:srgbClr val="000000"/>
               </a:solidFill>
@@ -4283,11 +4588,12 @@
           </a:prstGeom>
         </p:spPr>
         <p:txBody>
-          <a:bodyPr lIns="0" rIns="0" tIns="0" bIns="0">
+          <a:bodyPr lIns="0" tIns="0" rIns="0" bIns="0">
             <a:normAutofit/>
           </a:bodyPr>
-          <a:p>
-            <a:endParaRPr b="0" lang="de-DE" sz="2800" spc="-1" strike="noStrike">
+          <a:lstStyle/>
+          <a:p>
+            <a:endParaRPr lang="de-DE" sz="2800" b="0" strike="noStrike" spc="-1">
               <a:solidFill>
                 <a:srgbClr val="000000"/>
               </a:solidFill>
@@ -4316,11 +4622,12 @@
           </a:prstGeom>
         </p:spPr>
         <p:txBody>
-          <a:bodyPr lIns="0" rIns="0" tIns="0" bIns="0">
+          <a:bodyPr lIns="0" tIns="0" rIns="0" bIns="0">
             <a:normAutofit/>
           </a:bodyPr>
-          <a:p>
-            <a:endParaRPr b="0" lang="de-DE" sz="2800" spc="-1" strike="noStrike">
+          <a:lstStyle/>
+          <a:p>
+            <a:endParaRPr lang="de-DE" sz="2800" b="0" strike="noStrike" spc="-1">
               <a:solidFill>
                 <a:srgbClr val="000000"/>
               </a:solidFill>
@@ -4349,11 +4656,12 @@
           </a:prstGeom>
         </p:spPr>
         <p:txBody>
-          <a:bodyPr lIns="0" rIns="0" tIns="0" bIns="0">
+          <a:bodyPr lIns="0" tIns="0" rIns="0" bIns="0">
             <a:normAutofit/>
           </a:bodyPr>
-          <a:p>
-            <a:endParaRPr b="0" lang="de-DE" sz="2800" spc="-1" strike="noStrike">
+          <a:lstStyle/>
+          <a:p>
+            <a:endParaRPr lang="de-DE" sz="2800" b="0" strike="noStrike" spc="-1">
               <a:solidFill>
                 <a:srgbClr val="000000"/>
               </a:solidFill>
@@ -4364,17 +4672,21 @@
       </p:sp>
     </p:spTree>
   </p:cSld>
+  <p:clrMapOvr>
+    <a:masterClrMapping/>
+  </p:clrMapOvr>
 </p:sldLayout>
 </file>
 
 <file path=ppt/slideMasters/slideMaster1.xml><?xml version="1.0" encoding="utf-8"?>
-<p:sldMaster xmlns:a="http://schemas.openxmlformats.org/drawingml/2006/main" xmlns:p="http://schemas.openxmlformats.org/presentationml/2006/main" xmlns:r="http://schemas.openxmlformats.org/officeDocument/2006/relationships" xmlns:p14="http://schemas.microsoft.com/office/powerpoint/2010/main" xmlns:p15="http://schemas.microsoft.com/office/powerpoint/2012/main" xmlns:mc="http://schemas.openxmlformats.org/markup-compatibility/2006">
+<p:sldMaster xmlns:a="http://schemas.openxmlformats.org/drawingml/2006/main" xmlns:r="http://schemas.openxmlformats.org/officeDocument/2006/relationships" xmlns:p="http://schemas.openxmlformats.org/presentationml/2006/main">
   <p:cSld>
     <p:bg>
       <p:bgPr>
         <a:solidFill>
-          <a:srgbClr val="ffffff"/>
+          <a:srgbClr val="FFFFFF"/>
         </a:solidFill>
+        <a:effectLst/>
       </p:bgPr>
     </p:bg>
     <p:spTree>
@@ -4393,7 +4705,7 @@
       </p:grpSpPr>
       <p:sp>
         <p:nvSpPr>
-          <p:cNvPr id="0" name="PlaceHolder 1"/>
+          <p:cNvPr id="5" name="PlaceHolder 1"/>
           <p:cNvSpPr>
             <a:spLocks noGrp="1"/>
           </p:cNvSpPr>
@@ -4414,6 +4726,7 @@
           <a:bodyPr anchor="b">
             <a:noAutofit/>
           </a:bodyPr>
+          <a:lstStyle/>
           <a:p>
             <a:pPr algn="ctr">
               <a:lnSpc>
@@ -4421,7 +4734,7 @@
               </a:lnSpc>
             </a:pPr>
             <a:r>
-              <a:rPr b="0" lang="de-DE" sz="6000" spc="-1" strike="noStrike">
+              <a:rPr lang="de-DE" sz="6000" b="0" strike="noStrike" spc="-1">
                 <a:solidFill>
                   <a:srgbClr val="000000"/>
                 </a:solidFill>
@@ -4429,18 +4742,18 @@
               </a:rPr>
               <a:t>Mastertitelformat bearbeiten</a:t>
             </a:r>
-            <a:endParaRPr b="0" lang="de-DE" sz="6000" spc="-1" strike="noStrike">
-              <a:solidFill>
-                <a:srgbClr val="000000"/>
-              </a:solidFill>
-              <a:latin typeface="Calibri"/>
-            </a:endParaRPr>
-          </a:p>
-        </p:txBody>
-      </p:sp>
-      <p:sp>
-        <p:nvSpPr>
-          <p:cNvPr id="1" name="PlaceHolder 2"/>
+            <a:endParaRPr lang="de-DE" sz="6000" b="0" strike="noStrike" spc="-1">
+              <a:solidFill>
+                <a:srgbClr val="000000"/>
+              </a:solidFill>
+              <a:latin typeface="Calibri"/>
+            </a:endParaRPr>
+          </a:p>
+        </p:txBody>
+      </p:sp>
+      <p:sp>
+        <p:nvSpPr>
+          <p:cNvPr id="6" name="PlaceHolder 2"/>
           <p:cNvSpPr>
             <a:spLocks noGrp="1"/>
           </p:cNvSpPr>
@@ -4461,6 +4774,7 @@
           <a:bodyPr anchor="ctr">
             <a:noAutofit/>
           </a:bodyPr>
+          <a:lstStyle/>
           <a:p>
             <a:pPr>
               <a:lnSpc>
@@ -4468,15 +4782,15 @@
               </a:lnSpc>
             </a:pPr>
             <a:fld id="{B727EFCC-FD95-44F9-888C-E9434EE08BCC}" type="datetime1">
-              <a:rPr b="0" lang="de-DE" sz="1200" spc="-1" strike="noStrike">
+              <a:rPr lang="de-DE" sz="1200" b="0" strike="noStrike" spc="-1">
                 <a:solidFill>
-                  <a:srgbClr val="8b8b8b"/>
+                  <a:srgbClr val="8B8B8B"/>
                 </a:solidFill>
                 <a:latin typeface="Calibri"/>
               </a:rPr>
               <a:t>17.02.2021</a:t>
             </a:fld>
-            <a:endParaRPr b="0" lang="de-DE" sz="1200" spc="-1" strike="noStrike">
+            <a:endParaRPr lang="de-DE" sz="1200" b="0" strike="noStrike" spc="-1">
               <a:latin typeface="Times New Roman"/>
             </a:endParaRPr>
           </a:p>
@@ -4505,8 +4819,9 @@
           <a:bodyPr anchor="ctr">
             <a:noAutofit/>
           </a:bodyPr>
-          <a:p>
-            <a:endParaRPr b="0" lang="de-DE" sz="2400" spc="-1" strike="noStrike">
+          <a:lstStyle/>
+          <a:p>
+            <a:endParaRPr lang="de-DE" sz="2400" b="0" strike="noStrike" spc="-1">
               <a:latin typeface="Times New Roman"/>
             </a:endParaRPr>
           </a:p>
@@ -4535,6 +4850,7 @@
           <a:bodyPr anchor="ctr">
             <a:noAutofit/>
           </a:bodyPr>
+          <a:lstStyle/>
           <a:p>
             <a:pPr algn="r">
               <a:lnSpc>
@@ -4542,15 +4858,15 @@
               </a:lnSpc>
             </a:pPr>
             <a:fld id="{B3E8BF3D-B1EC-4162-8FCC-44561CA5A44E}" type="slidenum">
-              <a:rPr b="0" lang="de-DE" sz="1200" spc="-1" strike="noStrike">
+              <a:rPr lang="de-DE" sz="1200" b="0" strike="noStrike" spc="-1">
                 <a:solidFill>
-                  <a:srgbClr val="8b8b8b"/>
+                  <a:srgbClr val="8B8B8B"/>
                 </a:solidFill>
                 <a:latin typeface="Calibri"/>
               </a:rPr>
-              <a:t>1</a:t>
+              <a:t>‹Nr.›</a:t>
             </a:fld>
-            <a:endParaRPr b="0" lang="de-DE" sz="1200" spc="-1" strike="noStrike">
+            <a:endParaRPr lang="de-DE" sz="1200" b="0" strike="noStrike" spc="-1">
               <a:latin typeface="Times New Roman"/>
             </a:endParaRPr>
           </a:p>
@@ -4576,9 +4892,10 @@
           </a:prstGeom>
         </p:spPr>
         <p:txBody>
-          <a:bodyPr lIns="0" rIns="0" tIns="0" bIns="0">
+          <a:bodyPr lIns="0" tIns="0" rIns="0" bIns="0">
             <a:normAutofit/>
           </a:bodyPr>
+          <a:lstStyle/>
           <a:p>
             <a:pPr marL="432000" indent="-324000">
               <a:spcBef>
@@ -4592,7 +4909,7 @@
               <a:buChar char=""/>
             </a:pPr>
             <a:r>
-              <a:rPr b="0" lang="de-DE" sz="2800" spc="-1" strike="noStrike">
+              <a:rPr lang="de-DE" sz="2800" b="0" strike="noStrike" spc="-1">
                 <a:solidFill>
                   <a:srgbClr val="000000"/>
                 </a:solidFill>
@@ -4600,15 +4917,9 @@
               </a:rPr>
               <a:t>Format des Gliederungstextes durch Klicken bearbeiten</a:t>
             </a:r>
-            <a:endParaRPr b="0" lang="de-DE" sz="2800" spc="-1" strike="noStrike">
-              <a:solidFill>
-                <a:srgbClr val="000000"/>
-              </a:solidFill>
-              <a:latin typeface="Calibri"/>
-            </a:endParaRPr>
-          </a:p>
-          <a:p>
-            <a:pPr lvl="1" marL="864000" indent="-324000">
+          </a:p>
+          <a:p>
+            <a:pPr marL="864000" lvl="1" indent="-324000">
               <a:spcBef>
                 <a:spcPts val="1134"/>
               </a:spcBef>
@@ -4620,7 +4931,7 @@
               <a:buChar char=""/>
             </a:pPr>
             <a:r>
-              <a:rPr b="0" lang="de-DE" sz="2000" spc="-1" strike="noStrike">
+              <a:rPr lang="de-DE" sz="2000" b="0" strike="noStrike" spc="-1">
                 <a:solidFill>
                   <a:srgbClr val="000000"/>
                 </a:solidFill>
@@ -4628,15 +4939,9 @@
               </a:rPr>
               <a:t>Zweite Gliederungsebene</a:t>
             </a:r>
-            <a:endParaRPr b="0" lang="de-DE" sz="2000" spc="-1" strike="noStrike">
-              <a:solidFill>
-                <a:srgbClr val="000000"/>
-              </a:solidFill>
-              <a:latin typeface="Calibri"/>
-            </a:endParaRPr>
-          </a:p>
-          <a:p>
-            <a:pPr lvl="2" marL="1296000" indent="-288000">
+          </a:p>
+          <a:p>
+            <a:pPr marL="1296000" lvl="2" indent="-288000">
               <a:spcBef>
                 <a:spcPts val="850"/>
               </a:spcBef>
@@ -4648,7 +4953,7 @@
               <a:buChar char=""/>
             </a:pPr>
             <a:r>
-              <a:rPr b="0" lang="de-DE" sz="1800" spc="-1" strike="noStrike">
+              <a:rPr lang="de-DE" sz="1800" b="0" strike="noStrike" spc="-1">
                 <a:solidFill>
                   <a:srgbClr val="000000"/>
                 </a:solidFill>
@@ -4656,15 +4961,9 @@
               </a:rPr>
               <a:t>Dritte Gliederungsebene</a:t>
             </a:r>
-            <a:endParaRPr b="0" lang="de-DE" sz="1800" spc="-1" strike="noStrike">
-              <a:solidFill>
-                <a:srgbClr val="000000"/>
-              </a:solidFill>
-              <a:latin typeface="Calibri"/>
-            </a:endParaRPr>
-          </a:p>
-          <a:p>
-            <a:pPr lvl="3" marL="1728000" indent="-216000">
+          </a:p>
+          <a:p>
+            <a:pPr marL="1728000" lvl="3" indent="-216000">
               <a:spcBef>
                 <a:spcPts val="567"/>
               </a:spcBef>
@@ -4676,7 +4975,7 @@
               <a:buChar char=""/>
             </a:pPr>
             <a:r>
-              <a:rPr b="0" lang="de-DE" sz="1800" spc="-1" strike="noStrike">
+              <a:rPr lang="de-DE" sz="1800" b="0" strike="noStrike" spc="-1">
                 <a:solidFill>
                   <a:srgbClr val="000000"/>
                 </a:solidFill>
@@ -4684,15 +4983,9 @@
               </a:rPr>
               <a:t>Vierte Gliederungsebene</a:t>
             </a:r>
-            <a:endParaRPr b="0" lang="de-DE" sz="1800" spc="-1" strike="noStrike">
-              <a:solidFill>
-                <a:srgbClr val="000000"/>
-              </a:solidFill>
-              <a:latin typeface="Calibri"/>
-            </a:endParaRPr>
-          </a:p>
-          <a:p>
-            <a:pPr lvl="4" marL="2160000" indent="-216000">
+          </a:p>
+          <a:p>
+            <a:pPr marL="2160000" lvl="4" indent="-216000">
               <a:spcBef>
                 <a:spcPts val="283"/>
               </a:spcBef>
@@ -4704,7 +4997,7 @@
               <a:buChar char=""/>
             </a:pPr>
             <a:r>
-              <a:rPr b="0" lang="de-DE" sz="2000" spc="-1" strike="noStrike">
+              <a:rPr lang="de-DE" sz="2000" b="0" strike="noStrike" spc="-1">
                 <a:solidFill>
                   <a:srgbClr val="000000"/>
                 </a:solidFill>
@@ -4712,15 +5005,9 @@
               </a:rPr>
               <a:t>Fünfte Gliederungsebene</a:t>
             </a:r>
-            <a:endParaRPr b="0" lang="de-DE" sz="2000" spc="-1" strike="noStrike">
-              <a:solidFill>
-                <a:srgbClr val="000000"/>
-              </a:solidFill>
-              <a:latin typeface="Calibri"/>
-            </a:endParaRPr>
-          </a:p>
-          <a:p>
-            <a:pPr lvl="5" marL="2592000" indent="-216000">
+          </a:p>
+          <a:p>
+            <a:pPr marL="2592000" lvl="5" indent="-216000">
               <a:spcBef>
                 <a:spcPts val="283"/>
               </a:spcBef>
@@ -4732,7 +5019,7 @@
               <a:buChar char=""/>
             </a:pPr>
             <a:r>
-              <a:rPr b="0" lang="de-DE" sz="2000" spc="-1" strike="noStrike">
+              <a:rPr lang="de-DE" sz="2000" b="0" strike="noStrike" spc="-1">
                 <a:solidFill>
                   <a:srgbClr val="000000"/>
                 </a:solidFill>
@@ -4740,15 +5027,9 @@
               </a:rPr>
               <a:t>Sechste Gliederungsebene</a:t>
             </a:r>
-            <a:endParaRPr b="0" lang="de-DE" sz="2000" spc="-1" strike="noStrike">
-              <a:solidFill>
-                <a:srgbClr val="000000"/>
-              </a:solidFill>
-              <a:latin typeface="Calibri"/>
-            </a:endParaRPr>
-          </a:p>
-          <a:p>
-            <a:pPr lvl="6" marL="3024000" indent="-216000">
+          </a:p>
+          <a:p>
+            <a:pPr marL="3024000" lvl="6" indent="-216000">
               <a:spcBef>
                 <a:spcPts val="283"/>
               </a:spcBef>
@@ -4760,7 +5041,7 @@
               <a:buChar char=""/>
             </a:pPr>
             <a:r>
-              <a:rPr b="0" lang="de-DE" sz="2000" spc="-1" strike="noStrike">
+              <a:rPr lang="de-DE" sz="2000" b="0" strike="noStrike" spc="-1">
                 <a:solidFill>
                   <a:srgbClr val="000000"/>
                 </a:solidFill>
@@ -4768,43 +5049,318 @@
               </a:rPr>
               <a:t>Siebte Gliederungsebene</a:t>
             </a:r>
-            <a:endParaRPr b="0" lang="de-DE" sz="2000" spc="-1" strike="noStrike">
-              <a:solidFill>
-                <a:srgbClr val="000000"/>
-              </a:solidFill>
-              <a:latin typeface="Calibri"/>
-            </a:endParaRPr>
           </a:p>
         </p:txBody>
       </p:sp>
     </p:spTree>
   </p:cSld>
-  <p:clrMap bg1="lt1" bg2="lt2" tx1="dk1" tx2="dk2" accent1="accent1" accent2="accent2" accent3="accent3" accent4="accent4" accent5="accent5" accent6="accent6" hlink="hlink" folHlink="folHlink"/>
+  <p:clrMap bg1="lt1" tx1="dk1" bg2="lt2" tx2="dk2" accent1="accent1" accent2="accent2" accent3="accent3" accent4="accent4" accent5="accent5" accent6="accent6" hlink="hlink" folHlink="folHlink"/>
   <p:sldLayoutIdLst>
-    <p:sldLayoutId id="2147483649" r:id="rId2"/>
-    <p:sldLayoutId id="2147483650" r:id="rId3"/>
-    <p:sldLayoutId id="2147483651" r:id="rId4"/>
-    <p:sldLayoutId id="2147483652" r:id="rId5"/>
-    <p:sldLayoutId id="2147483653" r:id="rId6"/>
-    <p:sldLayoutId id="2147483654" r:id="rId7"/>
-    <p:sldLayoutId id="2147483655" r:id="rId8"/>
-    <p:sldLayoutId id="2147483656" r:id="rId9"/>
-    <p:sldLayoutId id="2147483657" r:id="rId10"/>
-    <p:sldLayoutId id="2147483658" r:id="rId11"/>
-    <p:sldLayoutId id="2147483659" r:id="rId12"/>
-    <p:sldLayoutId id="2147483660" r:id="rId13"/>
+    <p:sldLayoutId id="2147483649" r:id="rId1"/>
+    <p:sldLayoutId id="2147483650" r:id="rId2"/>
+    <p:sldLayoutId id="2147483651" r:id="rId3"/>
+    <p:sldLayoutId id="2147483652" r:id="rId4"/>
+    <p:sldLayoutId id="2147483653" r:id="rId5"/>
+    <p:sldLayoutId id="2147483654" r:id="rId6"/>
+    <p:sldLayoutId id="2147483655" r:id="rId7"/>
+    <p:sldLayoutId id="2147483656" r:id="rId8"/>
+    <p:sldLayoutId id="2147483657" r:id="rId9"/>
+    <p:sldLayoutId id="2147483658" r:id="rId10"/>
+    <p:sldLayoutId id="2147483659" r:id="rId11"/>
+    <p:sldLayoutId id="2147483660" r:id="rId12"/>
   </p:sldLayoutIdLst>
+  <p:txStyles>
+    <p:titleStyle>
+      <a:lvl1pPr algn="l" defTabSz="914400" rtl="0" eaLnBrk="1" latinLnBrk="0" hangingPunct="1">
+        <a:lnSpc>
+          <a:spcPct val="90000"/>
+        </a:lnSpc>
+        <a:spcBef>
+          <a:spcPct val="0"/>
+        </a:spcBef>
+        <a:buNone/>
+        <a:defRPr sz="4400" kern="1200">
+          <a:solidFill>
+            <a:schemeClr val="tx1"/>
+          </a:solidFill>
+          <a:latin typeface="+mj-lt"/>
+          <a:ea typeface="+mj-ea"/>
+          <a:cs typeface="+mj-cs"/>
+        </a:defRPr>
+      </a:lvl1pPr>
+    </p:titleStyle>
+    <p:bodyStyle>
+      <a:lvl1pPr marL="228600" indent="-228600" algn="l" defTabSz="914400" rtl="0" eaLnBrk="1" latinLnBrk="0" hangingPunct="1">
+        <a:lnSpc>
+          <a:spcPct val="90000"/>
+        </a:lnSpc>
+        <a:spcBef>
+          <a:spcPts val="1000"/>
+        </a:spcBef>
+        <a:buFont typeface="Arial" panose="020B0604020202020204" pitchFamily="34" charset="0"/>
+        <a:buChar char="•"/>
+        <a:defRPr sz="2800" kern="1200">
+          <a:solidFill>
+            <a:schemeClr val="tx1"/>
+          </a:solidFill>
+          <a:latin typeface="+mn-lt"/>
+          <a:ea typeface="+mn-ea"/>
+          <a:cs typeface="+mn-cs"/>
+        </a:defRPr>
+      </a:lvl1pPr>
+      <a:lvl2pPr marL="685800" indent="-228600" algn="l" defTabSz="914400" rtl="0" eaLnBrk="1" latinLnBrk="0" hangingPunct="1">
+        <a:lnSpc>
+          <a:spcPct val="90000"/>
+        </a:lnSpc>
+        <a:spcBef>
+          <a:spcPts val="500"/>
+        </a:spcBef>
+        <a:buFont typeface="Arial" panose="020B0604020202020204" pitchFamily="34" charset="0"/>
+        <a:buChar char="•"/>
+        <a:defRPr sz="2400" kern="1200">
+          <a:solidFill>
+            <a:schemeClr val="tx1"/>
+          </a:solidFill>
+          <a:latin typeface="+mn-lt"/>
+          <a:ea typeface="+mn-ea"/>
+          <a:cs typeface="+mn-cs"/>
+        </a:defRPr>
+      </a:lvl2pPr>
+      <a:lvl3pPr marL="1143000" indent="-228600" algn="l" defTabSz="914400" rtl="0" eaLnBrk="1" latinLnBrk="0" hangingPunct="1">
+        <a:lnSpc>
+          <a:spcPct val="90000"/>
+        </a:lnSpc>
+        <a:spcBef>
+          <a:spcPts val="500"/>
+        </a:spcBef>
+        <a:buFont typeface="Arial" panose="020B0604020202020204" pitchFamily="34" charset="0"/>
+        <a:buChar char="•"/>
+        <a:defRPr sz="2000" kern="1200">
+          <a:solidFill>
+            <a:schemeClr val="tx1"/>
+          </a:solidFill>
+          <a:latin typeface="+mn-lt"/>
+          <a:ea typeface="+mn-ea"/>
+          <a:cs typeface="+mn-cs"/>
+        </a:defRPr>
+      </a:lvl3pPr>
+      <a:lvl4pPr marL="1600200" indent="-228600" algn="l" defTabSz="914400" rtl="0" eaLnBrk="1" latinLnBrk="0" hangingPunct="1">
+        <a:lnSpc>
+          <a:spcPct val="90000"/>
+        </a:lnSpc>
+        <a:spcBef>
+          <a:spcPts val="500"/>
+        </a:spcBef>
+        <a:buFont typeface="Arial" panose="020B0604020202020204" pitchFamily="34" charset="0"/>
+        <a:buChar char="•"/>
+        <a:defRPr sz="1800" kern="1200">
+          <a:solidFill>
+            <a:schemeClr val="tx1"/>
+          </a:solidFill>
+          <a:latin typeface="+mn-lt"/>
+          <a:ea typeface="+mn-ea"/>
+          <a:cs typeface="+mn-cs"/>
+        </a:defRPr>
+      </a:lvl4pPr>
+      <a:lvl5pPr marL="2057400" indent="-228600" algn="l" defTabSz="914400" rtl="0" eaLnBrk="1" latinLnBrk="0" hangingPunct="1">
+        <a:lnSpc>
+          <a:spcPct val="90000"/>
+        </a:lnSpc>
+        <a:spcBef>
+          <a:spcPts val="500"/>
+        </a:spcBef>
+        <a:buFont typeface="Arial" panose="020B0604020202020204" pitchFamily="34" charset="0"/>
+        <a:buChar char="•"/>
+        <a:defRPr sz="1800" kern="1200">
+          <a:solidFill>
+            <a:schemeClr val="tx1"/>
+          </a:solidFill>
+          <a:latin typeface="+mn-lt"/>
+          <a:ea typeface="+mn-ea"/>
+          <a:cs typeface="+mn-cs"/>
+        </a:defRPr>
+      </a:lvl5pPr>
+      <a:lvl6pPr marL="2514600" indent="-228600" algn="l" defTabSz="914400" rtl="0" eaLnBrk="1" latinLnBrk="0" hangingPunct="1">
+        <a:lnSpc>
+          <a:spcPct val="90000"/>
+        </a:lnSpc>
+        <a:spcBef>
+          <a:spcPts val="500"/>
+        </a:spcBef>
+        <a:buFont typeface="Arial" panose="020B0604020202020204" pitchFamily="34" charset="0"/>
+        <a:buChar char="•"/>
+        <a:defRPr sz="1800" kern="1200">
+          <a:solidFill>
+            <a:schemeClr val="tx1"/>
+          </a:solidFill>
+          <a:latin typeface="+mn-lt"/>
+          <a:ea typeface="+mn-ea"/>
+          <a:cs typeface="+mn-cs"/>
+        </a:defRPr>
+      </a:lvl6pPr>
+      <a:lvl7pPr marL="2971800" indent="-228600" algn="l" defTabSz="914400" rtl="0" eaLnBrk="1" latinLnBrk="0" hangingPunct="1">
+        <a:lnSpc>
+          <a:spcPct val="90000"/>
+        </a:lnSpc>
+        <a:spcBef>
+          <a:spcPts val="500"/>
+        </a:spcBef>
+        <a:buFont typeface="Arial" panose="020B0604020202020204" pitchFamily="34" charset="0"/>
+        <a:buChar char="•"/>
+        <a:defRPr sz="1800" kern="1200">
+          <a:solidFill>
+            <a:schemeClr val="tx1"/>
+          </a:solidFill>
+          <a:latin typeface="+mn-lt"/>
+          <a:ea typeface="+mn-ea"/>
+          <a:cs typeface="+mn-cs"/>
+        </a:defRPr>
+      </a:lvl7pPr>
+      <a:lvl8pPr marL="3429000" indent="-228600" algn="l" defTabSz="914400" rtl="0" eaLnBrk="1" latinLnBrk="0" hangingPunct="1">
+        <a:lnSpc>
+          <a:spcPct val="90000"/>
+        </a:lnSpc>
+        <a:spcBef>
+          <a:spcPts val="500"/>
+        </a:spcBef>
+        <a:buFont typeface="Arial" panose="020B0604020202020204" pitchFamily="34" charset="0"/>
+        <a:buChar char="•"/>
+        <a:defRPr sz="1800" kern="1200">
+          <a:solidFill>
+            <a:schemeClr val="tx1"/>
+          </a:solidFill>
+          <a:latin typeface="+mn-lt"/>
+          <a:ea typeface="+mn-ea"/>
+          <a:cs typeface="+mn-cs"/>
+        </a:defRPr>
+      </a:lvl8pPr>
+      <a:lvl9pPr marL="3886200" indent="-228600" algn="l" defTabSz="914400" rtl="0" eaLnBrk="1" latinLnBrk="0" hangingPunct="1">
+        <a:lnSpc>
+          <a:spcPct val="90000"/>
+        </a:lnSpc>
+        <a:spcBef>
+          <a:spcPts val="500"/>
+        </a:spcBef>
+        <a:buFont typeface="Arial" panose="020B0604020202020204" pitchFamily="34" charset="0"/>
+        <a:buChar char="•"/>
+        <a:defRPr sz="1800" kern="1200">
+          <a:solidFill>
+            <a:schemeClr val="tx1"/>
+          </a:solidFill>
+          <a:latin typeface="+mn-lt"/>
+          <a:ea typeface="+mn-ea"/>
+          <a:cs typeface="+mn-cs"/>
+        </a:defRPr>
+      </a:lvl9pPr>
+    </p:bodyStyle>
+    <p:otherStyle>
+      <a:defPPr>
+        <a:defRPr lang="de-DE"/>
+      </a:defPPr>
+      <a:lvl1pPr marL="0" algn="l" defTabSz="914400" rtl="0" eaLnBrk="1" latinLnBrk="0" hangingPunct="1">
+        <a:defRPr sz="1800" kern="1200">
+          <a:solidFill>
+            <a:schemeClr val="tx1"/>
+          </a:solidFill>
+          <a:latin typeface="+mn-lt"/>
+          <a:ea typeface="+mn-ea"/>
+          <a:cs typeface="+mn-cs"/>
+        </a:defRPr>
+      </a:lvl1pPr>
+      <a:lvl2pPr marL="457200" algn="l" defTabSz="914400" rtl="0" eaLnBrk="1" latinLnBrk="0" hangingPunct="1">
+        <a:defRPr sz="1800" kern="1200">
+          <a:solidFill>
+            <a:schemeClr val="tx1"/>
+          </a:solidFill>
+          <a:latin typeface="+mn-lt"/>
+          <a:ea typeface="+mn-ea"/>
+          <a:cs typeface="+mn-cs"/>
+        </a:defRPr>
+      </a:lvl2pPr>
+      <a:lvl3pPr marL="914400" algn="l" defTabSz="914400" rtl="0" eaLnBrk="1" latinLnBrk="0" hangingPunct="1">
+        <a:defRPr sz="1800" kern="1200">
+          <a:solidFill>
+            <a:schemeClr val="tx1"/>
+          </a:solidFill>
+          <a:latin typeface="+mn-lt"/>
+          <a:ea typeface="+mn-ea"/>
+          <a:cs typeface="+mn-cs"/>
+        </a:defRPr>
+      </a:lvl3pPr>
+      <a:lvl4pPr marL="1371600" algn="l" defTabSz="914400" rtl="0" eaLnBrk="1" latinLnBrk="0" hangingPunct="1">
+        <a:defRPr sz="1800" kern="1200">
+          <a:solidFill>
+            <a:schemeClr val="tx1"/>
+          </a:solidFill>
+          <a:latin typeface="+mn-lt"/>
+          <a:ea typeface="+mn-ea"/>
+          <a:cs typeface="+mn-cs"/>
+        </a:defRPr>
+      </a:lvl4pPr>
+      <a:lvl5pPr marL="1828800" algn="l" defTabSz="914400" rtl="0" eaLnBrk="1" latinLnBrk="0" hangingPunct="1">
+        <a:defRPr sz="1800" kern="1200">
+          <a:solidFill>
+            <a:schemeClr val="tx1"/>
+          </a:solidFill>
+          <a:latin typeface="+mn-lt"/>
+          <a:ea typeface="+mn-ea"/>
+          <a:cs typeface="+mn-cs"/>
+        </a:defRPr>
+      </a:lvl5pPr>
+      <a:lvl6pPr marL="2286000" algn="l" defTabSz="914400" rtl="0" eaLnBrk="1" latinLnBrk="0" hangingPunct="1">
+        <a:defRPr sz="1800" kern="1200">
+          <a:solidFill>
+            <a:schemeClr val="tx1"/>
+          </a:solidFill>
+          <a:latin typeface="+mn-lt"/>
+          <a:ea typeface="+mn-ea"/>
+          <a:cs typeface="+mn-cs"/>
+        </a:defRPr>
+      </a:lvl6pPr>
+      <a:lvl7pPr marL="2743200" algn="l" defTabSz="914400" rtl="0" eaLnBrk="1" latinLnBrk="0" hangingPunct="1">
+        <a:defRPr sz="1800" kern="1200">
+          <a:solidFill>
+            <a:schemeClr val="tx1"/>
+          </a:solidFill>
+          <a:latin typeface="+mn-lt"/>
+          <a:ea typeface="+mn-ea"/>
+          <a:cs typeface="+mn-cs"/>
+        </a:defRPr>
+      </a:lvl7pPr>
+      <a:lvl8pPr marL="3200400" algn="l" defTabSz="914400" rtl="0" eaLnBrk="1" latinLnBrk="0" hangingPunct="1">
+        <a:defRPr sz="1800" kern="1200">
+          <a:solidFill>
+            <a:schemeClr val="tx1"/>
+          </a:solidFill>
+          <a:latin typeface="+mn-lt"/>
+          <a:ea typeface="+mn-ea"/>
+          <a:cs typeface="+mn-cs"/>
+        </a:defRPr>
+      </a:lvl8pPr>
+      <a:lvl9pPr marL="3657600" algn="l" defTabSz="914400" rtl="0" eaLnBrk="1" latinLnBrk="0" hangingPunct="1">
+        <a:defRPr sz="1800" kern="1200">
+          <a:solidFill>
+            <a:schemeClr val="tx1"/>
+          </a:solidFill>
+          <a:latin typeface="+mn-lt"/>
+          <a:ea typeface="+mn-ea"/>
+          <a:cs typeface="+mn-cs"/>
+        </a:defRPr>
+      </a:lvl9pPr>
+    </p:otherStyle>
+  </p:txStyles>
 </p:sldMaster>
 </file>
 
 <file path=ppt/slideMasters/slideMaster2.xml><?xml version="1.0" encoding="utf-8"?>
-<p:sldMaster xmlns:a="http://schemas.openxmlformats.org/drawingml/2006/main" xmlns:p="http://schemas.openxmlformats.org/presentationml/2006/main" xmlns:r="http://schemas.openxmlformats.org/officeDocument/2006/relationships" xmlns:p14="http://schemas.microsoft.com/office/powerpoint/2010/main" xmlns:p15="http://schemas.microsoft.com/office/powerpoint/2012/main" xmlns:mc="http://schemas.openxmlformats.org/markup-compatibility/2006">
+<p:sldMaster xmlns:a="http://schemas.openxmlformats.org/drawingml/2006/main" xmlns:r="http://schemas.openxmlformats.org/officeDocument/2006/relationships" xmlns:p="http://schemas.openxmlformats.org/presentationml/2006/main">
   <p:cSld>
     <p:bg>
       <p:bgPr>
         <a:solidFill>
-          <a:srgbClr val="ffffff"/>
+          <a:srgbClr val="FFFFFF"/>
         </a:solidFill>
+        <a:effectLst/>
       </p:bgPr>
     </p:bg>
     <p:spTree>
@@ -4844,6 +5400,7 @@
           <a:bodyPr anchor="ctr">
             <a:noAutofit/>
           </a:bodyPr>
+          <a:lstStyle/>
           <a:p>
             <a:pPr>
               <a:lnSpc>
@@ -4851,7 +5408,7 @@
               </a:lnSpc>
             </a:pPr>
             <a:r>
-              <a:rPr b="0" lang="de-DE" sz="4400" spc="-1" strike="noStrike">
+              <a:rPr lang="de-DE" sz="4400" b="0" strike="noStrike" spc="-1">
                 <a:solidFill>
                   <a:srgbClr val="000000"/>
                 </a:solidFill>
@@ -4859,7 +5416,7 @@
               </a:rPr>
               <a:t>Mastertitelformat bearbeiten</a:t>
             </a:r>
-            <a:endParaRPr b="0" lang="de-DE" sz="4400" spc="-1" strike="noStrike">
+            <a:endParaRPr lang="de-DE" sz="4400" b="0" strike="noStrike" spc="-1">
               <a:solidFill>
                 <a:srgbClr val="000000"/>
               </a:solidFill>
@@ -4891,6 +5448,7 @@
           <a:bodyPr>
             <a:noAutofit/>
           </a:bodyPr>
+          <a:lstStyle/>
           <a:p>
             <a:pPr marL="228600" indent="-228240">
               <a:lnSpc>
@@ -4906,7 +5464,7 @@
               <a:buChar char="•"/>
             </a:pPr>
             <a:r>
-              <a:rPr b="0" lang="de-DE" sz="2800" spc="-1" strike="noStrike">
+              <a:rPr lang="de-DE" sz="2800" b="0" strike="noStrike" spc="-1">
                 <a:solidFill>
                   <a:srgbClr val="000000"/>
                 </a:solidFill>
@@ -4914,15 +5472,9 @@
               </a:rPr>
               <a:t>Mastertextformat bearbeiten</a:t>
             </a:r>
-            <a:endParaRPr b="0" lang="de-DE" sz="2800" spc="-1" strike="noStrike">
-              <a:solidFill>
-                <a:srgbClr val="000000"/>
-              </a:solidFill>
-              <a:latin typeface="Calibri"/>
-            </a:endParaRPr>
-          </a:p>
-          <a:p>
-            <a:pPr lvl="1" marL="685800" indent="-228240">
+          </a:p>
+          <a:p>
+            <a:pPr marL="685800" lvl="1" indent="-228240">
               <a:lnSpc>
                 <a:spcPct val="90000"/>
               </a:lnSpc>
@@ -4936,7 +5488,7 @@
               <a:buChar char="•"/>
             </a:pPr>
             <a:r>
-              <a:rPr b="0" lang="de-DE" sz="2400" spc="-1" strike="noStrike">
+              <a:rPr lang="de-DE" sz="2400" b="0" strike="noStrike" spc="-1">
                 <a:solidFill>
                   <a:srgbClr val="000000"/>
                 </a:solidFill>
@@ -4944,15 +5496,9 @@
               </a:rPr>
               <a:t>Zweite Ebene</a:t>
             </a:r>
-            <a:endParaRPr b="0" lang="de-DE" sz="2400" spc="-1" strike="noStrike">
-              <a:solidFill>
-                <a:srgbClr val="000000"/>
-              </a:solidFill>
-              <a:latin typeface="Calibri"/>
-            </a:endParaRPr>
-          </a:p>
-          <a:p>
-            <a:pPr lvl="2" marL="1143000" indent="-228240">
+          </a:p>
+          <a:p>
+            <a:pPr marL="1143000" lvl="2" indent="-228240">
               <a:lnSpc>
                 <a:spcPct val="90000"/>
               </a:lnSpc>
@@ -4966,7 +5512,7 @@
               <a:buChar char="•"/>
             </a:pPr>
             <a:r>
-              <a:rPr b="0" lang="de-DE" sz="2000" spc="-1" strike="noStrike">
+              <a:rPr lang="de-DE" sz="2000" b="0" strike="noStrike" spc="-1">
                 <a:solidFill>
                   <a:srgbClr val="000000"/>
                 </a:solidFill>
@@ -4974,15 +5520,9 @@
               </a:rPr>
               <a:t>Dritte Ebene</a:t>
             </a:r>
-            <a:endParaRPr b="0" lang="de-DE" sz="2000" spc="-1" strike="noStrike">
-              <a:solidFill>
-                <a:srgbClr val="000000"/>
-              </a:solidFill>
-              <a:latin typeface="Calibri"/>
-            </a:endParaRPr>
-          </a:p>
-          <a:p>
-            <a:pPr lvl="3" marL="1600200" indent="-228240">
+          </a:p>
+          <a:p>
+            <a:pPr marL="1600200" lvl="3" indent="-228240">
               <a:lnSpc>
                 <a:spcPct val="90000"/>
               </a:lnSpc>
@@ -4996,7 +5536,7 @@
               <a:buChar char="•"/>
             </a:pPr>
             <a:r>
-              <a:rPr b="0" lang="de-DE" sz="1800" spc="-1" strike="noStrike">
+              <a:rPr lang="de-DE" sz="1800" b="0" strike="noStrike" spc="-1">
                 <a:solidFill>
                   <a:srgbClr val="000000"/>
                 </a:solidFill>
@@ -5004,15 +5544,9 @@
               </a:rPr>
               <a:t>Vierte Ebene</a:t>
             </a:r>
-            <a:endParaRPr b="0" lang="de-DE" sz="1800" spc="-1" strike="noStrike">
-              <a:solidFill>
-                <a:srgbClr val="000000"/>
-              </a:solidFill>
-              <a:latin typeface="Calibri"/>
-            </a:endParaRPr>
-          </a:p>
-          <a:p>
-            <a:pPr lvl="4" marL="2057400" indent="-228240">
+          </a:p>
+          <a:p>
+            <a:pPr marL="2057400" lvl="4" indent="-228240">
               <a:lnSpc>
                 <a:spcPct val="90000"/>
               </a:lnSpc>
@@ -5026,7 +5560,7 @@
               <a:buChar char="•"/>
             </a:pPr>
             <a:r>
-              <a:rPr b="0" lang="de-DE" sz="1800" spc="-1" strike="noStrike">
+              <a:rPr lang="de-DE" sz="1800" b="0" strike="noStrike" spc="-1">
                 <a:solidFill>
                   <a:srgbClr val="000000"/>
                 </a:solidFill>
@@ -5034,12 +5568,6 @@
               </a:rPr>
               <a:t>Fünfte Ebene</a:t>
             </a:r>
-            <a:endParaRPr b="0" lang="de-DE" sz="1800" spc="-1" strike="noStrike">
-              <a:solidFill>
-                <a:srgbClr val="000000"/>
-              </a:solidFill>
-              <a:latin typeface="Calibri"/>
-            </a:endParaRPr>
           </a:p>
         </p:txBody>
       </p:sp>
@@ -5066,6 +5594,7 @@
           <a:bodyPr anchor="ctr">
             <a:noAutofit/>
           </a:bodyPr>
+          <a:lstStyle/>
           <a:p>
             <a:pPr>
               <a:lnSpc>
@@ -5073,15 +5602,15 @@
               </a:lnSpc>
             </a:pPr>
             <a:fld id="{8EE4B6EA-4CD7-4721-BEE2-4A2FBC4E85B5}" type="datetime1">
-              <a:rPr b="0" lang="de-DE" sz="1200" spc="-1" strike="noStrike">
+              <a:rPr lang="de-DE" sz="1200" b="0" strike="noStrike" spc="-1">
                 <a:solidFill>
-                  <a:srgbClr val="8b8b8b"/>
+                  <a:srgbClr val="8B8B8B"/>
                 </a:solidFill>
                 <a:latin typeface="Calibri"/>
               </a:rPr>
               <a:t>17.02.2021</a:t>
             </a:fld>
-            <a:endParaRPr b="0" lang="de-DE" sz="1200" spc="-1" strike="noStrike">
+            <a:endParaRPr lang="de-DE" sz="1200" b="0" strike="noStrike" spc="-1">
               <a:latin typeface="Times New Roman"/>
             </a:endParaRPr>
           </a:p>
@@ -5110,8 +5639,9 @@
           <a:bodyPr anchor="ctr">
             <a:noAutofit/>
           </a:bodyPr>
-          <a:p>
-            <a:endParaRPr b="0" lang="de-DE" sz="2400" spc="-1" strike="noStrike">
+          <a:lstStyle/>
+          <a:p>
+            <a:endParaRPr lang="de-DE" sz="2400" b="0" strike="noStrike" spc="-1">
               <a:latin typeface="Times New Roman"/>
             </a:endParaRPr>
           </a:p>
@@ -5140,6 +5670,7 @@
           <a:bodyPr anchor="ctr">
             <a:noAutofit/>
           </a:bodyPr>
+          <a:lstStyle/>
           <a:p>
             <a:pPr algn="r">
               <a:lnSpc>
@@ -5147,15 +5678,15 @@
               </a:lnSpc>
             </a:pPr>
             <a:fld id="{D19F4278-348B-4300-808E-50D9B28C29D7}" type="slidenum">
-              <a:rPr b="0" lang="de-DE" sz="1200" spc="-1" strike="noStrike">
+              <a:rPr lang="de-DE" sz="1200" b="0" strike="noStrike" spc="-1">
                 <a:solidFill>
-                  <a:srgbClr val="8b8b8b"/>
+                  <a:srgbClr val="8B8B8B"/>
                 </a:solidFill>
                 <a:latin typeface="Calibri"/>
               </a:rPr>
-              <a:t>&lt;Foliennummer&gt;</a:t>
+              <a:t>‹Nr.›</a:t>
             </a:fld>
-            <a:endParaRPr b="0" lang="de-DE" sz="1200" spc="-1" strike="noStrike">
+            <a:endParaRPr lang="de-DE" sz="1200" b="0" strike="noStrike" spc="-1">
               <a:latin typeface="Times New Roman"/>
             </a:endParaRPr>
           </a:p>
@@ -5163,26 +5694,929 @@
       </p:sp>
     </p:spTree>
   </p:cSld>
-  <p:clrMap bg1="lt1" bg2="lt2" tx1="dk1" tx2="dk2" accent1="accent1" accent2="accent2" accent3="accent3" accent4="accent4" accent5="accent5" accent6="accent6" hlink="hlink" folHlink="folHlink"/>
+  <p:clrMap bg1="lt1" tx1="dk1" bg2="lt2" tx2="dk2" accent1="accent1" accent2="accent2" accent3="accent3" accent4="accent4" accent5="accent5" accent6="accent6" hlink="hlink" folHlink="folHlink"/>
   <p:sldLayoutIdLst>
-    <p:sldLayoutId id="2147483662" r:id="rId2"/>
-    <p:sldLayoutId id="2147483663" r:id="rId3"/>
-    <p:sldLayoutId id="2147483664" r:id="rId4"/>
-    <p:sldLayoutId id="2147483665" r:id="rId5"/>
-    <p:sldLayoutId id="2147483666" r:id="rId6"/>
-    <p:sldLayoutId id="2147483667" r:id="rId7"/>
-    <p:sldLayoutId id="2147483668" r:id="rId8"/>
-    <p:sldLayoutId id="2147483669" r:id="rId9"/>
-    <p:sldLayoutId id="2147483670" r:id="rId10"/>
-    <p:sldLayoutId id="2147483671" r:id="rId11"/>
-    <p:sldLayoutId id="2147483672" r:id="rId12"/>
-    <p:sldLayoutId id="2147483673" r:id="rId13"/>
+    <p:sldLayoutId id="2147483662" r:id="rId1"/>
+    <p:sldLayoutId id="2147483663" r:id="rId2"/>
+    <p:sldLayoutId id="2147483664" r:id="rId3"/>
+    <p:sldLayoutId id="2147483665" r:id="rId4"/>
+    <p:sldLayoutId id="2147483666" r:id="rId5"/>
+    <p:sldLayoutId id="2147483667" r:id="rId6"/>
+    <p:sldLayoutId id="2147483668" r:id="rId7"/>
+    <p:sldLayoutId id="2147483669" r:id="rId8"/>
+    <p:sldLayoutId id="2147483670" r:id="rId9"/>
+    <p:sldLayoutId id="2147483671" r:id="rId10"/>
+    <p:sldLayoutId id="2147483672" r:id="rId11"/>
+    <p:sldLayoutId id="2147483673" r:id="rId12"/>
   </p:sldLayoutIdLst>
+  <p:txStyles>
+    <p:titleStyle>
+      <a:lvl1pPr algn="l" defTabSz="914400" rtl="0" eaLnBrk="1" latinLnBrk="0" hangingPunct="1">
+        <a:lnSpc>
+          <a:spcPct val="90000"/>
+        </a:lnSpc>
+        <a:spcBef>
+          <a:spcPct val="0"/>
+        </a:spcBef>
+        <a:buNone/>
+        <a:defRPr sz="4400" kern="1200">
+          <a:solidFill>
+            <a:schemeClr val="tx1"/>
+          </a:solidFill>
+          <a:latin typeface="+mj-lt"/>
+          <a:ea typeface="+mj-ea"/>
+          <a:cs typeface="+mj-cs"/>
+        </a:defRPr>
+      </a:lvl1pPr>
+    </p:titleStyle>
+    <p:bodyStyle>
+      <a:lvl1pPr marL="228600" indent="-228600" algn="l" defTabSz="914400" rtl="0" eaLnBrk="1" latinLnBrk="0" hangingPunct="1">
+        <a:lnSpc>
+          <a:spcPct val="90000"/>
+        </a:lnSpc>
+        <a:spcBef>
+          <a:spcPts val="1000"/>
+        </a:spcBef>
+        <a:buFont typeface="Arial" panose="020B0604020202020204" pitchFamily="34" charset="0"/>
+        <a:buChar char="•"/>
+        <a:defRPr sz="2800" kern="1200">
+          <a:solidFill>
+            <a:schemeClr val="tx1"/>
+          </a:solidFill>
+          <a:latin typeface="+mn-lt"/>
+          <a:ea typeface="+mn-ea"/>
+          <a:cs typeface="+mn-cs"/>
+        </a:defRPr>
+      </a:lvl1pPr>
+      <a:lvl2pPr marL="685800" indent="-228600" algn="l" defTabSz="914400" rtl="0" eaLnBrk="1" latinLnBrk="0" hangingPunct="1">
+        <a:lnSpc>
+          <a:spcPct val="90000"/>
+        </a:lnSpc>
+        <a:spcBef>
+          <a:spcPts val="500"/>
+        </a:spcBef>
+        <a:buFont typeface="Arial" panose="020B0604020202020204" pitchFamily="34" charset="0"/>
+        <a:buChar char="•"/>
+        <a:defRPr sz="2400" kern="1200">
+          <a:solidFill>
+            <a:schemeClr val="tx1"/>
+          </a:solidFill>
+          <a:latin typeface="+mn-lt"/>
+          <a:ea typeface="+mn-ea"/>
+          <a:cs typeface="+mn-cs"/>
+        </a:defRPr>
+      </a:lvl2pPr>
+      <a:lvl3pPr marL="1143000" indent="-228600" algn="l" defTabSz="914400" rtl="0" eaLnBrk="1" latinLnBrk="0" hangingPunct="1">
+        <a:lnSpc>
+          <a:spcPct val="90000"/>
+        </a:lnSpc>
+        <a:spcBef>
+          <a:spcPts val="500"/>
+        </a:spcBef>
+        <a:buFont typeface="Arial" panose="020B0604020202020204" pitchFamily="34" charset="0"/>
+        <a:buChar char="•"/>
+        <a:defRPr sz="2000" kern="1200">
+          <a:solidFill>
+            <a:schemeClr val="tx1"/>
+          </a:solidFill>
+          <a:latin typeface="+mn-lt"/>
+          <a:ea typeface="+mn-ea"/>
+          <a:cs typeface="+mn-cs"/>
+        </a:defRPr>
+      </a:lvl3pPr>
+      <a:lvl4pPr marL="1600200" indent="-228600" algn="l" defTabSz="914400" rtl="0" eaLnBrk="1" latinLnBrk="0" hangingPunct="1">
+        <a:lnSpc>
+          <a:spcPct val="90000"/>
+        </a:lnSpc>
+        <a:spcBef>
+          <a:spcPts val="500"/>
+        </a:spcBef>
+        <a:buFont typeface="Arial" panose="020B0604020202020204" pitchFamily="34" charset="0"/>
+        <a:buChar char="•"/>
+        <a:defRPr sz="1800" kern="1200">
+          <a:solidFill>
+            <a:schemeClr val="tx1"/>
+          </a:solidFill>
+          <a:latin typeface="+mn-lt"/>
+          <a:ea typeface="+mn-ea"/>
+          <a:cs typeface="+mn-cs"/>
+        </a:defRPr>
+      </a:lvl4pPr>
+      <a:lvl5pPr marL="2057400" indent="-228600" algn="l" defTabSz="914400" rtl="0" eaLnBrk="1" latinLnBrk="0" hangingPunct="1">
+        <a:lnSpc>
+          <a:spcPct val="90000"/>
+        </a:lnSpc>
+        <a:spcBef>
+          <a:spcPts val="500"/>
+        </a:spcBef>
+        <a:buFont typeface="Arial" panose="020B0604020202020204" pitchFamily="34" charset="0"/>
+        <a:buChar char="•"/>
+        <a:defRPr sz="1800" kern="1200">
+          <a:solidFill>
+            <a:schemeClr val="tx1"/>
+          </a:solidFill>
+          <a:latin typeface="+mn-lt"/>
+          <a:ea typeface="+mn-ea"/>
+          <a:cs typeface="+mn-cs"/>
+        </a:defRPr>
+      </a:lvl5pPr>
+      <a:lvl6pPr marL="2514600" indent="-228600" algn="l" defTabSz="914400" rtl="0" eaLnBrk="1" latinLnBrk="0" hangingPunct="1">
+        <a:lnSpc>
+          <a:spcPct val="90000"/>
+        </a:lnSpc>
+        <a:spcBef>
+          <a:spcPts val="500"/>
+        </a:spcBef>
+        <a:buFont typeface="Arial" panose="020B0604020202020204" pitchFamily="34" charset="0"/>
+        <a:buChar char="•"/>
+        <a:defRPr sz="1800" kern="1200">
+          <a:solidFill>
+            <a:schemeClr val="tx1"/>
+          </a:solidFill>
+          <a:latin typeface="+mn-lt"/>
+          <a:ea typeface="+mn-ea"/>
+          <a:cs typeface="+mn-cs"/>
+        </a:defRPr>
+      </a:lvl6pPr>
+      <a:lvl7pPr marL="2971800" indent="-228600" algn="l" defTabSz="914400" rtl="0" eaLnBrk="1" latinLnBrk="0" hangingPunct="1">
+        <a:lnSpc>
+          <a:spcPct val="90000"/>
+        </a:lnSpc>
+        <a:spcBef>
+          <a:spcPts val="500"/>
+        </a:spcBef>
+        <a:buFont typeface="Arial" panose="020B0604020202020204" pitchFamily="34" charset="0"/>
+        <a:buChar char="•"/>
+        <a:defRPr sz="1800" kern="1200">
+          <a:solidFill>
+            <a:schemeClr val="tx1"/>
+          </a:solidFill>
+          <a:latin typeface="+mn-lt"/>
+          <a:ea typeface="+mn-ea"/>
+          <a:cs typeface="+mn-cs"/>
+        </a:defRPr>
+      </a:lvl7pPr>
+      <a:lvl8pPr marL="3429000" indent="-228600" algn="l" defTabSz="914400" rtl="0" eaLnBrk="1" latinLnBrk="0" hangingPunct="1">
+        <a:lnSpc>
+          <a:spcPct val="90000"/>
+        </a:lnSpc>
+        <a:spcBef>
+          <a:spcPts val="500"/>
+        </a:spcBef>
+        <a:buFont typeface="Arial" panose="020B0604020202020204" pitchFamily="34" charset="0"/>
+        <a:buChar char="•"/>
+        <a:defRPr sz="1800" kern="1200">
+          <a:solidFill>
+            <a:schemeClr val="tx1"/>
+          </a:solidFill>
+          <a:latin typeface="+mn-lt"/>
+          <a:ea typeface="+mn-ea"/>
+          <a:cs typeface="+mn-cs"/>
+        </a:defRPr>
+      </a:lvl8pPr>
+      <a:lvl9pPr marL="3886200" indent="-228600" algn="l" defTabSz="914400" rtl="0" eaLnBrk="1" latinLnBrk="0" hangingPunct="1">
+        <a:lnSpc>
+          <a:spcPct val="90000"/>
+        </a:lnSpc>
+        <a:spcBef>
+          <a:spcPts val="500"/>
+        </a:spcBef>
+        <a:buFont typeface="Arial" panose="020B0604020202020204" pitchFamily="34" charset="0"/>
+        <a:buChar char="•"/>
+        <a:defRPr sz="1800" kern="1200">
+          <a:solidFill>
+            <a:schemeClr val="tx1"/>
+          </a:solidFill>
+          <a:latin typeface="+mn-lt"/>
+          <a:ea typeface="+mn-ea"/>
+          <a:cs typeface="+mn-cs"/>
+        </a:defRPr>
+      </a:lvl9pPr>
+    </p:bodyStyle>
+    <p:otherStyle>
+      <a:defPPr>
+        <a:defRPr lang="de-DE"/>
+      </a:defPPr>
+      <a:lvl1pPr marL="0" algn="l" defTabSz="914400" rtl="0" eaLnBrk="1" latinLnBrk="0" hangingPunct="1">
+        <a:defRPr sz="1800" kern="1200">
+          <a:solidFill>
+            <a:schemeClr val="tx1"/>
+          </a:solidFill>
+          <a:latin typeface="+mn-lt"/>
+          <a:ea typeface="+mn-ea"/>
+          <a:cs typeface="+mn-cs"/>
+        </a:defRPr>
+      </a:lvl1pPr>
+      <a:lvl2pPr marL="457200" algn="l" defTabSz="914400" rtl="0" eaLnBrk="1" latinLnBrk="0" hangingPunct="1">
+        <a:defRPr sz="1800" kern="1200">
+          <a:solidFill>
+            <a:schemeClr val="tx1"/>
+          </a:solidFill>
+          <a:latin typeface="+mn-lt"/>
+          <a:ea typeface="+mn-ea"/>
+          <a:cs typeface="+mn-cs"/>
+        </a:defRPr>
+      </a:lvl2pPr>
+      <a:lvl3pPr marL="914400" algn="l" defTabSz="914400" rtl="0" eaLnBrk="1" latinLnBrk="0" hangingPunct="1">
+        <a:defRPr sz="1800" kern="1200">
+          <a:solidFill>
+            <a:schemeClr val="tx1"/>
+          </a:solidFill>
+          <a:latin typeface="+mn-lt"/>
+          <a:ea typeface="+mn-ea"/>
+          <a:cs typeface="+mn-cs"/>
+        </a:defRPr>
+      </a:lvl3pPr>
+      <a:lvl4pPr marL="1371600" algn="l" defTabSz="914400" rtl="0" eaLnBrk="1" latinLnBrk="0" hangingPunct="1">
+        <a:defRPr sz="1800" kern="1200">
+          <a:solidFill>
+            <a:schemeClr val="tx1"/>
+          </a:solidFill>
+          <a:latin typeface="+mn-lt"/>
+          <a:ea typeface="+mn-ea"/>
+          <a:cs typeface="+mn-cs"/>
+        </a:defRPr>
+      </a:lvl4pPr>
+      <a:lvl5pPr marL="1828800" algn="l" defTabSz="914400" rtl="0" eaLnBrk="1" latinLnBrk="0" hangingPunct="1">
+        <a:defRPr sz="1800" kern="1200">
+          <a:solidFill>
+            <a:schemeClr val="tx1"/>
+          </a:solidFill>
+          <a:latin typeface="+mn-lt"/>
+          <a:ea typeface="+mn-ea"/>
+          <a:cs typeface="+mn-cs"/>
+        </a:defRPr>
+      </a:lvl5pPr>
+      <a:lvl6pPr marL="2286000" algn="l" defTabSz="914400" rtl="0" eaLnBrk="1" latinLnBrk="0" hangingPunct="1">
+        <a:defRPr sz="1800" kern="1200">
+          <a:solidFill>
+            <a:schemeClr val="tx1"/>
+          </a:solidFill>
+          <a:latin typeface="+mn-lt"/>
+          <a:ea typeface="+mn-ea"/>
+          <a:cs typeface="+mn-cs"/>
+        </a:defRPr>
+      </a:lvl6pPr>
+      <a:lvl7pPr marL="2743200" algn="l" defTabSz="914400" rtl="0" eaLnBrk="1" latinLnBrk="0" hangingPunct="1">
+        <a:defRPr sz="1800" kern="1200">
+          <a:solidFill>
+            <a:schemeClr val="tx1"/>
+          </a:solidFill>
+          <a:latin typeface="+mn-lt"/>
+          <a:ea typeface="+mn-ea"/>
+          <a:cs typeface="+mn-cs"/>
+        </a:defRPr>
+      </a:lvl7pPr>
+      <a:lvl8pPr marL="3200400" algn="l" defTabSz="914400" rtl="0" eaLnBrk="1" latinLnBrk="0" hangingPunct="1">
+        <a:defRPr sz="1800" kern="1200">
+          <a:solidFill>
+            <a:schemeClr val="tx1"/>
+          </a:solidFill>
+          <a:latin typeface="+mn-lt"/>
+          <a:ea typeface="+mn-ea"/>
+          <a:cs typeface="+mn-cs"/>
+        </a:defRPr>
+      </a:lvl8pPr>
+      <a:lvl9pPr marL="3657600" algn="l" defTabSz="914400" rtl="0" eaLnBrk="1" latinLnBrk="0" hangingPunct="1">
+        <a:defRPr sz="1800" kern="1200">
+          <a:solidFill>
+            <a:schemeClr val="tx1"/>
+          </a:solidFill>
+          <a:latin typeface="+mn-lt"/>
+          <a:ea typeface="+mn-ea"/>
+          <a:cs typeface="+mn-cs"/>
+        </a:defRPr>
+      </a:lvl9pPr>
+    </p:otherStyle>
+  </p:txStyles>
 </p:sldMaster>
 </file>
 
 <file path=ppt/slideMasters/slideMaster3.xml><?xml version="1.0" encoding="utf-8"?>
-<p:sldMaster xmlns:a="http://schemas.openxmlformats.org/drawingml/2006/main" xmlns:p="http://schemas.openxmlformats.org/presentationml/2006/main" xmlns:r="http://schemas.openxmlformats.org/officeDocument/2006/relationships" xmlns:p14="http://schemas.microsoft.com/office/powerpoint/2010/main" xmlns:p15="http://schemas.microsoft.com/office/powerpoint/2012/main" xmlns:mc="http://schemas.openxmlformats.org/markup-compatibility/2006">
+<p:sldMaster xmlns:a="http://schemas.openxmlformats.org/drawingml/2006/main" xmlns:r="http://schemas.openxmlformats.org/officeDocument/2006/relationships" xmlns:p="http://schemas.openxmlformats.org/presentationml/2006/main">
+  <p:cSld>
+    <p:bg>
+      <p:bgRef idx="1001">
+        <a:schemeClr val="bg1"/>
+      </p:bgRef>
+    </p:bg>
+    <p:spTree>
+      <p:nvGrpSpPr>
+        <p:cNvPr id="1" name=""/>
+        <p:cNvGrpSpPr/>
+        <p:nvPr/>
+      </p:nvGrpSpPr>
+      <p:grpSpPr>
+        <a:xfrm>
+          <a:off x="0" y="0"/>
+          <a:ext cx="0" cy="0"/>
+          <a:chOff x="0" y="0"/>
+          <a:chExt cx="0" cy="0"/>
+        </a:xfrm>
+      </p:grpSpPr>
+      <p:sp>
+        <p:nvSpPr>
+          <p:cNvPr id="82" name="PlaceHolder 1"/>
+          <p:cNvSpPr>
+            <a:spLocks noGrp="1"/>
+          </p:cNvSpPr>
+          <p:nvPr>
+            <p:ph type="title"/>
+          </p:nvPr>
+        </p:nvSpPr>
+        <p:spPr>
+          <a:xfrm>
+            <a:off x="609480" y="273240"/>
+            <a:ext cx="10972440" cy="1144800"/>
+          </a:xfrm>
+          <a:prstGeom prst="rect">
+            <a:avLst/>
+          </a:prstGeom>
+        </p:spPr>
+        <p:txBody>
+          <a:bodyPr lIns="0" tIns="0" rIns="0" bIns="0" anchor="ctr">
+            <a:noAutofit/>
+          </a:bodyPr>
+          <a:lstStyle/>
+          <a:p>
+            <a:pPr algn="ctr"/>
+            <a:r>
+              <a:rPr lang="de-DE" sz="5320" b="0" strike="noStrike" spc="-1">
+                <a:latin typeface="Arial"/>
+              </a:rPr>
+              <a:t>Format des Titeltextes durch Klicken bearbeiten</a:t>
+            </a:r>
+          </a:p>
+        </p:txBody>
+      </p:sp>
+      <p:sp>
+        <p:nvSpPr>
+          <p:cNvPr id="83" name="PlaceHolder 2"/>
+          <p:cNvSpPr>
+            <a:spLocks noGrp="1"/>
+          </p:cNvSpPr>
+          <p:nvPr>
+            <p:ph type="body"/>
+          </p:nvPr>
+        </p:nvSpPr>
+        <p:spPr>
+          <a:xfrm>
+            <a:off x="609480" y="1604520"/>
+            <a:ext cx="10972440" cy="3977280"/>
+          </a:xfrm>
+          <a:prstGeom prst="rect">
+            <a:avLst/>
+          </a:prstGeom>
+        </p:spPr>
+        <p:txBody>
+          <a:bodyPr lIns="0" tIns="0" rIns="0" bIns="0">
+            <a:noAutofit/>
+          </a:bodyPr>
+          <a:lstStyle/>
+          <a:p>
+            <a:pPr marL="432000" indent="-324000">
+              <a:spcBef>
+                <a:spcPts val="1712"/>
+              </a:spcBef>
+              <a:buClr>
+                <a:srgbClr val="000000"/>
+              </a:buClr>
+              <a:buSzPct val="45000"/>
+              <a:buFont typeface="Wingdings" charset="2"/>
+              <a:buChar char=""/>
+            </a:pPr>
+            <a:r>
+              <a:rPr lang="de-DE" sz="3870" b="0" strike="noStrike" spc="-1">
+                <a:latin typeface="Arial"/>
+              </a:rPr>
+              <a:t>Format des Gliederungstextes durch Klicken bearbeiten</a:t>
+            </a:r>
+          </a:p>
+          <a:p>
+            <a:pPr marL="864000" lvl="1" indent="-324000">
+              <a:spcBef>
+                <a:spcPts val="1369"/>
+              </a:spcBef>
+              <a:buClr>
+                <a:srgbClr val="000000"/>
+              </a:buClr>
+              <a:buSzPct val="75000"/>
+              <a:buFont typeface="Symbol" charset="2"/>
+              <a:buChar char=""/>
+            </a:pPr>
+            <a:r>
+              <a:rPr lang="de-DE" sz="3380" b="0" strike="noStrike" spc="-1">
+                <a:latin typeface="Arial"/>
+              </a:rPr>
+              <a:t>Zweite Gliederungsebene</a:t>
+            </a:r>
+          </a:p>
+          <a:p>
+            <a:pPr marL="1296000" lvl="2" indent="-288000">
+              <a:spcBef>
+                <a:spcPts val="1026"/>
+              </a:spcBef>
+              <a:buClr>
+                <a:srgbClr val="000000"/>
+              </a:buClr>
+              <a:buSzPct val="45000"/>
+              <a:buFont typeface="Wingdings" charset="2"/>
+              <a:buChar char=""/>
+            </a:pPr>
+            <a:r>
+              <a:rPr lang="de-DE" sz="2900" b="0" strike="noStrike" spc="-1">
+                <a:latin typeface="Arial"/>
+              </a:rPr>
+              <a:t>Dritte Gliederungsebene</a:t>
+            </a:r>
+          </a:p>
+          <a:p>
+            <a:pPr marL="1728000" lvl="3" indent="-216000">
+              <a:spcBef>
+                <a:spcPts val="683"/>
+              </a:spcBef>
+              <a:buClr>
+                <a:srgbClr val="000000"/>
+              </a:buClr>
+              <a:buSzPct val="75000"/>
+              <a:buFont typeface="Symbol" charset="2"/>
+              <a:buChar char=""/>
+            </a:pPr>
+            <a:r>
+              <a:rPr lang="de-DE" sz="2420" b="0" strike="noStrike" spc="-1">
+                <a:latin typeface="Arial"/>
+              </a:rPr>
+              <a:t>Vierte Gliederungsebene</a:t>
+            </a:r>
+          </a:p>
+          <a:p>
+            <a:pPr marL="2160000" lvl="4" indent="-216000">
+              <a:spcBef>
+                <a:spcPts val="340"/>
+              </a:spcBef>
+              <a:buClr>
+                <a:srgbClr val="000000"/>
+              </a:buClr>
+              <a:buSzPct val="45000"/>
+              <a:buFont typeface="Wingdings" charset="2"/>
+              <a:buChar char=""/>
+            </a:pPr>
+            <a:r>
+              <a:rPr lang="de-DE" sz="2420" b="0" strike="noStrike" spc="-1">
+                <a:latin typeface="Arial"/>
+              </a:rPr>
+              <a:t>Fünfte Gliederungsebene</a:t>
+            </a:r>
+          </a:p>
+          <a:p>
+            <a:pPr marL="2592000" lvl="5" indent="-216000">
+              <a:spcBef>
+                <a:spcPts val="340"/>
+              </a:spcBef>
+              <a:buClr>
+                <a:srgbClr val="000000"/>
+              </a:buClr>
+              <a:buSzPct val="45000"/>
+              <a:buFont typeface="Wingdings" charset="2"/>
+              <a:buChar char=""/>
+            </a:pPr>
+            <a:r>
+              <a:rPr lang="de-DE" sz="2420" b="0" strike="noStrike" spc="-1">
+                <a:latin typeface="Arial"/>
+              </a:rPr>
+              <a:t>Sechste Gliederungsebene</a:t>
+            </a:r>
+          </a:p>
+          <a:p>
+            <a:pPr marL="3024000" lvl="6" indent="-216000">
+              <a:spcBef>
+                <a:spcPts val="340"/>
+              </a:spcBef>
+              <a:buClr>
+                <a:srgbClr val="000000"/>
+              </a:buClr>
+              <a:buSzPct val="45000"/>
+              <a:buFont typeface="Wingdings" charset="2"/>
+              <a:buChar char=""/>
+            </a:pPr>
+            <a:r>
+              <a:rPr lang="de-DE" sz="2420" b="0" strike="noStrike" spc="-1">
+                <a:latin typeface="Arial"/>
+              </a:rPr>
+              <a:t>Siebte Gliederungsebene</a:t>
+            </a:r>
+          </a:p>
+        </p:txBody>
+      </p:sp>
+      <p:sp>
+        <p:nvSpPr>
+          <p:cNvPr id="84" name="PlaceHolder 3"/>
+          <p:cNvSpPr>
+            <a:spLocks noGrp="1"/>
+          </p:cNvSpPr>
+          <p:nvPr>
+            <p:ph type="dt"/>
+          </p:nvPr>
+        </p:nvSpPr>
+        <p:spPr>
+          <a:xfrm>
+            <a:off x="609480" y="6247440"/>
+            <a:ext cx="2840400" cy="472320"/>
+          </a:xfrm>
+          <a:prstGeom prst="rect">
+            <a:avLst/>
+          </a:prstGeom>
+        </p:spPr>
+        <p:txBody>
+          <a:bodyPr lIns="0" tIns="0" rIns="0" bIns="0">
+            <a:noAutofit/>
+          </a:bodyPr>
+          <a:lstStyle/>
+          <a:p>
+            <a:r>
+              <a:rPr lang="de-DE" sz="1400" b="0" strike="noStrike" spc="-1">
+                <a:latin typeface="Times New Roman"/>
+              </a:rPr>
+              <a:t>&lt;Datum/Uhrzeit&gt;</a:t>
+            </a:r>
+          </a:p>
+        </p:txBody>
+      </p:sp>
+      <p:sp>
+        <p:nvSpPr>
+          <p:cNvPr id="85" name="PlaceHolder 4"/>
+          <p:cNvSpPr>
+            <a:spLocks noGrp="1"/>
+          </p:cNvSpPr>
+          <p:nvPr>
+            <p:ph type="ftr"/>
+          </p:nvPr>
+        </p:nvSpPr>
+        <p:spPr>
+          <a:xfrm>
+            <a:off x="4169520" y="6247440"/>
+            <a:ext cx="3864600" cy="472320"/>
+          </a:xfrm>
+          <a:prstGeom prst="rect">
+            <a:avLst/>
+          </a:prstGeom>
+        </p:spPr>
+        <p:txBody>
+          <a:bodyPr lIns="0" tIns="0" rIns="0" bIns="0">
+            <a:noAutofit/>
+          </a:bodyPr>
+          <a:lstStyle/>
+          <a:p>
+            <a:pPr algn="ctr"/>
+            <a:r>
+              <a:rPr lang="de-DE" sz="1400" b="0" strike="noStrike" spc="-1">
+                <a:latin typeface="Times New Roman"/>
+              </a:rPr>
+              <a:t>&lt;Fußzeile&gt;</a:t>
+            </a:r>
+          </a:p>
+        </p:txBody>
+      </p:sp>
+      <p:sp>
+        <p:nvSpPr>
+          <p:cNvPr id="86" name="PlaceHolder 5"/>
+          <p:cNvSpPr>
+            <a:spLocks noGrp="1"/>
+          </p:cNvSpPr>
+          <p:nvPr>
+            <p:ph type="sldNum"/>
+          </p:nvPr>
+        </p:nvSpPr>
+        <p:spPr>
+          <a:xfrm>
+            <a:off x="8741520" y="6247440"/>
+            <a:ext cx="2840400" cy="472320"/>
+          </a:xfrm>
+          <a:prstGeom prst="rect">
+            <a:avLst/>
+          </a:prstGeom>
+        </p:spPr>
+        <p:txBody>
+          <a:bodyPr lIns="0" tIns="0" rIns="0" bIns="0">
+            <a:noAutofit/>
+          </a:bodyPr>
+          <a:lstStyle/>
+          <a:p>
+            <a:pPr algn="r"/>
+            <a:fld id="{7A7436C7-19D6-489A-AD04-63EB8688EE13}" type="slidenum">
+              <a:rPr lang="de-DE" sz="1400" b="0" strike="noStrike" spc="-1">
+                <a:latin typeface="Times New Roman"/>
+              </a:rPr>
+              <a:t>‹Nr.›</a:t>
+            </a:fld>
+            <a:endParaRPr lang="de-DE" sz="1400" b="0" strike="noStrike" spc="-1">
+              <a:latin typeface="Times New Roman"/>
+            </a:endParaRPr>
+          </a:p>
+        </p:txBody>
+      </p:sp>
+    </p:spTree>
+  </p:cSld>
+  <p:clrMap bg1="lt1" tx1="dk1" bg2="lt2" tx2="dk2" accent1="accent1" accent2="accent2" accent3="accent3" accent4="accent4" accent5="accent5" accent6="accent6" hlink="hlink" folHlink="folHlink"/>
+  <p:sldLayoutIdLst>
+    <p:sldLayoutId id="2147483675" r:id="rId1"/>
+    <p:sldLayoutId id="2147483676" r:id="rId2"/>
+    <p:sldLayoutId id="2147483677" r:id="rId3"/>
+    <p:sldLayoutId id="2147483678" r:id="rId4"/>
+    <p:sldLayoutId id="2147483679" r:id="rId5"/>
+    <p:sldLayoutId id="2147483680" r:id="rId6"/>
+    <p:sldLayoutId id="2147483681" r:id="rId7"/>
+    <p:sldLayoutId id="2147483682" r:id="rId8"/>
+    <p:sldLayoutId id="2147483683" r:id="rId9"/>
+    <p:sldLayoutId id="2147483684" r:id="rId10"/>
+    <p:sldLayoutId id="2147483685" r:id="rId11"/>
+    <p:sldLayoutId id="2147483686" r:id="rId12"/>
+  </p:sldLayoutIdLst>
+  <p:txStyles>
+    <p:titleStyle>
+      <a:lvl1pPr algn="l" defTabSz="914400" rtl="0" eaLnBrk="1" latinLnBrk="0" hangingPunct="1">
+        <a:lnSpc>
+          <a:spcPct val="90000"/>
+        </a:lnSpc>
+        <a:spcBef>
+          <a:spcPct val="0"/>
+        </a:spcBef>
+        <a:buNone/>
+        <a:defRPr sz="4400" kern="1200">
+          <a:solidFill>
+            <a:schemeClr val="tx1"/>
+          </a:solidFill>
+          <a:latin typeface="+mj-lt"/>
+          <a:ea typeface="+mj-ea"/>
+          <a:cs typeface="+mj-cs"/>
+        </a:defRPr>
+      </a:lvl1pPr>
+    </p:titleStyle>
+    <p:bodyStyle>
+      <a:lvl1pPr marL="228600" indent="-228600" algn="l" defTabSz="914400" rtl="0" eaLnBrk="1" latinLnBrk="0" hangingPunct="1">
+        <a:lnSpc>
+          <a:spcPct val="90000"/>
+        </a:lnSpc>
+        <a:spcBef>
+          <a:spcPts val="1000"/>
+        </a:spcBef>
+        <a:buFont typeface="Arial" panose="020B0604020202020204" pitchFamily="34" charset="0"/>
+        <a:buChar char="•"/>
+        <a:defRPr sz="2800" kern="1200">
+          <a:solidFill>
+            <a:schemeClr val="tx1"/>
+          </a:solidFill>
+          <a:latin typeface="+mn-lt"/>
+          <a:ea typeface="+mn-ea"/>
+          <a:cs typeface="+mn-cs"/>
+        </a:defRPr>
+      </a:lvl1pPr>
+      <a:lvl2pPr marL="685800" indent="-228600" algn="l" defTabSz="914400" rtl="0" eaLnBrk="1" latinLnBrk="0" hangingPunct="1">
+        <a:lnSpc>
+          <a:spcPct val="90000"/>
+        </a:lnSpc>
+        <a:spcBef>
+          <a:spcPts val="500"/>
+        </a:spcBef>
+        <a:buFont typeface="Arial" panose="020B0604020202020204" pitchFamily="34" charset="0"/>
+        <a:buChar char="•"/>
+        <a:defRPr sz="2400" kern="1200">
+          <a:solidFill>
+            <a:schemeClr val="tx1"/>
+          </a:solidFill>
+          <a:latin typeface="+mn-lt"/>
+          <a:ea typeface="+mn-ea"/>
+          <a:cs typeface="+mn-cs"/>
+        </a:defRPr>
+      </a:lvl2pPr>
+      <a:lvl3pPr marL="1143000" indent="-228600" algn="l" defTabSz="914400" rtl="0" eaLnBrk="1" latinLnBrk="0" hangingPunct="1">
+        <a:lnSpc>
+          <a:spcPct val="90000"/>
+        </a:lnSpc>
+        <a:spcBef>
+          <a:spcPts val="500"/>
+        </a:spcBef>
+        <a:buFont typeface="Arial" panose="020B0604020202020204" pitchFamily="34" charset="0"/>
+        <a:buChar char="•"/>
+        <a:defRPr sz="2000" kern="1200">
+          <a:solidFill>
+            <a:schemeClr val="tx1"/>
+          </a:solidFill>
+          <a:latin typeface="+mn-lt"/>
+          <a:ea typeface="+mn-ea"/>
+          <a:cs typeface="+mn-cs"/>
+        </a:defRPr>
+      </a:lvl3pPr>
+      <a:lvl4pPr marL="1600200" indent="-228600" algn="l" defTabSz="914400" rtl="0" eaLnBrk="1" latinLnBrk="0" hangingPunct="1">
+        <a:lnSpc>
+          <a:spcPct val="90000"/>
+        </a:lnSpc>
+        <a:spcBef>
+          <a:spcPts val="500"/>
+        </a:spcBef>
+        <a:buFont typeface="Arial" panose="020B0604020202020204" pitchFamily="34" charset="0"/>
+        <a:buChar char="•"/>
+        <a:defRPr sz="1800" kern="1200">
+          <a:solidFill>
+            <a:schemeClr val="tx1"/>
+          </a:solidFill>
+          <a:latin typeface="+mn-lt"/>
+          <a:ea typeface="+mn-ea"/>
+          <a:cs typeface="+mn-cs"/>
+        </a:defRPr>
+      </a:lvl4pPr>
+      <a:lvl5pPr marL="2057400" indent="-228600" algn="l" defTabSz="914400" rtl="0" eaLnBrk="1" latinLnBrk="0" hangingPunct="1">
+        <a:lnSpc>
+          <a:spcPct val="90000"/>
+        </a:lnSpc>
+        <a:spcBef>
+          <a:spcPts val="500"/>
+        </a:spcBef>
+        <a:buFont typeface="Arial" panose="020B0604020202020204" pitchFamily="34" charset="0"/>
+        <a:buChar char="•"/>
+        <a:defRPr sz="1800" kern="1200">
+          <a:solidFill>
+            <a:schemeClr val="tx1"/>
+          </a:solidFill>
+          <a:latin typeface="+mn-lt"/>
+          <a:ea typeface="+mn-ea"/>
+          <a:cs typeface="+mn-cs"/>
+        </a:defRPr>
+      </a:lvl5pPr>
+      <a:lvl6pPr marL="2514600" indent="-228600" algn="l" defTabSz="914400" rtl="0" eaLnBrk="1" latinLnBrk="0" hangingPunct="1">
+        <a:lnSpc>
+          <a:spcPct val="90000"/>
+        </a:lnSpc>
+        <a:spcBef>
+          <a:spcPts val="500"/>
+        </a:spcBef>
+        <a:buFont typeface="Arial" panose="020B0604020202020204" pitchFamily="34" charset="0"/>
+        <a:buChar char="•"/>
+        <a:defRPr sz="1800" kern="1200">
+          <a:solidFill>
+            <a:schemeClr val="tx1"/>
+          </a:solidFill>
+          <a:latin typeface="+mn-lt"/>
+          <a:ea typeface="+mn-ea"/>
+          <a:cs typeface="+mn-cs"/>
+        </a:defRPr>
+      </a:lvl6pPr>
+      <a:lvl7pPr marL="2971800" indent="-228600" algn="l" defTabSz="914400" rtl="0" eaLnBrk="1" latinLnBrk="0" hangingPunct="1">
+        <a:lnSpc>
+          <a:spcPct val="90000"/>
+        </a:lnSpc>
+        <a:spcBef>
+          <a:spcPts val="500"/>
+        </a:spcBef>
+        <a:buFont typeface="Arial" panose="020B0604020202020204" pitchFamily="34" charset="0"/>
+        <a:buChar char="•"/>
+        <a:defRPr sz="1800" kern="1200">
+          <a:solidFill>
+            <a:schemeClr val="tx1"/>
+          </a:solidFill>
+          <a:latin typeface="+mn-lt"/>
+          <a:ea typeface="+mn-ea"/>
+          <a:cs typeface="+mn-cs"/>
+        </a:defRPr>
+      </a:lvl7pPr>
+      <a:lvl8pPr marL="3429000" indent="-228600" algn="l" defTabSz="914400" rtl="0" eaLnBrk="1" latinLnBrk="0" hangingPunct="1">
+        <a:lnSpc>
+          <a:spcPct val="90000"/>
+        </a:lnSpc>
+        <a:spcBef>
+          <a:spcPts val="500"/>
+        </a:spcBef>
+        <a:buFont typeface="Arial" panose="020B0604020202020204" pitchFamily="34" charset="0"/>
+        <a:buChar char="•"/>
+        <a:defRPr sz="1800" kern="1200">
+          <a:solidFill>
+            <a:schemeClr val="tx1"/>
+          </a:solidFill>
+          <a:latin typeface="+mn-lt"/>
+          <a:ea typeface="+mn-ea"/>
+          <a:cs typeface="+mn-cs"/>
+        </a:defRPr>
+      </a:lvl8pPr>
+      <a:lvl9pPr marL="3886200" indent="-228600" algn="l" defTabSz="914400" rtl="0" eaLnBrk="1" latinLnBrk="0" hangingPunct="1">
+        <a:lnSpc>
+          <a:spcPct val="90000"/>
+        </a:lnSpc>
+        <a:spcBef>
+          <a:spcPts val="500"/>
+        </a:spcBef>
+        <a:buFont typeface="Arial" panose="020B0604020202020204" pitchFamily="34" charset="0"/>
+        <a:buChar char="•"/>
+        <a:defRPr sz="1800" kern="1200">
+          <a:solidFill>
+            <a:schemeClr val="tx1"/>
+          </a:solidFill>
+          <a:latin typeface="+mn-lt"/>
+          <a:ea typeface="+mn-ea"/>
+          <a:cs typeface="+mn-cs"/>
+        </a:defRPr>
+      </a:lvl9pPr>
+    </p:bodyStyle>
+    <p:otherStyle>
+      <a:defPPr>
+        <a:defRPr lang="de-DE"/>
+      </a:defPPr>
+      <a:lvl1pPr marL="0" algn="l" defTabSz="914400" rtl="0" eaLnBrk="1" latinLnBrk="0" hangingPunct="1">
+        <a:defRPr sz="1800" kern="1200">
+          <a:solidFill>
+            <a:schemeClr val="tx1"/>
+          </a:solidFill>
+          <a:latin typeface="+mn-lt"/>
+          <a:ea typeface="+mn-ea"/>
+          <a:cs typeface="+mn-cs"/>
+        </a:defRPr>
+      </a:lvl1pPr>
+      <a:lvl2pPr marL="457200" algn="l" defTabSz="914400" rtl="0" eaLnBrk="1" latinLnBrk="0" hangingPunct="1">
+        <a:defRPr sz="1800" kern="1200">
+          <a:solidFill>
+            <a:schemeClr val="tx1"/>
+          </a:solidFill>
+          <a:latin typeface="+mn-lt"/>
+          <a:ea typeface="+mn-ea"/>
+          <a:cs typeface="+mn-cs"/>
+        </a:defRPr>
+      </a:lvl2pPr>
+      <a:lvl3pPr marL="914400" algn="l" defTabSz="914400" rtl="0" eaLnBrk="1" latinLnBrk="0" hangingPunct="1">
+        <a:defRPr sz="1800" kern="1200">
+          <a:solidFill>
+            <a:schemeClr val="tx1"/>
+          </a:solidFill>
+          <a:latin typeface="+mn-lt"/>
+          <a:ea typeface="+mn-ea"/>
+          <a:cs typeface="+mn-cs"/>
+        </a:defRPr>
+      </a:lvl3pPr>
+      <a:lvl4pPr marL="1371600" algn="l" defTabSz="914400" rtl="0" eaLnBrk="1" latinLnBrk="0" hangingPunct="1">
+        <a:defRPr sz="1800" kern="1200">
+          <a:solidFill>
+            <a:schemeClr val="tx1"/>
+          </a:solidFill>
+          <a:latin typeface="+mn-lt"/>
+          <a:ea typeface="+mn-ea"/>
+          <a:cs typeface="+mn-cs"/>
+        </a:defRPr>
+      </a:lvl4pPr>
+      <a:lvl5pPr marL="1828800" algn="l" defTabSz="914400" rtl="0" eaLnBrk="1" latinLnBrk="0" hangingPunct="1">
+        <a:defRPr sz="1800" kern="1200">
+          <a:solidFill>
+            <a:schemeClr val="tx1"/>
+          </a:solidFill>
+          <a:latin typeface="+mn-lt"/>
+          <a:ea typeface="+mn-ea"/>
+          <a:cs typeface="+mn-cs"/>
+        </a:defRPr>
+      </a:lvl5pPr>
+      <a:lvl6pPr marL="2286000" algn="l" defTabSz="914400" rtl="0" eaLnBrk="1" latinLnBrk="0" hangingPunct="1">
+        <a:defRPr sz="1800" kern="1200">
+          <a:solidFill>
+            <a:schemeClr val="tx1"/>
+          </a:solidFill>
+          <a:latin typeface="+mn-lt"/>
+          <a:ea typeface="+mn-ea"/>
+          <a:cs typeface="+mn-cs"/>
+        </a:defRPr>
+      </a:lvl6pPr>
+      <a:lvl7pPr marL="2743200" algn="l" defTabSz="914400" rtl="0" eaLnBrk="1" latinLnBrk="0" hangingPunct="1">
+        <a:defRPr sz="1800" kern="1200">
+          <a:solidFill>
+            <a:schemeClr val="tx1"/>
+          </a:solidFill>
+          <a:latin typeface="+mn-lt"/>
+          <a:ea typeface="+mn-ea"/>
+          <a:cs typeface="+mn-cs"/>
+        </a:defRPr>
+      </a:lvl7pPr>
+      <a:lvl8pPr marL="3200400" algn="l" defTabSz="914400" rtl="0" eaLnBrk="1" latinLnBrk="0" hangingPunct="1">
+        <a:defRPr sz="1800" kern="1200">
+          <a:solidFill>
+            <a:schemeClr val="tx1"/>
+          </a:solidFill>
+          <a:latin typeface="+mn-lt"/>
+          <a:ea typeface="+mn-ea"/>
+          <a:cs typeface="+mn-cs"/>
+        </a:defRPr>
+      </a:lvl8pPr>
+      <a:lvl9pPr marL="3657600" algn="l" defTabSz="914400" rtl="0" eaLnBrk="1" latinLnBrk="0" hangingPunct="1">
+        <a:defRPr sz="1800" kern="1200">
+          <a:solidFill>
+            <a:schemeClr val="tx1"/>
+          </a:solidFill>
+          <a:latin typeface="+mn-lt"/>
+          <a:ea typeface="+mn-ea"/>
+          <a:cs typeface="+mn-cs"/>
+        </a:defRPr>
+      </a:lvl9pPr>
+    </p:otherStyle>
+  </p:txStyles>
+</p:sldMaster>
+</file>
+
+<file path=ppt/slides/slide1.xml><?xml version="1.0" encoding="utf-8"?>
+<p:sld xmlns:a="http://schemas.openxmlformats.org/drawingml/2006/main" xmlns:r="http://schemas.openxmlformats.org/officeDocument/2006/relationships" xmlns:p="http://schemas.openxmlformats.org/presentationml/2006/main">
   <p:cSld>
     <p:spTree>
       <p:nvGrpSpPr>
@@ -5200,352 +6634,314 @@
       </p:grpSpPr>
       <p:sp>
         <p:nvSpPr>
-          <p:cNvPr id="82" name="PlaceHolder 1"/>
-          <p:cNvSpPr>
-            <a:spLocks noGrp="1"/>
-          </p:cNvSpPr>
-          <p:nvPr>
-            <p:ph type="title"/>
-          </p:nvPr>
-        </p:nvSpPr>
-        <p:spPr>
-          <a:xfrm>
-            <a:off x="609480" y="273240"/>
-            <a:ext cx="10972440" cy="1144800"/>
-          </a:xfrm>
-          <a:prstGeom prst="rect">
-            <a:avLst/>
-          </a:prstGeom>
-        </p:spPr>
-        <p:txBody>
-          <a:bodyPr lIns="0" rIns="0" tIns="0" bIns="0" anchor="ctr">
+          <p:cNvPr id="123" name="Titel 1"/>
+          <p:cNvSpPr txBox="1"/>
+          <p:nvPr/>
+        </p:nvSpPr>
+        <p:spPr>
+          <a:xfrm>
+            <a:off x="1523880" y="465480"/>
+            <a:ext cx="9143640" cy="2387160"/>
+          </a:xfrm>
+          <a:prstGeom prst="rect">
+            <a:avLst/>
+          </a:prstGeom>
+          <a:noFill/>
+          <a:ln w="0">
+            <a:noFill/>
+          </a:ln>
+        </p:spPr>
+        <p:txBody>
+          <a:bodyPr anchor="b">
             <a:noAutofit/>
           </a:bodyPr>
-          <a:p>
-            <a:pPr algn="ctr"/>
-            <a:r>
-              <a:rPr b="0" lang="de-DE" sz="5320" spc="-1" strike="noStrike">
-                <a:latin typeface="Arial"/>
-              </a:rPr>
-              <a:t>Format des Titeltextes durch Klicken bearbeiten</a:t>
-            </a:r>
-            <a:endParaRPr b="0" lang="de-DE" sz="5320" spc="-1" strike="noStrike">
-              <a:latin typeface="Arial"/>
-            </a:endParaRPr>
-          </a:p>
-        </p:txBody>
-      </p:sp>
-      <p:sp>
-        <p:nvSpPr>
-          <p:cNvPr id="83" name="PlaceHolder 2"/>
-          <p:cNvSpPr>
-            <a:spLocks noGrp="1"/>
-          </p:cNvSpPr>
-          <p:nvPr>
-            <p:ph type="body"/>
-          </p:nvPr>
-        </p:nvSpPr>
-        <p:spPr>
-          <a:xfrm>
-            <a:off x="609480" y="1604520"/>
-            <a:ext cx="10972440" cy="3977280"/>
-          </a:xfrm>
-          <a:prstGeom prst="rect">
-            <a:avLst/>
-          </a:prstGeom>
-        </p:spPr>
-        <p:txBody>
-          <a:bodyPr lIns="0" rIns="0" tIns="0" bIns="0">
-            <a:noAutofit/>
-          </a:bodyPr>
-          <a:p>
-            <a:pPr marL="432000" indent="-324000">
-              <a:spcBef>
-                <a:spcPts val="1712"/>
-              </a:spcBef>
-              <a:buClr>
-                <a:srgbClr val="000000"/>
-              </a:buClr>
-              <a:buSzPct val="45000"/>
-              <a:buFont typeface="Wingdings" charset="2"/>
-              <a:buChar char=""/>
+          <a:lstStyle/>
+          <a:p>
+            <a:pPr algn="ctr">
+              <a:lnSpc>
+                <a:spcPct val="90000"/>
+              </a:lnSpc>
             </a:pPr>
             <a:r>
-              <a:rPr b="0" lang="de-DE" sz="3870" spc="-1" strike="noStrike">
-                <a:latin typeface="Arial"/>
-              </a:rPr>
-              <a:t>Format des Gliederungstextes durch Klicken bearbeiten</a:t>
+              <a:rPr lang="de-DE" sz="6000" b="0" strike="noStrike" spc="-1">
+                <a:solidFill>
+                  <a:srgbClr val="000000"/>
+                </a:solidFill>
+                <a:latin typeface="Calibri Light"/>
+              </a:rPr>
+              <a:t>Patterns &amp; Frameworks</a:t>
             </a:r>
-            <a:endParaRPr b="0" lang="de-DE" sz="3870" spc="-1" strike="noStrike">
+            <a:endParaRPr lang="zxx" sz="6000" b="0" strike="noStrike" spc="-1" dirty="0">
               <a:latin typeface="Arial"/>
             </a:endParaRPr>
           </a:p>
-          <a:p>
-            <a:pPr lvl="1" marL="864000" indent="-324000">
+        </p:txBody>
+      </p:sp>
+      <p:sp>
+        <p:nvSpPr>
+          <p:cNvPr id="124" name="Untertitel 2"/>
+          <p:cNvSpPr txBox="1"/>
+          <p:nvPr/>
+        </p:nvSpPr>
+        <p:spPr>
+          <a:xfrm>
+            <a:off x="1523880" y="2945160"/>
+            <a:ext cx="9143640" cy="3100320"/>
+          </a:xfrm>
+          <a:prstGeom prst="rect">
+            <a:avLst/>
+          </a:prstGeom>
+          <a:noFill/>
+          <a:ln w="0">
+            <a:noFill/>
+          </a:ln>
+        </p:spPr>
+        <p:txBody>
+          <a:bodyPr>
+            <a:normAutofit/>
+          </a:bodyPr>
+          <a:lstStyle/>
+          <a:p>
+            <a:pPr algn="ctr">
+              <a:lnSpc>
+                <a:spcPct val="90000"/>
+              </a:lnSpc>
               <a:spcBef>
-                <a:spcPts val="1369"/>
+                <a:spcPts val="1001"/>
               </a:spcBef>
-              <a:buClr>
-                <a:srgbClr val="000000"/>
-              </a:buClr>
-              <a:buSzPct val="75000"/>
-              <a:buFont typeface="Symbol" charset="2"/>
-              <a:buChar char=""/>
+              <a:tabLst>
+                <a:tab pos="0" algn="l"/>
+              </a:tabLst>
             </a:pPr>
             <a:r>
-              <a:rPr b="0" lang="de-DE" sz="3380" spc="-1" strike="noStrike">
-                <a:latin typeface="Arial"/>
-              </a:rPr>
-              <a:t>Zweite Gliederungsebene</a:t>
+              <a:rPr lang="de-DE" sz="2400" b="0" strike="noStrike" spc="-1">
+                <a:solidFill>
+                  <a:srgbClr val="000000"/>
+                </a:solidFill>
+                <a:latin typeface="Calibri"/>
+              </a:rPr>
+              <a:t>SnakeCore, SnakeFX, SnakeServer, SnakeTest</a:t>
             </a:r>
-            <a:endParaRPr b="0" lang="de-DE" sz="3380" spc="-1" strike="noStrike">
+            <a:endParaRPr lang="zxx" sz="2400" b="0" strike="noStrike" spc="-1">
               <a:latin typeface="Arial"/>
             </a:endParaRPr>
           </a:p>
           <a:p>
-            <a:pPr lvl="2" marL="1296000" indent="-288000">
+            <a:pPr algn="ctr">
+              <a:lnSpc>
+                <a:spcPct val="90000"/>
+              </a:lnSpc>
               <a:spcBef>
-                <a:spcPts val="1026"/>
+                <a:spcPts val="1001"/>
               </a:spcBef>
-              <a:buClr>
-                <a:srgbClr val="000000"/>
-              </a:buClr>
-              <a:buSzPct val="45000"/>
-              <a:buFont typeface="Wingdings" charset="2"/>
-              <a:buChar char=""/>
+              <a:tabLst>
+                <a:tab pos="0" algn="l"/>
+              </a:tabLst>
+            </a:pPr>
+            <a:endParaRPr lang="zxx" sz="2400" b="0" strike="noStrike" spc="-1">
+              <a:latin typeface="Arial"/>
+            </a:endParaRPr>
+          </a:p>
+          <a:p>
+            <a:pPr algn="ctr">
+              <a:lnSpc>
+                <a:spcPct val="90000"/>
+              </a:lnSpc>
+              <a:spcBef>
+                <a:spcPts val="1001"/>
+              </a:spcBef>
+              <a:tabLst>
+                <a:tab pos="0" algn="l"/>
+              </a:tabLst>
             </a:pPr>
             <a:r>
-              <a:rPr b="0" lang="de-DE" sz="2900" spc="-1" strike="noStrike">
-                <a:latin typeface="Arial"/>
-              </a:rPr>
-              <a:t>Dritte Gliederungsebene</a:t>
+              <a:rPr lang="de-DE" sz="1600" b="0" strike="noStrike" spc="-1">
+                <a:solidFill>
+                  <a:srgbClr val="000000"/>
+                </a:solidFill>
+                <a:latin typeface="Calibri Light"/>
+                <a:ea typeface="Calibri"/>
+              </a:rPr>
+              <a:t>Ostfalia Fachhochschule für angewandte Wissenschaften</a:t>
             </a:r>
-            <a:endParaRPr b="0" lang="de-DE" sz="2900" spc="-1" strike="noStrike">
+            <a:endParaRPr lang="zxx" sz="1600" b="0" strike="noStrike" spc="-1">
               <a:latin typeface="Arial"/>
             </a:endParaRPr>
           </a:p>
           <a:p>
-            <a:pPr lvl="3" marL="1728000" indent="-216000">
+            <a:pPr algn="ctr">
+              <a:lnSpc>
+                <a:spcPct val="90000"/>
+              </a:lnSpc>
               <a:spcBef>
-                <a:spcPts val="683"/>
+                <a:spcPts val="1001"/>
               </a:spcBef>
-              <a:buClr>
-                <a:srgbClr val="000000"/>
-              </a:buClr>
-              <a:buSzPct val="75000"/>
-              <a:buFont typeface="Symbol" charset="2"/>
-              <a:buChar char=""/>
+              <a:tabLst>
+                <a:tab pos="0" algn="l"/>
+              </a:tabLst>
             </a:pPr>
             <a:r>
-              <a:rPr b="0" lang="de-DE" sz="2420" spc="-1" strike="noStrike">
-                <a:latin typeface="Arial"/>
-              </a:rPr>
-              <a:t>Vierte Gliederungsebene</a:t>
+              <a:rPr lang="de-DE" sz="1400" b="0" strike="noStrike" spc="-1">
+                <a:solidFill>
+                  <a:srgbClr val="000000"/>
+                </a:solidFill>
+                <a:latin typeface="Calibri Light"/>
+                <a:ea typeface="Calibri"/>
+              </a:rPr>
+              <a:t>Benjamin Wulfert (b.wulfert@ostfalia.de) | Mat.-Nr.: 70454350</a:t>
             </a:r>
-            <a:endParaRPr b="0" lang="de-DE" sz="2420" spc="-1" strike="noStrike">
+            <a:endParaRPr lang="zxx" sz="1400" b="0" strike="noStrike" spc="-1">
               <a:latin typeface="Arial"/>
             </a:endParaRPr>
           </a:p>
           <a:p>
-            <a:pPr lvl="4" marL="2160000" indent="-216000">
+            <a:pPr algn="ctr">
+              <a:lnSpc>
+                <a:spcPct val="90000"/>
+              </a:lnSpc>
               <a:spcBef>
-                <a:spcPts val="340"/>
+                <a:spcPts val="1001"/>
               </a:spcBef>
-              <a:buClr>
-                <a:srgbClr val="000000"/>
-              </a:buClr>
-              <a:buSzPct val="45000"/>
-              <a:buFont typeface="Wingdings" charset="2"/>
-              <a:buChar char=""/>
+              <a:tabLst>
+                <a:tab pos="0" algn="l"/>
+              </a:tabLst>
             </a:pPr>
             <a:r>
-              <a:rPr b="0" lang="de-DE" sz="2420" spc="-1" strike="noStrike">
-                <a:latin typeface="Arial"/>
-              </a:rPr>
-              <a:t>Fünfte Gliederungsebene</a:t>
+              <a:rPr lang="de-DE" sz="1400" b="0" strike="noStrike" spc="-1">
+                <a:solidFill>
+                  <a:srgbClr val="000000"/>
+                </a:solidFill>
+                <a:latin typeface="Calibri Light"/>
+                <a:ea typeface="Calibri"/>
+              </a:rPr>
+              <a:t>Leonard Reidel (@ostfalia.de) | Mat.-Nr.: 70468602</a:t>
             </a:r>
-            <a:endParaRPr b="0" lang="de-DE" sz="2420" spc="-1" strike="noStrike">
+            <a:endParaRPr lang="zxx" sz="1400" b="0" strike="noStrike" spc="-1">
               <a:latin typeface="Arial"/>
             </a:endParaRPr>
           </a:p>
           <a:p>
-            <a:pPr lvl="5" marL="2592000" indent="-216000">
+            <a:pPr algn="ctr">
+              <a:lnSpc>
+                <a:spcPct val="90000"/>
+              </a:lnSpc>
               <a:spcBef>
-                <a:spcPts val="340"/>
+                <a:spcPts val="1001"/>
               </a:spcBef>
-              <a:buClr>
-                <a:srgbClr val="000000"/>
-              </a:buClr>
-              <a:buSzPct val="45000"/>
-              <a:buFont typeface="Wingdings" charset="2"/>
-              <a:buChar char=""/>
+              <a:tabLst>
+                <a:tab pos="0" algn="l"/>
+              </a:tabLst>
+            </a:pPr>
+            <a:endParaRPr lang="zxx" sz="1400" b="0" strike="noStrike" spc="-1">
+              <a:latin typeface="Arial"/>
+            </a:endParaRPr>
+          </a:p>
+          <a:p>
+            <a:pPr algn="ctr">
+              <a:lnSpc>
+                <a:spcPct val="90000"/>
+              </a:lnSpc>
+              <a:spcBef>
+                <a:spcPts val="1001"/>
+              </a:spcBef>
+              <a:tabLst>
+                <a:tab pos="0" algn="l"/>
+              </a:tabLst>
             </a:pPr>
             <a:r>
-              <a:rPr b="0" lang="de-DE" sz="2420" spc="-1" strike="noStrike">
-                <a:latin typeface="Arial"/>
-              </a:rPr>
-              <a:t>Sechste Gliederungsebene</a:t>
+              <a:rPr lang="de-DE" sz="1200" b="0" strike="noStrike" spc="-1">
+                <a:solidFill>
+                  <a:srgbClr val="000000"/>
+                </a:solidFill>
+                <a:latin typeface="Calibri Light"/>
+                <a:ea typeface="Calibri"/>
+              </a:rPr>
+              <a:t>Vorgelegt bei: Dipl.-Inform. Bettina Meiners</a:t>
             </a:r>
-            <a:endParaRPr b="0" lang="de-DE" sz="2420" spc="-1" strike="noStrike">
+            <a:endParaRPr lang="zxx" sz="1200" b="0" strike="noStrike" spc="-1">
               <a:latin typeface="Arial"/>
             </a:endParaRPr>
           </a:p>
           <a:p>
-            <a:pPr lvl="6" marL="3024000" indent="-216000">
+            <a:pPr algn="ctr">
+              <a:lnSpc>
+                <a:spcPct val="90000"/>
+              </a:lnSpc>
               <a:spcBef>
-                <a:spcPts val="340"/>
+                <a:spcPts val="1001"/>
               </a:spcBef>
-              <a:buClr>
-                <a:srgbClr val="000000"/>
-              </a:buClr>
-              <a:buSzPct val="45000"/>
-              <a:buFont typeface="Wingdings" charset="2"/>
-              <a:buChar char=""/>
+              <a:tabLst>
+                <a:tab pos="0" algn="l"/>
+              </a:tabLst>
             </a:pPr>
             <a:r>
-              <a:rPr b="0" lang="de-DE" sz="2420" spc="-1" strike="noStrike">
-                <a:latin typeface="Arial"/>
-              </a:rPr>
-              <a:t>Siebte Gliederungsebene</a:t>
+              <a:rPr lang="de-DE" sz="1200" b="0" strike="noStrike" spc="-1">
+                <a:solidFill>
+                  <a:srgbClr val="000000"/>
+                </a:solidFill>
+                <a:latin typeface="Calibri Light"/>
+                <a:ea typeface="Calibri"/>
+              </a:rPr>
+              <a:t>Semester: Wintersemester 2020 </a:t>
             </a:r>
-            <a:endParaRPr b="0" lang="de-DE" sz="2420" spc="-1" strike="noStrike">
+            <a:endParaRPr lang="zxx" sz="1200" b="0" strike="noStrike" spc="-1">
               <a:latin typeface="Arial"/>
             </a:endParaRPr>
           </a:p>
-        </p:txBody>
-      </p:sp>
-      <p:sp>
-        <p:nvSpPr>
-          <p:cNvPr id="84" name="PlaceHolder 3"/>
-          <p:cNvSpPr>
-            <a:spLocks noGrp="1"/>
-          </p:cNvSpPr>
-          <p:nvPr>
-            <p:ph type="dt"/>
-          </p:nvPr>
-        </p:nvSpPr>
-        <p:spPr>
-          <a:xfrm>
-            <a:off x="609480" y="6247440"/>
-            <a:ext cx="2840400" cy="472320"/>
-          </a:xfrm>
-          <a:prstGeom prst="rect">
-            <a:avLst/>
-          </a:prstGeom>
-        </p:spPr>
-        <p:txBody>
-          <a:bodyPr lIns="0" rIns="0" tIns="0" bIns="0">
-            <a:noAutofit/>
-          </a:bodyPr>
-          <a:p>
+          <a:p>
+            <a:pPr algn="ctr">
+              <a:lnSpc>
+                <a:spcPct val="90000"/>
+              </a:lnSpc>
+              <a:spcBef>
+                <a:spcPts val="1001"/>
+              </a:spcBef>
+              <a:tabLst>
+                <a:tab pos="0" algn="l"/>
+              </a:tabLst>
+            </a:pPr>
+            <a:endParaRPr lang="zxx" sz="1200" b="0" strike="noStrike" spc="-1">
+              <a:latin typeface="Arial"/>
+            </a:endParaRPr>
+          </a:p>
+          <a:p>
+            <a:pPr algn="ctr">
+              <a:lnSpc>
+                <a:spcPct val="90000"/>
+              </a:lnSpc>
+              <a:spcBef>
+                <a:spcPts val="1001"/>
+              </a:spcBef>
+              <a:tabLst>
+                <a:tab pos="0" algn="l"/>
+              </a:tabLst>
+            </a:pPr>
             <a:r>
-              <a:rPr b="0" lang="de-DE" sz="1400" spc="-1" strike="noStrike">
-                <a:latin typeface="Times New Roman"/>
-              </a:rPr>
-              <a:t>&lt;Datum/Uhrzeit&gt;</a:t>
+              <a:rPr lang="de-DE" sz="1200" b="0" strike="noStrike" spc="-1">
+                <a:solidFill>
+                  <a:srgbClr val="000000"/>
+                </a:solidFill>
+                <a:latin typeface="Calibri Light"/>
+                <a:ea typeface="Calibri"/>
+              </a:rPr>
+              <a:t>19.02.2020</a:t>
             </a:r>
-            <a:endParaRPr b="0" lang="de-DE" sz="1400" spc="-1" strike="noStrike">
-              <a:latin typeface="Times New Roman"/>
-            </a:endParaRPr>
-          </a:p>
-        </p:txBody>
-      </p:sp>
-      <p:sp>
-        <p:nvSpPr>
-          <p:cNvPr id="85" name="PlaceHolder 4"/>
-          <p:cNvSpPr>
-            <a:spLocks noGrp="1"/>
-          </p:cNvSpPr>
-          <p:nvPr>
-            <p:ph type="ftr"/>
-          </p:nvPr>
-        </p:nvSpPr>
-        <p:spPr>
-          <a:xfrm>
-            <a:off x="4169520" y="6247440"/>
-            <a:ext cx="3864600" cy="472320"/>
-          </a:xfrm>
-          <a:prstGeom prst="rect">
-            <a:avLst/>
-          </a:prstGeom>
-        </p:spPr>
-        <p:txBody>
-          <a:bodyPr lIns="0" rIns="0" tIns="0" bIns="0">
-            <a:noAutofit/>
-          </a:bodyPr>
-          <a:p>
-            <a:pPr algn="ctr"/>
-            <a:r>
-              <a:rPr b="0" lang="de-DE" sz="1400" spc="-1" strike="noStrike">
-                <a:latin typeface="Times New Roman"/>
-              </a:rPr>
-              <a:t>&lt;Fußzeile&gt;</a:t>
-            </a:r>
-            <a:endParaRPr b="0" lang="de-DE" sz="1400" spc="-1" strike="noStrike">
-              <a:latin typeface="Times New Roman"/>
-            </a:endParaRPr>
-          </a:p>
-        </p:txBody>
-      </p:sp>
-      <p:sp>
-        <p:nvSpPr>
-          <p:cNvPr id="86" name="PlaceHolder 5"/>
-          <p:cNvSpPr>
-            <a:spLocks noGrp="1"/>
-          </p:cNvSpPr>
-          <p:nvPr>
-            <p:ph type="sldNum"/>
-          </p:nvPr>
-        </p:nvSpPr>
-        <p:spPr>
-          <a:xfrm>
-            <a:off x="8741520" y="6247440"/>
-            <a:ext cx="2840400" cy="472320"/>
-          </a:xfrm>
-          <a:prstGeom prst="rect">
-            <a:avLst/>
-          </a:prstGeom>
-        </p:spPr>
-        <p:txBody>
-          <a:bodyPr lIns="0" rIns="0" tIns="0" bIns="0">
-            <a:noAutofit/>
-          </a:bodyPr>
-          <a:p>
-            <a:pPr algn="r"/>
-            <a:fld id="{7A7436C7-19D6-489A-AD04-63EB8688EE13}" type="slidenum">
-              <a:rPr b="0" lang="de-DE" sz="1400" spc="-1" strike="noStrike">
-                <a:latin typeface="Times New Roman"/>
-              </a:rPr>
-              <a:t>&lt;Foliennummer&gt;</a:t>
-            </a:fld>
-            <a:endParaRPr b="0" lang="de-DE" sz="1400" spc="-1" strike="noStrike">
-              <a:latin typeface="Times New Roman"/>
+            <a:endParaRPr lang="zxx" sz="1200" b="0" strike="noStrike" spc="-1">
+              <a:latin typeface="Arial"/>
             </a:endParaRPr>
           </a:p>
         </p:txBody>
       </p:sp>
     </p:spTree>
   </p:cSld>
-  <p:clrMap bg1="lt1" bg2="lt2" tx1="dk1" tx2="dk2" accent1="accent1" accent2="accent2" accent3="accent3" accent4="accent4" accent5="accent5" accent6="accent6" hlink="hlink" folHlink="folHlink"/>
-  <p:sldLayoutIdLst>
-    <p:sldLayoutId id="2147483675" r:id="rId2"/>
-    <p:sldLayoutId id="2147483676" r:id="rId3"/>
-    <p:sldLayoutId id="2147483677" r:id="rId4"/>
-    <p:sldLayoutId id="2147483678" r:id="rId5"/>
-    <p:sldLayoutId id="2147483679" r:id="rId6"/>
-    <p:sldLayoutId id="2147483680" r:id="rId7"/>
-    <p:sldLayoutId id="2147483681" r:id="rId8"/>
-    <p:sldLayoutId id="2147483682" r:id="rId9"/>
-    <p:sldLayoutId id="2147483683" r:id="rId10"/>
-    <p:sldLayoutId id="2147483684" r:id="rId11"/>
-    <p:sldLayoutId id="2147483685" r:id="rId12"/>
-    <p:sldLayoutId id="2147483686" r:id="rId13"/>
-  </p:sldLayoutIdLst>
-</p:sldMaster>
+  <p:clrMapOvr>
+    <a:masterClrMapping/>
+  </p:clrMapOvr>
+</p:sld>
 </file>
 
-<file path=ppt/slides/slide1.xml><?xml version="1.0" encoding="utf-8"?>
-<p:sld xmlns:a="http://schemas.openxmlformats.org/drawingml/2006/main" xmlns:p="http://schemas.openxmlformats.org/presentationml/2006/main" xmlns:r="http://schemas.openxmlformats.org/officeDocument/2006/relationships" xmlns:p14="http://schemas.microsoft.com/office/powerpoint/2010/main" xmlns:p15="http://schemas.microsoft.com/office/powerpoint/2012/main" xmlns:mc="http://schemas.openxmlformats.org/markup-compatibility/2006">
+<file path=ppt/slides/slide10.xml><?xml version="1.0" encoding="utf-8"?>
+<p:sld xmlns:a="http://schemas.openxmlformats.org/drawingml/2006/main" xmlns:r="http://schemas.openxmlformats.org/officeDocument/2006/relationships" xmlns:p="http://schemas.openxmlformats.org/presentationml/2006/main">
   <p:cSld>
     <p:spTree>
       <p:nvGrpSpPr>
@@ -5563,14 +6959,14 @@
       </p:grpSpPr>
       <p:sp>
         <p:nvSpPr>
-          <p:cNvPr id="123" name="Titel 1"/>
+          <p:cNvPr id="164" name="Titel 1"/>
           <p:cNvSpPr txBox="1"/>
           <p:nvPr/>
         </p:nvSpPr>
         <p:spPr>
           <a:xfrm>
-            <a:off x="1523880" y="465480"/>
-            <a:ext cx="9143640" cy="2387160"/>
+            <a:off x="838080" y="365040"/>
+            <a:ext cx="10515240" cy="1325160"/>
           </a:xfrm>
           <a:prstGeom prst="rect">
             <a:avLst/>
@@ -5581,40 +6977,44 @@
           </a:ln>
         </p:spPr>
         <p:txBody>
-          <a:bodyPr anchor="b">
+          <a:bodyPr anchor="ctr">
             <a:noAutofit/>
           </a:bodyPr>
-          <a:p>
-            <a:pPr algn="ctr">
+          <a:lstStyle/>
+          <a:p>
+            <a:pPr>
               <a:lnSpc>
                 <a:spcPct val="90000"/>
               </a:lnSpc>
             </a:pPr>
             <a:r>
-              <a:rPr b="0" lang="de-DE" sz="6000" spc="-1" strike="noStrike">
+              <a:rPr lang="de-DE" sz="4400" b="0" strike="noStrike" spc="-1">
                 <a:solidFill>
                   <a:srgbClr val="000000"/>
                 </a:solidFill>
                 <a:latin typeface="Calibri Light"/>
               </a:rPr>
-              <a:t>Patterns &amp; Frameworks</a:t>
+              <a:t>Snake Implementierung</a:t>
             </a:r>
-            <a:endParaRPr b="0" lang="zxx" sz="6000" spc="-1" strike="noStrike">
-              <a:latin typeface="Arial"/>
-            </a:endParaRPr>
-          </a:p>
-        </p:txBody>
-      </p:sp>
-      <p:sp>
-        <p:nvSpPr>
-          <p:cNvPr id="124" name="Untertitel 2"/>
+            <a:endParaRPr lang="zxx" sz="4400" b="0" strike="noStrike" spc="-1">
+              <a:solidFill>
+                <a:srgbClr val="000000"/>
+              </a:solidFill>
+              <a:latin typeface="Calibri"/>
+            </a:endParaRPr>
+          </a:p>
+        </p:txBody>
+      </p:sp>
+      <p:sp>
+        <p:nvSpPr>
+          <p:cNvPr id="165" name="Inhaltsplatzhalter 3"/>
           <p:cNvSpPr txBox="1"/>
           <p:nvPr/>
         </p:nvSpPr>
         <p:spPr>
           <a:xfrm>
-            <a:off x="1523880" y="2945160"/>
-            <a:ext cx="9143640" cy="3100320"/>
+            <a:off x="838080" y="1825560"/>
+            <a:ext cx="10515240" cy="4350960"/>
           </a:xfrm>
           <a:prstGeom prst="rect">
             <a:avLst/>
@@ -5626,254 +7026,156 @@
         </p:spPr>
         <p:txBody>
           <a:bodyPr>
-            <a:normAutofit/>
-          </a:bodyPr>
-          <a:p>
-            <a:pPr algn="ctr">
+            <a:noAutofit/>
+          </a:bodyPr>
+          <a:lstStyle/>
+          <a:p>
+            <a:pPr marL="228600" indent="-228240">
               <a:lnSpc>
                 <a:spcPct val="90000"/>
               </a:lnSpc>
               <a:spcBef>
                 <a:spcPts val="1001"/>
               </a:spcBef>
-              <a:tabLst>
-                <a:tab algn="l" pos="0"/>
-              </a:tabLst>
+              <a:buClr>
+                <a:srgbClr val="000000"/>
+              </a:buClr>
+              <a:buFont typeface="Arial"/>
+              <a:buChar char="•"/>
             </a:pPr>
             <a:r>
-              <a:rPr b="0" lang="de-DE" sz="2400" spc="-1" strike="noStrike">
+              <a:rPr lang="de-DE" sz="2800" b="0" strike="noStrike" spc="-1">
                 <a:solidFill>
                   <a:srgbClr val="000000"/>
                 </a:solidFill>
                 <a:latin typeface="Calibri"/>
               </a:rPr>
-              <a:t>SnakeCore, SnakeFX, SnakeServer, SnakeTest</a:t>
+              <a:t>Update Loop</a:t>
             </a:r>
-            <a:endParaRPr b="0" lang="zxx" sz="2400" spc="-1" strike="noStrike">
-              <a:latin typeface="Arial"/>
-            </a:endParaRPr>
-          </a:p>
-          <a:p>
-            <a:pPr algn="ctr">
+            <a:endParaRPr lang="zxx" sz="2800" b="0" strike="noStrike" spc="-1">
+              <a:solidFill>
+                <a:srgbClr val="000000"/>
+              </a:solidFill>
+              <a:latin typeface="Calibri"/>
+            </a:endParaRPr>
+          </a:p>
+          <a:p>
+            <a:pPr marL="228600" indent="-228240">
               <a:lnSpc>
                 <a:spcPct val="90000"/>
               </a:lnSpc>
               <a:spcBef>
                 <a:spcPts val="1001"/>
               </a:spcBef>
-              <a:tabLst>
-                <a:tab algn="l" pos="0"/>
-              </a:tabLst>
+              <a:buClr>
+                <a:srgbClr val="000000"/>
+              </a:buClr>
+              <a:buFont typeface="Arial"/>
+              <a:buChar char="•"/>
             </a:pPr>
-            <a:endParaRPr b="0" lang="zxx" sz="2400" spc="-1" strike="noStrike">
-              <a:latin typeface="Arial"/>
-            </a:endParaRPr>
-          </a:p>
-          <a:p>
-            <a:pPr algn="ctr">
+            <a:r>
+              <a:rPr lang="de-DE" sz="2800" b="0" strike="noStrike" spc="-1">
+                <a:solidFill>
+                  <a:srgbClr val="000000"/>
+                </a:solidFill>
+                <a:latin typeface="Calibri"/>
+              </a:rPr>
+              <a:t>Rendering</a:t>
+            </a:r>
+            <a:endParaRPr lang="zxx" sz="2800" b="0" strike="noStrike" spc="-1">
+              <a:solidFill>
+                <a:srgbClr val="000000"/>
+              </a:solidFill>
+              <a:latin typeface="Calibri"/>
+            </a:endParaRPr>
+          </a:p>
+          <a:p>
+            <a:pPr marL="228600" indent="-228240">
               <a:lnSpc>
                 <a:spcPct val="90000"/>
               </a:lnSpc>
               <a:spcBef>
                 <a:spcPts val="1001"/>
               </a:spcBef>
-              <a:tabLst>
-                <a:tab algn="l" pos="0"/>
-              </a:tabLst>
+              <a:buClr>
+                <a:srgbClr val="000000"/>
+              </a:buClr>
+              <a:buFont typeface="Arial"/>
+              <a:buChar char="•"/>
             </a:pPr>
             <a:r>
-              <a:rPr b="0" lang="de-DE" sz="1600" spc="-1" strike="noStrike">
+              <a:rPr lang="de-DE" sz="2800" b="0" strike="noStrike" spc="-1">
                 <a:solidFill>
                   <a:srgbClr val="000000"/>
                 </a:solidFill>
-                <a:latin typeface="Calibri Light"/>
-                <a:ea typeface="Calibri"/>
-              </a:rPr>
-              <a:t>Ostfalia Fachhochschule für angewandte Wissenschaften</a:t>
+                <a:latin typeface="Calibri"/>
+              </a:rPr>
+              <a:t>Synchronisierung der Spielereingaben</a:t>
             </a:r>
-            <a:endParaRPr b="0" lang="zxx" sz="1600" spc="-1" strike="noStrike">
-              <a:latin typeface="Arial"/>
-            </a:endParaRPr>
-          </a:p>
-          <a:p>
-            <a:pPr algn="ctr">
+            <a:endParaRPr lang="zxx" sz="2800" b="0" strike="noStrike" spc="-1">
+              <a:solidFill>
+                <a:srgbClr val="000000"/>
+              </a:solidFill>
+              <a:latin typeface="Calibri"/>
+            </a:endParaRPr>
+          </a:p>
+        </p:txBody>
+      </p:sp>
+      <p:sp>
+        <p:nvSpPr>
+          <p:cNvPr id="166" name="Foliennummernplatzhalter 2"/>
+          <p:cNvSpPr txBox="1"/>
+          <p:nvPr/>
+        </p:nvSpPr>
+        <p:spPr>
+          <a:xfrm>
+            <a:off x="8610480" y="6356520"/>
+            <a:ext cx="2742840" cy="364680"/>
+          </a:xfrm>
+          <a:prstGeom prst="rect">
+            <a:avLst/>
+          </a:prstGeom>
+          <a:noFill/>
+          <a:ln w="0">
+            <a:noFill/>
+          </a:ln>
+        </p:spPr>
+        <p:txBody>
+          <a:bodyPr anchor="ctr">
+            <a:noAutofit/>
+          </a:bodyPr>
+          <a:lstStyle/>
+          <a:p>
+            <a:pPr algn="r">
               <a:lnSpc>
-                <a:spcPct val="90000"/>
+                <a:spcPct val="100000"/>
               </a:lnSpc>
-              <a:spcBef>
-                <a:spcPts val="1001"/>
-              </a:spcBef>
-              <a:tabLst>
-                <a:tab algn="l" pos="0"/>
-              </a:tabLst>
             </a:pPr>
-            <a:r>
-              <a:rPr b="0" lang="de-DE" sz="1400" spc="-1" strike="noStrike">
+            <a:fld id="{2C0339CE-9434-4DF1-9691-1E3838F3E260}" type="slidenum">
+              <a:rPr lang="de-DE" sz="1200" b="0" strike="noStrike" spc="-1">
                 <a:solidFill>
-                  <a:srgbClr val="000000"/>
+                  <a:srgbClr val="8B8B8B"/>
                 </a:solidFill>
-                <a:latin typeface="Calibri Light"/>
-                <a:ea typeface="Calibri"/>
-              </a:rPr>
-              <a:t>Benjamin Wulfert (b.wulfert@ostfalia.de) | Mat.-Nr.: 70454350</a:t>
-            </a:r>
-            <a:endParaRPr b="0" lang="zxx" sz="1400" spc="-1" strike="noStrike">
-              <a:latin typeface="Arial"/>
-            </a:endParaRPr>
-          </a:p>
-          <a:p>
-            <a:pPr algn="ctr">
-              <a:lnSpc>
-                <a:spcPct val="90000"/>
-              </a:lnSpc>
-              <a:spcBef>
-                <a:spcPts val="1001"/>
-              </a:spcBef>
-              <a:tabLst>
-                <a:tab algn="l" pos="0"/>
-              </a:tabLst>
-            </a:pPr>
-            <a:r>
-              <a:rPr b="0" lang="de-DE" sz="1400" spc="-1" strike="noStrike">
-                <a:solidFill>
-                  <a:srgbClr val="000000"/>
-                </a:solidFill>
-                <a:latin typeface="Calibri Light"/>
-                <a:ea typeface="Calibri"/>
-              </a:rPr>
-              <a:t>Leonard Reidel (@ostfalia.de) | Mat.-Nr.: 70468602</a:t>
-            </a:r>
-            <a:endParaRPr b="0" lang="zxx" sz="1400" spc="-1" strike="noStrike">
-              <a:latin typeface="Arial"/>
-            </a:endParaRPr>
-          </a:p>
-          <a:p>
-            <a:pPr algn="ctr">
-              <a:lnSpc>
-                <a:spcPct val="90000"/>
-              </a:lnSpc>
-              <a:spcBef>
-                <a:spcPts val="1001"/>
-              </a:spcBef>
-              <a:tabLst>
-                <a:tab algn="l" pos="0"/>
-              </a:tabLst>
-            </a:pPr>
-            <a:endParaRPr b="0" lang="zxx" sz="1400" spc="-1" strike="noStrike">
-              <a:latin typeface="Arial"/>
-            </a:endParaRPr>
-          </a:p>
-          <a:p>
-            <a:pPr algn="ctr">
-              <a:lnSpc>
-                <a:spcPct val="90000"/>
-              </a:lnSpc>
-              <a:spcBef>
-                <a:spcPts val="1001"/>
-              </a:spcBef>
-              <a:tabLst>
-                <a:tab algn="l" pos="0"/>
-              </a:tabLst>
-            </a:pPr>
-            <a:r>
-              <a:rPr b="0" lang="de-DE" sz="1200" spc="-1" strike="noStrike">
-                <a:solidFill>
-                  <a:srgbClr val="000000"/>
-                </a:solidFill>
-                <a:latin typeface="Calibri Light"/>
-                <a:ea typeface="Calibri"/>
-              </a:rPr>
-              <a:t>Vorgelegt bei: Dipl.-Inform. Bettina Meiners</a:t>
-            </a:r>
-            <a:endParaRPr b="0" lang="zxx" sz="1200" spc="-1" strike="noStrike">
-              <a:latin typeface="Arial"/>
-            </a:endParaRPr>
-          </a:p>
-          <a:p>
-            <a:pPr algn="ctr">
-              <a:lnSpc>
-                <a:spcPct val="90000"/>
-              </a:lnSpc>
-              <a:spcBef>
-                <a:spcPts val="1001"/>
-              </a:spcBef>
-              <a:tabLst>
-                <a:tab algn="l" pos="0"/>
-              </a:tabLst>
-            </a:pPr>
-            <a:r>
-              <a:rPr b="0" lang="de-DE" sz="1200" spc="-1" strike="noStrike">
-                <a:solidFill>
-                  <a:srgbClr val="000000"/>
-                </a:solidFill>
-                <a:latin typeface="Calibri Light"/>
-                <a:ea typeface="Calibri"/>
-              </a:rPr>
-              <a:t>Semester: Wintersemester 2020 </a:t>
-            </a:r>
-            <a:endParaRPr b="0" lang="zxx" sz="1200" spc="-1" strike="noStrike">
-              <a:latin typeface="Arial"/>
-            </a:endParaRPr>
-          </a:p>
-          <a:p>
-            <a:pPr algn="ctr">
-              <a:lnSpc>
-                <a:spcPct val="90000"/>
-              </a:lnSpc>
-              <a:spcBef>
-                <a:spcPts val="1001"/>
-              </a:spcBef>
-              <a:tabLst>
-                <a:tab algn="l" pos="0"/>
-              </a:tabLst>
-            </a:pPr>
-            <a:endParaRPr b="0" lang="zxx" sz="1200" spc="-1" strike="noStrike">
-              <a:latin typeface="Arial"/>
-            </a:endParaRPr>
-          </a:p>
-          <a:p>
-            <a:pPr algn="ctr">
-              <a:lnSpc>
-                <a:spcPct val="90000"/>
-              </a:lnSpc>
-              <a:spcBef>
-                <a:spcPts val="1001"/>
-              </a:spcBef>
-              <a:tabLst>
-                <a:tab algn="l" pos="0"/>
-              </a:tabLst>
-            </a:pPr>
-            <a:r>
-              <a:rPr b="0" lang="de-DE" sz="1200" spc="-1" strike="noStrike">
-                <a:solidFill>
-                  <a:srgbClr val="000000"/>
-                </a:solidFill>
-                <a:latin typeface="Calibri Light"/>
-                <a:ea typeface="Calibri"/>
-              </a:rPr>
-              <a:t>19.02.2020</a:t>
-            </a:r>
-            <a:endParaRPr b="0" lang="zxx" sz="1200" spc="-1" strike="noStrike">
-              <a:latin typeface="Arial"/>
+                <a:latin typeface="Calibri"/>
+              </a:rPr>
+              <a:t>10</a:t>
+            </a:fld>
+            <a:endParaRPr lang="zxx" sz="1200" b="0" strike="noStrike" spc="-1">
+              <a:latin typeface="Times New Roman"/>
             </a:endParaRPr>
           </a:p>
         </p:txBody>
       </p:sp>
     </p:spTree>
   </p:cSld>
-  <mc:AlternateContent>
-    <mc:Choice Requires="p14">
-      <p:transition spd="slow" p14:dur="2000"/>
-    </mc:Choice>
-    <mc:Fallback>
-      <p:transition spd="slow"/>
-    </mc:Fallback>
-  </mc:AlternateContent>
+  <p:clrMapOvr>
+    <a:masterClrMapping/>
+  </p:clrMapOvr>
 </p:sld>
 </file>
 
-<file path=ppt/slides/slide10.xml><?xml version="1.0" encoding="utf-8"?>
-<p:sld xmlns:a="http://schemas.openxmlformats.org/drawingml/2006/main" xmlns:p="http://schemas.openxmlformats.org/presentationml/2006/main" xmlns:r="http://schemas.openxmlformats.org/officeDocument/2006/relationships" xmlns:p14="http://schemas.microsoft.com/office/powerpoint/2010/main" xmlns:p15="http://schemas.microsoft.com/office/powerpoint/2012/main" xmlns:mc="http://schemas.openxmlformats.org/markup-compatibility/2006">
+<file path=ppt/slides/slide2.xml><?xml version="1.0" encoding="utf-8"?>
+<p:sld xmlns:a="http://schemas.openxmlformats.org/drawingml/2006/main" xmlns:r="http://schemas.openxmlformats.org/officeDocument/2006/relationships" xmlns:p="http://schemas.openxmlformats.org/presentationml/2006/main">
   <p:cSld>
     <p:spTree>
       <p:nvGrpSpPr>
@@ -5891,7 +7193,7 @@
       </p:grpSpPr>
       <p:sp>
         <p:nvSpPr>
-          <p:cNvPr id="164" name="Titel 1"/>
+          <p:cNvPr id="125" name="Titel 1"/>
           <p:cNvSpPr txBox="1"/>
           <p:nvPr/>
         </p:nvSpPr>
@@ -5912,6 +7214,7 @@
           <a:bodyPr anchor="ctr">
             <a:noAutofit/>
           </a:bodyPr>
+          <a:lstStyle/>
           <a:p>
             <a:pPr>
               <a:lnSpc>
@@ -5919,26 +7222,26 @@
               </a:lnSpc>
             </a:pPr>
             <a:r>
-              <a:rPr b="0" lang="de-DE" sz="4400" spc="-1" strike="noStrike">
+              <a:rPr lang="de-DE" sz="4400" b="0" strike="noStrike" spc="-1">
                 <a:solidFill>
                   <a:srgbClr val="000000"/>
                 </a:solidFill>
                 <a:latin typeface="Calibri Light"/>
               </a:rPr>
-              <a:t>Snake Implementierung</a:t>
+              <a:t>Agenda</a:t>
             </a:r>
-            <a:endParaRPr b="0" lang="zxx" sz="4400" spc="-1" strike="noStrike">
-              <a:solidFill>
-                <a:srgbClr val="000000"/>
-              </a:solidFill>
-              <a:latin typeface="Calibri"/>
-            </a:endParaRPr>
-          </a:p>
-        </p:txBody>
-      </p:sp>
-      <p:sp>
-        <p:nvSpPr>
-          <p:cNvPr id="165" name="Inhaltsplatzhalter 3"/>
+            <a:endParaRPr lang="zxx" sz="4400" b="0" strike="noStrike" spc="-1">
+              <a:solidFill>
+                <a:srgbClr val="000000"/>
+              </a:solidFill>
+              <a:latin typeface="Calibri"/>
+            </a:endParaRPr>
+          </a:p>
+        </p:txBody>
+      </p:sp>
+      <p:sp>
+        <p:nvSpPr>
+          <p:cNvPr id="126" name="Inhaltsplatzhalter 3"/>
           <p:cNvSpPr txBox="1"/>
           <p:nvPr/>
         </p:nvSpPr>
@@ -5959,6 +7262,7 @@
           <a:bodyPr>
             <a:noAutofit/>
           </a:bodyPr>
+          <a:lstStyle/>
           <a:p>
             <a:pPr marL="228600" indent="-228240">
               <a:lnSpc>
@@ -5974,15 +7278,15 @@
               <a:buChar char="•"/>
             </a:pPr>
             <a:r>
-              <a:rPr b="0" lang="de-DE" sz="2800" spc="-1" strike="noStrike">
+              <a:rPr lang="de-DE" sz="2600" b="0" strike="noStrike" spc="-1" dirty="0">
                 <a:solidFill>
                   <a:srgbClr val="000000"/>
                 </a:solidFill>
                 <a:latin typeface="Calibri"/>
               </a:rPr>
-              <a:t>Update Loop</a:t>
+              <a:t>Projekt-Architektur</a:t>
             </a:r>
-            <a:endParaRPr b="0" lang="zxx" sz="2800" spc="-1" strike="noStrike">
+            <a:endParaRPr lang="zxx" sz="2600" b="0" strike="noStrike" spc="-1" dirty="0">
               <a:solidFill>
                 <a:srgbClr val="000000"/>
               </a:solidFill>
@@ -6004,15 +7308,15 @@
               <a:buChar char="•"/>
             </a:pPr>
             <a:r>
-              <a:rPr b="0" lang="de-DE" sz="2800" spc="-1" strike="noStrike">
+              <a:rPr lang="de-DE" sz="2600" b="0" strike="noStrike" spc="-1" dirty="0">
                 <a:solidFill>
                   <a:srgbClr val="000000"/>
                 </a:solidFill>
                 <a:latin typeface="Calibri"/>
               </a:rPr>
-              <a:t>Rendering</a:t>
+              <a:t>Core/Common</a:t>
             </a:r>
-            <a:endParaRPr b="0" lang="zxx" sz="2800" spc="-1" strike="noStrike">
+            <a:endParaRPr lang="zxx" sz="2600" b="0" strike="noStrike" spc="-1" dirty="0">
               <a:solidFill>
                 <a:srgbClr val="000000"/>
               </a:solidFill>
@@ -6034,26 +7338,132 @@
               <a:buChar char="•"/>
             </a:pPr>
             <a:r>
-              <a:rPr b="0" lang="de-DE" sz="2800" spc="-1" strike="noStrike">
+              <a:rPr lang="de-DE" sz="2600" b="0" strike="noStrike" spc="-1" dirty="0">
                 <a:solidFill>
                   <a:srgbClr val="000000"/>
                 </a:solidFill>
                 <a:latin typeface="Calibri"/>
               </a:rPr>
-              <a:t>Synchronisierung der Spielereingaben</a:t>
+              <a:t>Backend</a:t>
             </a:r>
-            <a:endParaRPr b="0" lang="zxx" sz="2800" spc="-1" strike="noStrike">
-              <a:solidFill>
-                <a:srgbClr val="000000"/>
-              </a:solidFill>
-              <a:latin typeface="Calibri"/>
-            </a:endParaRPr>
-          </a:p>
-        </p:txBody>
-      </p:sp>
-      <p:sp>
-        <p:nvSpPr>
-          <p:cNvPr id="166" name="Foliennummernplatzhalter 2"/>
+            <a:endParaRPr lang="zxx" sz="2600" b="0" strike="noStrike" spc="-1" dirty="0">
+              <a:solidFill>
+                <a:srgbClr val="000000"/>
+              </a:solidFill>
+              <a:latin typeface="Calibri"/>
+            </a:endParaRPr>
+          </a:p>
+          <a:p>
+            <a:pPr marL="228600" indent="-228240">
+              <a:lnSpc>
+                <a:spcPct val="90000"/>
+              </a:lnSpc>
+              <a:spcBef>
+                <a:spcPts val="1001"/>
+              </a:spcBef>
+              <a:buClr>
+                <a:srgbClr val="000000"/>
+              </a:buClr>
+              <a:buFont typeface="Arial"/>
+              <a:buChar char="•"/>
+            </a:pPr>
+            <a:r>
+              <a:rPr lang="de-DE" sz="2600" b="0" strike="noStrike" spc="-1" dirty="0">
+                <a:solidFill>
+                  <a:srgbClr val="000000"/>
+                </a:solidFill>
+                <a:latin typeface="Calibri"/>
+              </a:rPr>
+              <a:t>Frontend</a:t>
+            </a:r>
+            <a:endParaRPr lang="zxx" sz="2600" b="0" strike="noStrike" spc="-1" dirty="0">
+              <a:solidFill>
+                <a:srgbClr val="000000"/>
+              </a:solidFill>
+              <a:latin typeface="Calibri"/>
+            </a:endParaRPr>
+          </a:p>
+          <a:p>
+            <a:pPr marL="228600" indent="-228240">
+              <a:lnSpc>
+                <a:spcPct val="90000"/>
+              </a:lnSpc>
+              <a:spcBef>
+                <a:spcPts val="1001"/>
+              </a:spcBef>
+              <a:buClr>
+                <a:srgbClr val="000000"/>
+              </a:buClr>
+              <a:buFont typeface="Arial"/>
+              <a:buChar char="•"/>
+            </a:pPr>
+            <a:r>
+              <a:rPr lang="de-DE" sz="2600" b="0" strike="noStrike" spc="-1" dirty="0">
+                <a:solidFill>
+                  <a:srgbClr val="000000"/>
+                </a:solidFill>
+                <a:latin typeface="Calibri"/>
+              </a:rPr>
+              <a:t>Hands-On</a:t>
+            </a:r>
+            <a:endParaRPr lang="zxx" sz="2600" b="0" strike="noStrike" spc="-1" dirty="0">
+              <a:solidFill>
+                <a:srgbClr val="000000"/>
+              </a:solidFill>
+              <a:latin typeface="Calibri"/>
+            </a:endParaRPr>
+          </a:p>
+          <a:p>
+            <a:pPr marL="228600" indent="-228240">
+              <a:lnSpc>
+                <a:spcPct val="90000"/>
+              </a:lnSpc>
+              <a:spcBef>
+                <a:spcPts val="1001"/>
+              </a:spcBef>
+              <a:buClr>
+                <a:srgbClr val="000000"/>
+              </a:buClr>
+              <a:buFont typeface="Arial"/>
+              <a:buChar char="•"/>
+            </a:pPr>
+            <a:r>
+              <a:rPr lang="de-DE" sz="2600" b="0" strike="noStrike" spc="-1" dirty="0">
+                <a:solidFill>
+                  <a:srgbClr val="000000"/>
+                </a:solidFill>
+                <a:latin typeface="Calibri"/>
+              </a:rPr>
+              <a:t>...</a:t>
+            </a:r>
+            <a:endParaRPr lang="zxx" sz="2600" b="0" strike="noStrike" spc="-1" dirty="0">
+              <a:solidFill>
+                <a:srgbClr val="000000"/>
+              </a:solidFill>
+              <a:latin typeface="Calibri"/>
+            </a:endParaRPr>
+          </a:p>
+          <a:p>
+            <a:pPr>
+              <a:lnSpc>
+                <a:spcPct val="90000"/>
+              </a:lnSpc>
+              <a:spcBef>
+                <a:spcPts val="1001"/>
+              </a:spcBef>
+            </a:pPr>
+            <a:endParaRPr lang="zxx" sz="2600" b="0" strike="noStrike" spc="-1" dirty="0">
+              <a:solidFill>
+                <a:srgbClr val="000000"/>
+              </a:solidFill>
+              <a:latin typeface="Calibri"/>
+            </a:endParaRPr>
+          </a:p>
+        </p:txBody>
+      </p:sp>
+      <p:sp>
+        <p:nvSpPr>
+          <p:cNvPr id="127" name="Foliennummernplatzhalter 2"/>
           <p:cNvSpPr txBox="1"/>
           <p:nvPr/>
         </p:nvSpPr>
@@ -6074,22 +7484,23 @@
           <a:bodyPr anchor="ctr">
             <a:noAutofit/>
           </a:bodyPr>
+          <a:lstStyle/>
           <a:p>
             <a:pPr algn="r">
               <a:lnSpc>
                 <a:spcPct val="100000"/>
               </a:lnSpc>
             </a:pPr>
-            <a:fld id="{2C0339CE-9434-4DF1-9691-1E3838F3E260}" type="slidenum">
-              <a:rPr b="0" lang="de-DE" sz="1200" spc="-1" strike="noStrike">
+            <a:fld id="{4FAC5E62-6D1E-4063-84F5-237E92B1C8A4}" type="slidenum">
+              <a:rPr lang="de-DE" sz="1200" b="0" strike="noStrike" spc="-1">
                 <a:solidFill>
-                  <a:srgbClr val="8b8b8b"/>
+                  <a:srgbClr val="8B8B8B"/>
                 </a:solidFill>
                 <a:latin typeface="Calibri"/>
               </a:rPr>
-              <a:t>&lt;Foliennummer&gt;</a:t>
+              <a:t>2</a:t>
             </a:fld>
-            <a:endParaRPr b="0" lang="zxx" sz="1200" spc="-1" strike="noStrike">
+            <a:endParaRPr lang="zxx" sz="1200" b="0" strike="noStrike" spc="-1">
               <a:latin typeface="Times New Roman"/>
             </a:endParaRPr>
           </a:p>
@@ -6097,19 +7508,14 @@
       </p:sp>
     </p:spTree>
   </p:cSld>
-  <mc:AlternateContent>
-    <mc:Choice Requires="p14">
-      <p:transition spd="slow" p14:dur="2000"/>
-    </mc:Choice>
-    <mc:Fallback>
-      <p:transition spd="slow"/>
-    </mc:Fallback>
-  </mc:AlternateContent>
+  <p:clrMapOvr>
+    <a:masterClrMapping/>
+  </p:clrMapOvr>
 </p:sld>
 </file>
 
-<file path=ppt/slides/slide2.xml><?xml version="1.0" encoding="utf-8"?>
-<p:sld xmlns:a="http://schemas.openxmlformats.org/drawingml/2006/main" xmlns:p="http://schemas.openxmlformats.org/presentationml/2006/main" xmlns:r="http://schemas.openxmlformats.org/officeDocument/2006/relationships" xmlns:p14="http://schemas.microsoft.com/office/powerpoint/2010/main" xmlns:p15="http://schemas.microsoft.com/office/powerpoint/2012/main" xmlns:mc="http://schemas.openxmlformats.org/markup-compatibility/2006">
+<file path=ppt/slides/slide3.xml><?xml version="1.0" encoding="utf-8"?>
+<p:sld xmlns:a="http://schemas.openxmlformats.org/drawingml/2006/main" xmlns:r="http://schemas.openxmlformats.org/officeDocument/2006/relationships" xmlns:p="http://schemas.openxmlformats.org/presentationml/2006/main">
   <p:cSld>
     <p:spTree>
       <p:nvGrpSpPr>
@@ -6127,7 +7533,7 @@
       </p:grpSpPr>
       <p:sp>
         <p:nvSpPr>
-          <p:cNvPr id="125" name="Titel 1"/>
+          <p:cNvPr id="128" name="Titel 1"/>
           <p:cNvSpPr txBox="1"/>
           <p:nvPr/>
         </p:nvSpPr>
@@ -6148,6 +7554,7 @@
           <a:bodyPr anchor="ctr">
             <a:noAutofit/>
           </a:bodyPr>
+          <a:lstStyle/>
           <a:p>
             <a:pPr>
               <a:lnSpc>
@@ -6155,33 +7562,33 @@
               </a:lnSpc>
             </a:pPr>
             <a:r>
-              <a:rPr b="0" lang="de-DE" sz="4400" spc="-1" strike="noStrike">
+              <a:rPr lang="de-DE" sz="4400" b="0" strike="noStrike" spc="-1">
                 <a:solidFill>
                   <a:srgbClr val="000000"/>
                 </a:solidFill>
                 <a:latin typeface="Calibri Light"/>
               </a:rPr>
-              <a:t>Agenda</a:t>
+              <a:t>Projekt-Architektur</a:t>
             </a:r>
-            <a:endParaRPr b="0" lang="zxx" sz="4400" spc="-1" strike="noStrike">
-              <a:solidFill>
-                <a:srgbClr val="000000"/>
-              </a:solidFill>
-              <a:latin typeface="Calibri"/>
-            </a:endParaRPr>
-          </a:p>
-        </p:txBody>
-      </p:sp>
-      <p:sp>
-        <p:nvSpPr>
-          <p:cNvPr id="126" name="Inhaltsplatzhalter 3"/>
+            <a:endParaRPr lang="zxx" sz="4400" b="0" strike="noStrike" spc="-1">
+              <a:solidFill>
+                <a:srgbClr val="000000"/>
+              </a:solidFill>
+              <a:latin typeface="Calibri"/>
+            </a:endParaRPr>
+          </a:p>
+        </p:txBody>
+      </p:sp>
+      <p:sp>
+        <p:nvSpPr>
+          <p:cNvPr id="129" name="Inhaltsplatzhalter 3"/>
           <p:cNvSpPr txBox="1"/>
           <p:nvPr/>
         </p:nvSpPr>
         <p:spPr>
           <a:xfrm>
             <a:off x="838080" y="1825560"/>
-            <a:ext cx="10515240" cy="4350960"/>
+            <a:ext cx="7801920" cy="4350960"/>
           </a:xfrm>
           <a:prstGeom prst="rect">
             <a:avLst/>
@@ -6193,8 +7600,9 @@
         </p:spPr>
         <p:txBody>
           <a:bodyPr>
-            <a:noAutofit/>
-          </a:bodyPr>
+            <a:normAutofit/>
+          </a:bodyPr>
+          <a:lstStyle/>
           <a:p>
             <a:pPr marL="228600" indent="-228240">
               <a:lnSpc>
@@ -6210,15 +7618,44 @@
               <a:buChar char="•"/>
             </a:pPr>
             <a:r>
-              <a:rPr b="0" lang="de-DE" sz="2600" spc="-1" strike="noStrike">
+              <a:rPr lang="de-DE" sz="2400" b="1" strike="noStrike" spc="-1">
                 <a:solidFill>
                   <a:srgbClr val="000000"/>
                 </a:solidFill>
                 <a:latin typeface="Calibri"/>
               </a:rPr>
-              <a:t>Projekt-Architektur</a:t>
+              <a:t>SnakeCore</a:t>
             </a:r>
-            <a:endParaRPr b="0" lang="zxx" sz="2600" spc="-1" strike="noStrike">
+            <a:r>
+              <a:rPr lang="de-DE" sz="2400" b="0" strike="noStrike" spc="-1">
+                <a:solidFill>
+                  <a:srgbClr val="000000"/>
+                </a:solidFill>
+                <a:latin typeface="Calibri"/>
+              </a:rPr>
+              <a:t> </a:t>
+            </a:r>
+            <a:br/>
+            <a:r>
+              <a:rPr lang="de-DE" sz="2000" b="0" strike="noStrike" spc="-1">
+                <a:solidFill>
+                  <a:srgbClr val="000000"/>
+                </a:solidFill>
+                <a:latin typeface="Calibri"/>
+              </a:rPr>
+              <a:t>Enthält grundlegende &amp; gemeinsame Aspekte des Projekts</a:t>
+            </a:r>
+            <a:br/>
+            <a:r>
+              <a:rPr lang="de-DE" sz="2000" b="0" strike="noStrike" spc="-1">
+                <a:solidFill>
+                  <a:srgbClr val="000000"/>
+                </a:solidFill>
+                <a:latin typeface="Calibri"/>
+              </a:rPr>
+              <a:t> </a:t>
+            </a:r>
+            <a:endParaRPr lang="zxx" sz="2000" b="0" strike="noStrike" spc="-1">
               <a:solidFill>
                 <a:srgbClr val="000000"/>
               </a:solidFill>
@@ -6240,15 +7677,44 @@
               <a:buChar char="•"/>
             </a:pPr>
             <a:r>
-              <a:rPr b="0" lang="de-DE" sz="2600" spc="-1" strike="noStrike">
+              <a:rPr lang="de-DE" sz="2400" b="1" strike="noStrike" spc="-1">
                 <a:solidFill>
                   <a:srgbClr val="000000"/>
                 </a:solidFill>
                 <a:latin typeface="Calibri"/>
               </a:rPr>
-              <a:t>Core/Common</a:t>
+              <a:t>SnakeFX</a:t>
             </a:r>
-            <a:endParaRPr b="0" lang="zxx" sz="2600" spc="-1" strike="noStrike">
+            <a:r>
+              <a:rPr lang="de-DE" sz="2400" b="0" strike="noStrike" spc="-1">
+                <a:solidFill>
+                  <a:srgbClr val="000000"/>
+                </a:solidFill>
+                <a:latin typeface="Calibri"/>
+              </a:rPr>
+              <a:t> </a:t>
+            </a:r>
+            <a:br/>
+            <a:r>
+              <a:rPr lang="de-DE" sz="2000" b="0" strike="noStrike" spc="-1">
+                <a:solidFill>
+                  <a:srgbClr val="000000"/>
+                </a:solidFill>
+                <a:latin typeface="Calibri"/>
+              </a:rPr>
+              <a:t>Frontend-Modul - das User-Interface (GUI)</a:t>
+            </a:r>
+            <a:br/>
+            <a:r>
+              <a:rPr lang="de-DE" sz="2000" b="0" strike="noStrike" spc="-1">
+                <a:solidFill>
+                  <a:srgbClr val="000000"/>
+                </a:solidFill>
+                <a:latin typeface="Calibri"/>
+              </a:rPr>
+              <a:t> </a:t>
+            </a:r>
+            <a:endParaRPr lang="zxx" sz="2000" b="0" strike="noStrike" spc="-1">
               <a:solidFill>
                 <a:srgbClr val="000000"/>
               </a:solidFill>
@@ -6270,15 +7736,44 @@
               <a:buChar char="•"/>
             </a:pPr>
             <a:r>
-              <a:rPr b="0" lang="de-DE" sz="2600" spc="-1" strike="noStrike">
+              <a:rPr lang="de-DE" sz="2400" b="1" strike="noStrike" spc="-1">
                 <a:solidFill>
                   <a:srgbClr val="000000"/>
                 </a:solidFill>
                 <a:latin typeface="Calibri"/>
               </a:rPr>
-              <a:t>Backend</a:t>
+              <a:t>SnakeServer</a:t>
             </a:r>
-            <a:endParaRPr b="0" lang="zxx" sz="2600" spc="-1" strike="noStrike">
+            <a:r>
+              <a:rPr lang="de-DE" sz="2400" b="0" strike="noStrike" spc="-1">
+                <a:solidFill>
+                  <a:srgbClr val="000000"/>
+                </a:solidFill>
+                <a:latin typeface="Calibri"/>
+              </a:rPr>
+              <a:t> </a:t>
+            </a:r>
+            <a:br/>
+            <a:r>
+              <a:rPr lang="de-DE" sz="2000" b="0" strike="noStrike" spc="-1">
+                <a:solidFill>
+                  <a:srgbClr val="000000"/>
+                </a:solidFill>
+                <a:latin typeface="Calibri"/>
+              </a:rPr>
+              <a:t>Backend-Modul - der Application-Server</a:t>
+            </a:r>
+            <a:br/>
+            <a:r>
+              <a:rPr lang="de-DE" sz="2000" b="0" strike="noStrike" spc="-1">
+                <a:solidFill>
+                  <a:srgbClr val="000000"/>
+                </a:solidFill>
+                <a:latin typeface="Calibri"/>
+              </a:rPr>
+              <a:t> </a:t>
+            </a:r>
+            <a:endParaRPr lang="zxx" sz="2000" b="0" strike="noStrike" spc="-1">
               <a:solidFill>
                 <a:srgbClr val="000000"/>
               </a:solidFill>
@@ -6300,102 +7795,55 @@
               <a:buChar char="•"/>
             </a:pPr>
             <a:r>
-              <a:rPr b="0" lang="de-DE" sz="2600" spc="-1" strike="noStrike">
+              <a:rPr lang="de-DE" sz="2400" b="1" strike="noStrike" spc="-1">
                 <a:solidFill>
                   <a:srgbClr val="000000"/>
                 </a:solidFill>
                 <a:latin typeface="Calibri"/>
               </a:rPr>
-              <a:t>Frontend</a:t>
+              <a:t>SnakeTest</a:t>
             </a:r>
-            <a:endParaRPr b="0" lang="zxx" sz="2600" spc="-1" strike="noStrike">
-              <a:solidFill>
-                <a:srgbClr val="000000"/>
-              </a:solidFill>
-              <a:latin typeface="Calibri"/>
-            </a:endParaRPr>
-          </a:p>
-          <a:p>
-            <a:pPr marL="228600" indent="-228240">
-              <a:lnSpc>
-                <a:spcPct val="90000"/>
-              </a:lnSpc>
-              <a:spcBef>
-                <a:spcPts val="1001"/>
-              </a:spcBef>
-              <a:buClr>
-                <a:srgbClr val="000000"/>
-              </a:buClr>
-              <a:buFont typeface="Arial"/>
-              <a:buChar char="•"/>
-            </a:pPr>
             <a:r>
-              <a:rPr b="0" lang="de-DE" sz="2600" spc="-1" strike="noStrike">
+              <a:rPr lang="de-DE" sz="2400" b="0" strike="noStrike" spc="-1">
                 <a:solidFill>
                   <a:srgbClr val="000000"/>
                 </a:solidFill>
                 <a:latin typeface="Calibri"/>
               </a:rPr>
-              <a:t>Hands-On</a:t>
+              <a:t> </a:t>
             </a:r>
-            <a:endParaRPr b="0" lang="zxx" sz="2600" spc="-1" strike="noStrike">
-              <a:solidFill>
-                <a:srgbClr val="000000"/>
-              </a:solidFill>
-              <a:latin typeface="Calibri"/>
-            </a:endParaRPr>
-          </a:p>
-          <a:p>
-            <a:pPr marL="228600" indent="-228240">
-              <a:lnSpc>
-                <a:spcPct val="90000"/>
-              </a:lnSpc>
-              <a:spcBef>
-                <a:spcPts val="1001"/>
-              </a:spcBef>
-              <a:buClr>
-                <a:srgbClr val="000000"/>
-              </a:buClr>
-              <a:buFont typeface="Arial"/>
-              <a:buChar char="•"/>
-            </a:pPr>
+            <a:br/>
             <a:r>
-              <a:rPr b="0" lang="de-DE" sz="2600" spc="-1" strike="noStrike">
+              <a:rPr lang="de-DE" sz="2000" b="0" strike="noStrike" spc="-1">
                 <a:solidFill>
                   <a:srgbClr val="000000"/>
                 </a:solidFill>
                 <a:latin typeface="Calibri"/>
               </a:rPr>
-              <a:t>...</a:t>
+              <a:t>Test-Modul  - Test-Fälle für verschiedene Szenarien</a:t>
             </a:r>
-            <a:endParaRPr b="0" lang="zxx" sz="2600" spc="-1" strike="noStrike">
-              <a:solidFill>
-                <a:srgbClr val="000000"/>
-              </a:solidFill>
-              <a:latin typeface="Calibri"/>
-            </a:endParaRPr>
-          </a:p>
-          <a:p>
-            <a:pPr>
-              <a:lnSpc>
-                <a:spcPct val="90000"/>
-              </a:lnSpc>
-              <a:spcBef>
-                <a:spcPts val="1001"/>
-              </a:spcBef>
-            </a:pPr>
-            <a:endParaRPr b="0" lang="zxx" sz="2600" spc="-1" strike="noStrike">
-              <a:solidFill>
-                <a:srgbClr val="000000"/>
-              </a:solidFill>
-              <a:latin typeface="Calibri"/>
-            </a:endParaRPr>
-          </a:p>
-        </p:txBody>
-      </p:sp>
-      <p:sp>
-        <p:nvSpPr>
-          <p:cNvPr id="127" name="Foliennummernplatzhalter 2"/>
+            <a:br/>
+            <a:r>
+              <a:rPr lang="de-DE" sz="2000" b="0" strike="noStrike" spc="-1">
+                <a:solidFill>
+                  <a:srgbClr val="000000"/>
+                </a:solidFill>
+                <a:latin typeface="Calibri"/>
+              </a:rPr>
+              <a:t>(z.B. Start des Backends &amp; zweier Clients, auto. Login, auto. Play, etc.)</a:t>
+            </a:r>
+            <a:endParaRPr lang="zxx" sz="2000" b="0" strike="noStrike" spc="-1">
+              <a:solidFill>
+                <a:srgbClr val="000000"/>
+              </a:solidFill>
+              <a:latin typeface="Calibri"/>
+            </a:endParaRPr>
+          </a:p>
+        </p:txBody>
+      </p:sp>
+      <p:sp>
+        <p:nvSpPr>
+          <p:cNvPr id="130" name="Foliennummernplatzhalter 2"/>
           <p:cNvSpPr txBox="1"/>
           <p:nvPr/>
         </p:nvSpPr>
@@ -6416,388 +7864,7 @@
           <a:bodyPr anchor="ctr">
             <a:noAutofit/>
           </a:bodyPr>
-          <a:p>
-            <a:pPr algn="r">
-              <a:lnSpc>
-                <a:spcPct val="100000"/>
-              </a:lnSpc>
-            </a:pPr>
-            <a:fld id="{4FAC5E62-6D1E-4063-84F5-237E92B1C8A4}" type="slidenum">
-              <a:rPr b="0" lang="de-DE" sz="1200" spc="-1" strike="noStrike">
-                <a:solidFill>
-                  <a:srgbClr val="8b8b8b"/>
-                </a:solidFill>
-                <a:latin typeface="Calibri"/>
-              </a:rPr>
-              <a:t>1</a:t>
-            </a:fld>
-            <a:endParaRPr b="0" lang="zxx" sz="1200" spc="-1" strike="noStrike">
-              <a:latin typeface="Times New Roman"/>
-            </a:endParaRPr>
-          </a:p>
-        </p:txBody>
-      </p:sp>
-    </p:spTree>
-  </p:cSld>
-  <mc:AlternateContent>
-    <mc:Choice Requires="p14">
-      <p:transition spd="slow" p14:dur="2000"/>
-    </mc:Choice>
-    <mc:Fallback>
-      <p:transition spd="slow"/>
-    </mc:Fallback>
-  </mc:AlternateContent>
-</p:sld>
-</file>
-
-<file path=ppt/slides/slide3.xml><?xml version="1.0" encoding="utf-8"?>
-<p:sld xmlns:a="http://schemas.openxmlformats.org/drawingml/2006/main" xmlns:p="http://schemas.openxmlformats.org/presentationml/2006/main" xmlns:r="http://schemas.openxmlformats.org/officeDocument/2006/relationships" xmlns:p14="http://schemas.microsoft.com/office/powerpoint/2010/main" xmlns:p15="http://schemas.microsoft.com/office/powerpoint/2012/main" xmlns:mc="http://schemas.openxmlformats.org/markup-compatibility/2006">
-  <p:cSld>
-    <p:spTree>
-      <p:nvGrpSpPr>
-        <p:cNvPr id="1" name=""/>
-        <p:cNvGrpSpPr/>
-        <p:nvPr/>
-      </p:nvGrpSpPr>
-      <p:grpSpPr>
-        <a:xfrm>
-          <a:off x="0" y="0"/>
-          <a:ext cx="0" cy="0"/>
-          <a:chOff x="0" y="0"/>
-          <a:chExt cx="0" cy="0"/>
-        </a:xfrm>
-      </p:grpSpPr>
-      <p:sp>
-        <p:nvSpPr>
-          <p:cNvPr id="128" name="Titel 1"/>
-          <p:cNvSpPr txBox="1"/>
-          <p:nvPr/>
-        </p:nvSpPr>
-        <p:spPr>
-          <a:xfrm>
-            <a:off x="838080" y="365040"/>
-            <a:ext cx="10515240" cy="1325160"/>
-          </a:xfrm>
-          <a:prstGeom prst="rect">
-            <a:avLst/>
-          </a:prstGeom>
-          <a:noFill/>
-          <a:ln w="0">
-            <a:noFill/>
-          </a:ln>
-        </p:spPr>
-        <p:txBody>
-          <a:bodyPr anchor="ctr">
-            <a:noAutofit/>
-          </a:bodyPr>
-          <a:p>
-            <a:pPr>
-              <a:lnSpc>
-                <a:spcPct val="90000"/>
-              </a:lnSpc>
-            </a:pPr>
-            <a:r>
-              <a:rPr b="0" lang="de-DE" sz="4400" spc="-1" strike="noStrike">
-                <a:solidFill>
-                  <a:srgbClr val="000000"/>
-                </a:solidFill>
-                <a:latin typeface="Calibri Light"/>
-              </a:rPr>
-              <a:t>Projekt-Architektur</a:t>
-            </a:r>
-            <a:endParaRPr b="0" lang="zxx" sz="4400" spc="-1" strike="noStrike">
-              <a:solidFill>
-                <a:srgbClr val="000000"/>
-              </a:solidFill>
-              <a:latin typeface="Calibri"/>
-            </a:endParaRPr>
-          </a:p>
-        </p:txBody>
-      </p:sp>
-      <p:sp>
-        <p:nvSpPr>
-          <p:cNvPr id="129" name="Inhaltsplatzhalter 3"/>
-          <p:cNvSpPr txBox="1"/>
-          <p:nvPr/>
-        </p:nvSpPr>
-        <p:spPr>
-          <a:xfrm>
-            <a:off x="838080" y="1825560"/>
-            <a:ext cx="7801920" cy="4350960"/>
-          </a:xfrm>
-          <a:prstGeom prst="rect">
-            <a:avLst/>
-          </a:prstGeom>
-          <a:noFill/>
-          <a:ln w="0">
-            <a:noFill/>
-          </a:ln>
-        </p:spPr>
-        <p:txBody>
-          <a:bodyPr>
-            <a:normAutofit/>
-          </a:bodyPr>
-          <a:p>
-            <a:pPr marL="228600" indent="-228240">
-              <a:lnSpc>
-                <a:spcPct val="90000"/>
-              </a:lnSpc>
-              <a:spcBef>
-                <a:spcPts val="1001"/>
-              </a:spcBef>
-              <a:buClr>
-                <a:srgbClr val="000000"/>
-              </a:buClr>
-              <a:buFont typeface="Arial"/>
-              <a:buChar char="•"/>
-            </a:pPr>
-            <a:r>
-              <a:rPr b="1" lang="de-DE" sz="2400" spc="-1" strike="noStrike">
-                <a:solidFill>
-                  <a:srgbClr val="000000"/>
-                </a:solidFill>
-                <a:latin typeface="Calibri"/>
-              </a:rPr>
-              <a:t>SnakeCore</a:t>
-            </a:r>
-            <a:r>
-              <a:rPr b="0" lang="de-DE" sz="2400" spc="-1" strike="noStrike">
-                <a:solidFill>
-                  <a:srgbClr val="000000"/>
-                </a:solidFill>
-                <a:latin typeface="Calibri"/>
-              </a:rPr>
-              <a:t> </a:t>
-            </a:r>
-            <a:br/>
-            <a:r>
-              <a:rPr b="0" lang="de-DE" sz="2000" spc="-1" strike="noStrike">
-                <a:solidFill>
-                  <a:srgbClr val="000000"/>
-                </a:solidFill>
-                <a:latin typeface="Calibri"/>
-              </a:rPr>
-              <a:t>Enthält grundlegende &amp; gemeinsame Aspekte des Projekts</a:t>
-            </a:r>
-            <a:br/>
-            <a:r>
-              <a:rPr b="0" lang="de-DE" sz="2000" spc="-1" strike="noStrike">
-                <a:solidFill>
-                  <a:srgbClr val="000000"/>
-                </a:solidFill>
-                <a:latin typeface="Calibri"/>
-              </a:rPr>
-              <a:t> </a:t>
-            </a:r>
-            <a:endParaRPr b="0" lang="zxx" sz="2000" spc="-1" strike="noStrike">
-              <a:solidFill>
-                <a:srgbClr val="000000"/>
-              </a:solidFill>
-              <a:latin typeface="Calibri"/>
-            </a:endParaRPr>
-          </a:p>
-          <a:p>
-            <a:pPr marL="228600" indent="-228240">
-              <a:lnSpc>
-                <a:spcPct val="90000"/>
-              </a:lnSpc>
-              <a:spcBef>
-                <a:spcPts val="1001"/>
-              </a:spcBef>
-              <a:buClr>
-                <a:srgbClr val="000000"/>
-              </a:buClr>
-              <a:buFont typeface="Arial"/>
-              <a:buChar char="•"/>
-            </a:pPr>
-            <a:r>
-              <a:rPr b="1" lang="de-DE" sz="2400" spc="-1" strike="noStrike">
-                <a:solidFill>
-                  <a:srgbClr val="000000"/>
-                </a:solidFill>
-                <a:latin typeface="Calibri"/>
-              </a:rPr>
-              <a:t>SnakeFX</a:t>
-            </a:r>
-            <a:r>
-              <a:rPr b="0" lang="de-DE" sz="2400" spc="-1" strike="noStrike">
-                <a:solidFill>
-                  <a:srgbClr val="000000"/>
-                </a:solidFill>
-                <a:latin typeface="Calibri"/>
-              </a:rPr>
-              <a:t> </a:t>
-            </a:r>
-            <a:br/>
-            <a:r>
-              <a:rPr b="0" lang="de-DE" sz="2000" spc="-1" strike="noStrike">
-                <a:solidFill>
-                  <a:srgbClr val="000000"/>
-                </a:solidFill>
-                <a:latin typeface="Calibri"/>
-              </a:rPr>
-              <a:t>Frontend-Modul - das User-Interface (GUI)</a:t>
-            </a:r>
-            <a:br/>
-            <a:r>
-              <a:rPr b="0" lang="de-DE" sz="2000" spc="-1" strike="noStrike">
-                <a:solidFill>
-                  <a:srgbClr val="000000"/>
-                </a:solidFill>
-                <a:latin typeface="Calibri"/>
-              </a:rPr>
-              <a:t> </a:t>
-            </a:r>
-            <a:endParaRPr b="0" lang="zxx" sz="2000" spc="-1" strike="noStrike">
-              <a:solidFill>
-                <a:srgbClr val="000000"/>
-              </a:solidFill>
-              <a:latin typeface="Calibri"/>
-            </a:endParaRPr>
-          </a:p>
-          <a:p>
-            <a:pPr marL="228600" indent="-228240">
-              <a:lnSpc>
-                <a:spcPct val="90000"/>
-              </a:lnSpc>
-              <a:spcBef>
-                <a:spcPts val="1001"/>
-              </a:spcBef>
-              <a:buClr>
-                <a:srgbClr val="000000"/>
-              </a:buClr>
-              <a:buFont typeface="Arial"/>
-              <a:buChar char="•"/>
-            </a:pPr>
-            <a:r>
-              <a:rPr b="1" lang="de-DE" sz="2400" spc="-1" strike="noStrike">
-                <a:solidFill>
-                  <a:srgbClr val="000000"/>
-                </a:solidFill>
-                <a:latin typeface="Calibri"/>
-              </a:rPr>
-              <a:t>SnakeServer</a:t>
-            </a:r>
-            <a:r>
-              <a:rPr b="0" lang="de-DE" sz="2400" spc="-1" strike="noStrike">
-                <a:solidFill>
-                  <a:srgbClr val="000000"/>
-                </a:solidFill>
-                <a:latin typeface="Calibri"/>
-              </a:rPr>
-              <a:t> </a:t>
-            </a:r>
-            <a:br/>
-            <a:r>
-              <a:rPr b="0" lang="de-DE" sz="2000" spc="-1" strike="noStrike">
-                <a:solidFill>
-                  <a:srgbClr val="000000"/>
-                </a:solidFill>
-                <a:latin typeface="Calibri"/>
-              </a:rPr>
-              <a:t>Backend-Modul - der Application-Server</a:t>
-            </a:r>
-            <a:br/>
-            <a:r>
-              <a:rPr b="0" lang="de-DE" sz="2000" spc="-1" strike="noStrike">
-                <a:solidFill>
-                  <a:srgbClr val="000000"/>
-                </a:solidFill>
-                <a:latin typeface="Calibri"/>
-              </a:rPr>
-              <a:t> </a:t>
-            </a:r>
-            <a:endParaRPr b="0" lang="zxx" sz="2000" spc="-1" strike="noStrike">
-              <a:solidFill>
-                <a:srgbClr val="000000"/>
-              </a:solidFill>
-              <a:latin typeface="Calibri"/>
-            </a:endParaRPr>
-          </a:p>
-          <a:p>
-            <a:pPr marL="228600" indent="-228240">
-              <a:lnSpc>
-                <a:spcPct val="90000"/>
-              </a:lnSpc>
-              <a:spcBef>
-                <a:spcPts val="1001"/>
-              </a:spcBef>
-              <a:buClr>
-                <a:srgbClr val="000000"/>
-              </a:buClr>
-              <a:buFont typeface="Arial"/>
-              <a:buChar char="•"/>
-            </a:pPr>
-            <a:r>
-              <a:rPr b="1" lang="de-DE" sz="2400" spc="-1" strike="noStrike">
-                <a:solidFill>
-                  <a:srgbClr val="000000"/>
-                </a:solidFill>
-                <a:latin typeface="Calibri"/>
-              </a:rPr>
-              <a:t>SnakeTest</a:t>
-            </a:r>
-            <a:r>
-              <a:rPr b="0" lang="de-DE" sz="2400" spc="-1" strike="noStrike">
-                <a:solidFill>
-                  <a:srgbClr val="000000"/>
-                </a:solidFill>
-                <a:latin typeface="Calibri"/>
-              </a:rPr>
-              <a:t> </a:t>
-            </a:r>
-            <a:br/>
-            <a:r>
-              <a:rPr b="0" lang="de-DE" sz="2000" spc="-1" strike="noStrike">
-                <a:solidFill>
-                  <a:srgbClr val="000000"/>
-                </a:solidFill>
-                <a:latin typeface="Calibri"/>
-              </a:rPr>
-              <a:t>Test-Modul  - Test-Fälle für verschiedene Szenarien</a:t>
-            </a:r>
-            <a:br/>
-            <a:r>
-              <a:rPr b="0" lang="de-DE" sz="2000" spc="-1" strike="noStrike">
-                <a:solidFill>
-                  <a:srgbClr val="000000"/>
-                </a:solidFill>
-                <a:latin typeface="Calibri"/>
-              </a:rPr>
-              <a:t>(z.B. Start des Backends &amp; zweier Clients, auto. Login, auto. Play, etc.)</a:t>
-            </a:r>
-            <a:endParaRPr b="0" lang="zxx" sz="2000" spc="-1" strike="noStrike">
-              <a:solidFill>
-                <a:srgbClr val="000000"/>
-              </a:solidFill>
-              <a:latin typeface="Calibri"/>
-            </a:endParaRPr>
-          </a:p>
-        </p:txBody>
-      </p:sp>
-      <p:sp>
-        <p:nvSpPr>
-          <p:cNvPr id="130" name="Foliennummernplatzhalter 2"/>
-          <p:cNvSpPr txBox="1"/>
-          <p:nvPr/>
-        </p:nvSpPr>
-        <p:spPr>
-          <a:xfrm>
-            <a:off x="8610480" y="6356520"/>
-            <a:ext cx="2742840" cy="364680"/>
-          </a:xfrm>
-          <a:prstGeom prst="rect">
-            <a:avLst/>
-          </a:prstGeom>
-          <a:noFill/>
-          <a:ln w="0">
-            <a:noFill/>
-          </a:ln>
-        </p:spPr>
-        <p:txBody>
-          <a:bodyPr anchor="ctr">
-            <a:noAutofit/>
-          </a:bodyPr>
+          <a:lstStyle/>
           <a:p>
             <a:pPr algn="r">
               <a:lnSpc>
@@ -6805,15 +7872,15 @@
               </a:lnSpc>
             </a:pPr>
             <a:fld id="{4042BE77-F96C-4C2D-8D28-8C49FE00D91D}" type="slidenum">
-              <a:rPr b="0" lang="de-DE" sz="1200" spc="-1" strike="noStrike">
+              <a:rPr lang="de-DE" sz="1200" b="0" strike="noStrike" spc="-1">
                 <a:solidFill>
-                  <a:srgbClr val="8b8b8b"/>
+                  <a:srgbClr val="8B8B8B"/>
                 </a:solidFill>
                 <a:latin typeface="Calibri"/>
               </a:rPr>
               <a:t>3</a:t>
             </a:fld>
-            <a:endParaRPr b="0" lang="zxx" sz="1200" spc="-1" strike="noStrike">
+            <a:endParaRPr lang="zxx" sz="1200" b="0" strike="noStrike" spc="-1">
               <a:latin typeface="Times New Roman"/>
             </a:endParaRPr>
           </a:p>
@@ -6835,7 +7902,7 @@
         </p:grpSpPr>
         <p:sp>
           <p:nvSpPr>
-            <p:cNvPr id="132" name=""/>
+            <p:cNvPr id="132" name="Rechteck 131"/>
             <p:cNvSpPr/>
             <p:nvPr/>
           </p:nvSpPr>
@@ -6848,16 +7915,22 @@
               <a:avLst/>
             </a:prstGeom>
             <a:solidFill>
-              <a:srgbClr val="ffffff"/>
+              <a:srgbClr val="FFFFFF"/>
             </a:solidFill>
             <a:ln w="0">
               <a:noFill/>
             </a:ln>
           </p:spPr>
           <p:style>
-            <a:lnRef idx="0"/>
-            <a:fillRef idx="0"/>
-            <a:effectRef idx="0"/>
+            <a:lnRef idx="0">
+              <a:scrgbClr r="0" g="0" b="0"/>
+            </a:lnRef>
+            <a:fillRef idx="0">
+              <a:scrgbClr r="0" g="0" b="0"/>
+            </a:fillRef>
+            <a:effectRef idx="0">
+              <a:scrgbClr r="0" g="0" b="0"/>
+            </a:effectRef>
             <a:fontRef idx="minor"/>
           </p:style>
         </p:sp>
@@ -6876,7 +7949,7 @@
               <a:avLst/>
             </a:prstGeom>
             <a:solidFill>
-              <a:srgbClr val="ffffff"/>
+              <a:srgbClr val="FFFFFF"/>
             </a:solidFill>
             <a:ln w="6480">
               <a:solidFill>
@@ -6889,15 +7962,16 @@
             <a:bodyPr anchor="ctr">
               <a:noAutofit/>
             </a:bodyPr>
+            <a:lstStyle/>
             <a:p>
               <a:pPr algn="ctr"/>
               <a:r>
-                <a:rPr b="0" lang="zxx" sz="1400" spc="-1" strike="noStrike">
+                <a:rPr lang="zxx" sz="1400" b="0" strike="noStrike" spc="-1">
                   <a:latin typeface="Calibri"/>
                 </a:rPr>
                 <a:t>SnakeCore</a:t>
               </a:r>
-              <a:endParaRPr b="0" lang="zxx" sz="1400" spc="-1" strike="noStrike">
+              <a:endParaRPr lang="zxx" sz="1400" b="0" strike="noStrike" spc="-1">
                 <a:latin typeface="Arial"/>
               </a:endParaRPr>
             </a:p>
@@ -6918,7 +7992,7 @@
               <a:avLst/>
             </a:prstGeom>
             <a:solidFill>
-              <a:srgbClr val="ffffff"/>
+              <a:srgbClr val="FFFFFF"/>
             </a:solidFill>
             <a:ln w="6480">
               <a:solidFill>
@@ -6931,27 +8005,28 @@
             <a:bodyPr anchor="ctr">
               <a:noAutofit/>
             </a:bodyPr>
+            <a:lstStyle/>
             <a:p>
               <a:pPr algn="ctr"/>
               <a:r>
-                <a:rPr b="0" lang="zxx" sz="1400" spc="-1" strike="noStrike">
+                <a:rPr lang="zxx" sz="1400" b="0" strike="noStrike" spc="-1">
                   <a:latin typeface="Calibri"/>
                 </a:rPr>
                 <a:t>SnakeFX</a:t>
               </a:r>
-              <a:endParaRPr b="0" lang="zxx" sz="1400" spc="-1" strike="noStrike">
+              <a:endParaRPr lang="zxx" sz="1400" b="0" strike="noStrike" spc="-1">
                 <a:latin typeface="Arial"/>
               </a:endParaRPr>
             </a:p>
             <a:p>
               <a:pPr algn="ctr"/>
               <a:r>
-                <a:rPr b="0" lang="zxx" sz="1400" spc="-1" strike="noStrike">
+                <a:rPr lang="zxx" sz="1400" b="0" strike="noStrike" spc="-1">
                   <a:latin typeface="Calibri"/>
                 </a:rPr>
                 <a:t>Front-End</a:t>
               </a:r>
-              <a:endParaRPr b="0" lang="zxx" sz="1400" spc="-1" strike="noStrike">
+              <a:endParaRPr lang="zxx" sz="1400" b="0" strike="noStrike" spc="-1">
                 <a:latin typeface="Arial"/>
               </a:endParaRPr>
             </a:p>
@@ -6972,7 +8047,7 @@
               <a:avLst/>
             </a:prstGeom>
             <a:solidFill>
-              <a:srgbClr val="ffffff"/>
+              <a:srgbClr val="FFFFFF"/>
             </a:solidFill>
             <a:ln w="6480">
               <a:solidFill>
@@ -6985,27 +8060,28 @@
             <a:bodyPr anchor="ctr">
               <a:noAutofit/>
             </a:bodyPr>
+            <a:lstStyle/>
             <a:p>
               <a:pPr algn="ctr"/>
               <a:r>
-                <a:rPr b="0" lang="zxx" sz="1400" spc="-1" strike="noStrike">
+                <a:rPr lang="zxx" sz="1400" b="0" strike="noStrike" spc="-1">
                   <a:latin typeface="Calibri"/>
                 </a:rPr>
                 <a:t>SnakeServer</a:t>
               </a:r>
-              <a:endParaRPr b="0" lang="zxx" sz="1400" spc="-1" strike="noStrike">
+              <a:endParaRPr lang="zxx" sz="1400" b="0" strike="noStrike" spc="-1">
                 <a:latin typeface="Arial"/>
               </a:endParaRPr>
             </a:p>
             <a:p>
               <a:pPr algn="ctr"/>
               <a:r>
-                <a:rPr b="0" lang="zxx" sz="1400" spc="-1" strike="noStrike">
+                <a:rPr lang="zxx" sz="1400" b="0" strike="noStrike" spc="-1">
                   <a:latin typeface="Calibri"/>
                 </a:rPr>
                 <a:t>Back-End</a:t>
               </a:r>
-              <a:endParaRPr b="0" lang="zxx" sz="1400" spc="-1" strike="noStrike">
+              <a:endParaRPr lang="zxx" sz="1400" b="0" strike="noStrike" spc="-1">
                 <a:latin typeface="Arial"/>
               </a:endParaRPr>
             </a:p>
@@ -7026,7 +8102,7 @@
               <a:avLst/>
             </a:prstGeom>
             <a:solidFill>
-              <a:srgbClr val="ffffff"/>
+              <a:srgbClr val="FFFFFF"/>
             </a:solidFill>
             <a:ln w="6480">
               <a:solidFill>
@@ -7039,16 +8115,17 @@
             <a:bodyPr anchor="ctr">
               <a:noAutofit/>
             </a:bodyPr>
+            <a:lstStyle/>
             <a:p>
               <a:pPr algn="ctr"/>
               <a:r>
-                <a:rPr b="0" lang="zxx" sz="1400" spc="-1" strike="noStrike">
+                <a:rPr lang="zxx" sz="1400" b="0" strike="noStrike" spc="-1">
                   <a:latin typeface="Calibri"/>
                   <a:ea typeface="Calibri"/>
                 </a:rPr>
                 <a:t>SnakeTest</a:t>
               </a:r>
-              <a:endParaRPr b="0" lang="zxx" sz="1400" spc="-1" strike="noStrike">
+              <a:endParaRPr lang="zxx" sz="1400" b="0" strike="noStrike" spc="-1">
                 <a:latin typeface="Arial"/>
               </a:endParaRPr>
             </a:p>
@@ -7056,7 +8133,7 @@
         </p:sp>
         <p:cxnSp>
           <p:nvCxnSpPr>
-            <p:cNvPr id="137" name=""/>
+            <p:cNvPr id="137" name="Gerader Verbinder 136"/>
             <p:cNvCxnSpPr/>
             <p:nvPr/>
           </p:nvCxnSpPr>
@@ -7070,16 +8147,16 @@
             </a:prstGeom>
             <a:ln w="0">
               <a:solidFill>
-                <a:srgbClr val="3465a4"/>
-              </a:solidFill>
-              <a:headEnd len="med" type="triangle" w="med"/>
-              <a:tailEnd len="med" type="triangle" w="med"/>
+                <a:srgbClr val="3465A4"/>
+              </a:solidFill>
+              <a:headEnd type="triangle" w="med" len="med"/>
+              <a:tailEnd type="triangle" w="med" len="med"/>
             </a:ln>
           </p:spPr>
         </p:cxnSp>
         <p:cxnSp>
           <p:nvCxnSpPr>
-            <p:cNvPr id="138" name=""/>
+            <p:cNvPr id="138" name="Gerader Verbinder 137"/>
             <p:cNvCxnSpPr/>
             <p:nvPr/>
           </p:nvCxnSpPr>
@@ -7093,16 +8170,16 @@
             </a:prstGeom>
             <a:ln w="0">
               <a:solidFill>
-                <a:srgbClr val="3465a4"/>
-              </a:solidFill>
-              <a:headEnd len="med" type="triangle" w="med"/>
-              <a:tailEnd len="med" type="triangle" w="med"/>
+                <a:srgbClr val="3465A4"/>
+              </a:solidFill>
+              <a:headEnd type="triangle" w="med" len="med"/>
+              <a:tailEnd type="triangle" w="med" len="med"/>
             </a:ln>
           </p:spPr>
         </p:cxnSp>
         <p:cxnSp>
           <p:nvCxnSpPr>
-            <p:cNvPr id="139" name=""/>
+            <p:cNvPr id="139" name="Gerader Verbinder 138"/>
             <p:cNvCxnSpPr/>
             <p:nvPr/>
           </p:nvCxnSpPr>
@@ -7116,29 +8193,24 @@
             </a:prstGeom>
             <a:ln w="0">
               <a:solidFill>
-                <a:srgbClr val="3465a4"/>
-              </a:solidFill>
-              <a:headEnd len="med" type="triangle" w="med"/>
-              <a:tailEnd len="med" type="triangle" w="med"/>
+                <a:srgbClr val="3465A4"/>
+              </a:solidFill>
+              <a:headEnd type="triangle" w="med" len="med"/>
+              <a:tailEnd type="triangle" w="med" len="med"/>
             </a:ln>
           </p:spPr>
         </p:cxnSp>
       </p:grpSp>
     </p:spTree>
   </p:cSld>
-  <mc:AlternateContent>
-    <mc:Choice Requires="p14">
-      <p:transition spd="slow" p14:dur="2000"/>
-    </mc:Choice>
-    <mc:Fallback>
-      <p:transition spd="slow"/>
-    </mc:Fallback>
-  </mc:AlternateContent>
+  <p:clrMapOvr>
+    <a:masterClrMapping/>
+  </p:clrMapOvr>
 </p:sld>
 </file>
 
 <file path=ppt/slides/slide4.xml><?xml version="1.0" encoding="utf-8"?>
-<p:sld xmlns:a="http://schemas.openxmlformats.org/drawingml/2006/main" xmlns:p="http://schemas.openxmlformats.org/presentationml/2006/main" xmlns:r="http://schemas.openxmlformats.org/officeDocument/2006/relationships" xmlns:p14="http://schemas.microsoft.com/office/powerpoint/2010/main" xmlns:p15="http://schemas.microsoft.com/office/powerpoint/2012/main" xmlns:mc="http://schemas.openxmlformats.org/markup-compatibility/2006">
+<p:sld xmlns:a="http://schemas.openxmlformats.org/drawingml/2006/main" xmlns:r="http://schemas.openxmlformats.org/officeDocument/2006/relationships" xmlns:p="http://schemas.openxmlformats.org/presentationml/2006/main">
   <p:cSld>
     <p:spTree>
       <p:nvGrpSpPr>
@@ -7177,6 +8249,7 @@
           <a:bodyPr anchor="ctr">
             <a:noAutofit/>
           </a:bodyPr>
+          <a:lstStyle/>
           <a:p>
             <a:pPr>
               <a:lnSpc>
@@ -7184,7 +8257,7 @@
               </a:lnSpc>
             </a:pPr>
             <a:r>
-              <a:rPr b="0" lang="de-DE" sz="4400" spc="-1" strike="noStrike">
+              <a:rPr lang="de-DE" sz="4400" b="0" strike="noStrike" spc="-1">
                 <a:solidFill>
                   <a:srgbClr val="000000"/>
                 </a:solidFill>
@@ -7192,7 +8265,7 @@
               </a:rPr>
               <a:t>Projekt-Setup</a:t>
             </a:r>
-            <a:endParaRPr b="0" lang="zxx" sz="4400" spc="-1" strike="noStrike">
+            <a:endParaRPr lang="zxx" sz="4400" b="0" strike="noStrike" spc="-1">
               <a:solidFill>
                 <a:srgbClr val="000000"/>
               </a:solidFill>
@@ -7224,6 +8297,7 @@
           <a:bodyPr>
             <a:normAutofit/>
           </a:bodyPr>
+          <a:lstStyle/>
           <a:p>
             <a:pPr marL="228600" indent="-228240">
               <a:lnSpc>
@@ -7239,7 +8313,7 @@
               <a:buChar char="•"/>
             </a:pPr>
             <a:r>
-              <a:rPr b="0" lang="de-DE" sz="2800" spc="-1" strike="noStrike">
+              <a:rPr lang="de-DE" sz="2800" b="0" strike="noStrike" spc="-1">
                 <a:solidFill>
                   <a:srgbClr val="000000"/>
                 </a:solidFill>
@@ -7247,7 +8321,7 @@
               </a:rPr>
               <a:t>Projekt nutzt Build-Management-System </a:t>
             </a:r>
-            <a:endParaRPr b="0" lang="zxx" sz="2800" spc="-1" strike="noStrike">
+            <a:endParaRPr lang="zxx" sz="2800" b="0" strike="noStrike" spc="-1">
               <a:solidFill>
                 <a:srgbClr val="000000"/>
               </a:solidFill>
@@ -7269,7 +8343,7 @@
               <a:buChar char="•"/>
             </a:pPr>
             <a:r>
-              <a:rPr b="0" lang="de-DE" sz="2800" spc="-1" strike="noStrike">
+              <a:rPr lang="de-DE" sz="2800" b="0" strike="noStrike" spc="-1">
                 <a:solidFill>
                   <a:srgbClr val="000000"/>
                 </a:solidFill>
@@ -7277,7 +8351,7 @@
               </a:rPr>
               <a:t>Apache Maven</a:t>
             </a:r>
-            <a:endParaRPr b="0" lang="zxx" sz="2800" spc="-1" strike="noStrike">
+            <a:endParaRPr lang="zxx" sz="2800" b="0" strike="noStrike" spc="-1">
               <a:solidFill>
                 <a:srgbClr val="000000"/>
               </a:solidFill>
@@ -7299,7 +8373,7 @@
               <a:buChar char="•"/>
             </a:pPr>
             <a:r>
-              <a:rPr b="0" lang="de-DE" sz="2800" spc="-1" strike="noStrike">
+              <a:rPr lang="de-DE" sz="2800" b="0" strike="noStrike" spc="-1">
                 <a:solidFill>
                   <a:srgbClr val="000000"/>
                 </a:solidFill>
@@ -7307,7 +8381,7 @@
               </a:rPr>
               <a:t> </a:t>
             </a:r>
-            <a:endParaRPr b="0" lang="zxx" sz="2800" spc="-1" strike="noStrike">
+            <a:endParaRPr lang="zxx" sz="2800" b="0" strike="noStrike" spc="-1">
               <a:solidFill>
                 <a:srgbClr val="000000"/>
               </a:solidFill>
@@ -7329,7 +8403,7 @@
               <a:buChar char="•"/>
             </a:pPr>
             <a:r>
-              <a:rPr b="0" lang="de-DE" sz="2800" spc="-1" strike="noStrike">
+              <a:rPr lang="de-DE" sz="2800" b="0" strike="noStrike" spc="-1">
                 <a:solidFill>
                   <a:srgbClr val="000000"/>
                 </a:solidFill>
@@ -7337,7 +8411,7 @@
               </a:rPr>
               <a:t> </a:t>
             </a:r>
-            <a:endParaRPr b="0" lang="zxx" sz="2800" spc="-1" strike="noStrike">
+            <a:endParaRPr lang="zxx" sz="2800" b="0" strike="noStrike" spc="-1">
               <a:solidFill>
                 <a:srgbClr val="000000"/>
               </a:solidFill>
@@ -7369,6 +8443,7 @@
           <a:bodyPr anchor="ctr">
             <a:noAutofit/>
           </a:bodyPr>
+          <a:lstStyle/>
           <a:p>
             <a:pPr algn="r">
               <a:lnSpc>
@@ -7376,15 +8451,15 @@
               </a:lnSpc>
             </a:pPr>
             <a:fld id="{3657E137-79A5-4612-ADA6-95D99A5446EB}" type="slidenum">
-              <a:rPr b="0" lang="de-DE" sz="1200" spc="-1" strike="noStrike">
+              <a:rPr lang="de-DE" sz="1200" b="0" strike="noStrike" spc="-1">
                 <a:solidFill>
-                  <a:srgbClr val="8b8b8b"/>
+                  <a:srgbClr val="8B8B8B"/>
                 </a:solidFill>
                 <a:latin typeface="Calibri"/>
               </a:rPr>
               <a:t>4</a:t>
             </a:fld>
-            <a:endParaRPr b="0" lang="zxx" sz="1200" spc="-1" strike="noStrike">
+            <a:endParaRPr lang="zxx" sz="1200" b="0" strike="noStrike" spc="-1">
               <a:latin typeface="Times New Roman"/>
             </a:endParaRPr>
           </a:p>
@@ -7392,19 +8467,14 @@
       </p:sp>
     </p:spTree>
   </p:cSld>
-  <mc:AlternateContent>
-    <mc:Choice Requires="p14">
-      <p:transition spd="slow" p14:dur="2000"/>
-    </mc:Choice>
-    <mc:Fallback>
-      <p:transition spd="slow"/>
-    </mc:Fallback>
-  </mc:AlternateContent>
+  <p:clrMapOvr>
+    <a:masterClrMapping/>
+  </p:clrMapOvr>
 </p:sld>
 </file>
 
 <file path=ppt/slides/slide5.xml><?xml version="1.0" encoding="utf-8"?>
-<p:sld xmlns:a="http://schemas.openxmlformats.org/drawingml/2006/main" xmlns:p="http://schemas.openxmlformats.org/presentationml/2006/main" xmlns:r="http://schemas.openxmlformats.org/officeDocument/2006/relationships" xmlns:p14="http://schemas.microsoft.com/office/powerpoint/2010/main" xmlns:p15="http://schemas.microsoft.com/office/powerpoint/2012/main" xmlns:mc="http://schemas.openxmlformats.org/markup-compatibility/2006">
+<p:sld xmlns:a="http://schemas.openxmlformats.org/drawingml/2006/main" xmlns:r="http://schemas.openxmlformats.org/officeDocument/2006/relationships" xmlns:p="http://schemas.openxmlformats.org/presentationml/2006/main">
   <p:cSld>
     <p:spTree>
       <p:nvGrpSpPr>
@@ -7443,6 +8513,7 @@
           <a:bodyPr anchor="ctr">
             <a:noAutofit/>
           </a:bodyPr>
+          <a:lstStyle/>
           <a:p>
             <a:pPr>
               <a:lnSpc>
@@ -7450,7 +8521,7 @@
               </a:lnSpc>
             </a:pPr>
             <a:r>
-              <a:rPr b="0" lang="de-DE" sz="4400" spc="-1" strike="noStrike">
+              <a:rPr lang="de-DE" sz="4400" b="0" strike="noStrike" spc="-1">
                 <a:solidFill>
                   <a:srgbClr val="000000"/>
                 </a:solidFill>
@@ -7458,7 +8529,7 @@
               </a:rPr>
               <a:t>Core / Common  - SnakeCore</a:t>
             </a:r>
-            <a:endParaRPr b="0" lang="zxx" sz="4400" spc="-1" strike="noStrike">
+            <a:endParaRPr lang="zxx" sz="4400" b="0" strike="noStrike" spc="-1">
               <a:solidFill>
                 <a:srgbClr val="000000"/>
               </a:solidFill>
@@ -7490,6 +8561,7 @@
           <a:bodyPr>
             <a:noAutofit/>
           </a:bodyPr>
+          <a:lstStyle/>
           <a:p>
             <a:pPr marL="432000" indent="-324000">
               <a:spcBef>
@@ -7503,7 +8575,7 @@
               <a:buChar char=""/>
             </a:pPr>
             <a:r>
-              <a:rPr b="0" lang="de-DE" sz="2600" spc="-1" strike="noStrike">
+              <a:rPr lang="de-DE" sz="2600" b="0" strike="noStrike" spc="-1">
                 <a:solidFill>
                   <a:srgbClr val="000000"/>
                 </a:solidFill>
@@ -7511,15 +8583,9 @@
               </a:rPr>
               <a:t>ApplicationConstants / ProjectEndpoints</a:t>
             </a:r>
-            <a:endParaRPr b="0" lang="de-DE" sz="2600" spc="-1" strike="noStrike">
-              <a:solidFill>
-                <a:srgbClr val="000000"/>
-              </a:solidFill>
-              <a:latin typeface="Calibri"/>
-            </a:endParaRPr>
-          </a:p>
-          <a:p>
-            <a:pPr lvl="1" marL="864000" indent="-324000">
+          </a:p>
+          <a:p>
+            <a:pPr marL="864000" lvl="1" indent="-324000">
               <a:spcBef>
                 <a:spcPts val="1134"/>
               </a:spcBef>
@@ -7531,7 +8597,7 @@
               <a:buChar char=""/>
             </a:pPr>
             <a:r>
-              <a:rPr b="0" lang="de-DE" sz="1800" spc="-1" strike="noStrike">
+              <a:rPr lang="de-DE" sz="1800" b="0" strike="noStrike" spc="-1">
                 <a:solidFill>
                   <a:srgbClr val="000000"/>
                 </a:solidFill>
@@ -7539,12 +8605,6 @@
               </a:rPr>
               <a:t>String-Konstanten </a:t>
             </a:r>
-            <a:endParaRPr b="0" lang="de-DE" sz="1800" spc="-1" strike="noStrike">
-              <a:solidFill>
-                <a:srgbClr val="000000"/>
-              </a:solidFill>
-              <a:latin typeface="Calibri"/>
-            </a:endParaRPr>
           </a:p>
           <a:p>
             <a:pPr marL="432000" indent="-324000">
@@ -7559,7 +8619,7 @@
               <a:buChar char=""/>
             </a:pPr>
             <a:r>
-              <a:rPr b="0" lang="de-DE" sz="2600" spc="-1" strike="noStrike">
+              <a:rPr lang="de-DE" sz="2600" b="0" strike="noStrike" spc="-1">
                 <a:solidFill>
                   <a:srgbClr val="000000"/>
                 </a:solidFill>
@@ -7567,15 +8627,9 @@
               </a:rPr>
               <a:t>model</a:t>
             </a:r>
-            <a:endParaRPr b="0" lang="de-DE" sz="2600" spc="-1" strike="noStrike">
-              <a:solidFill>
-                <a:srgbClr val="000000"/>
-              </a:solidFill>
-              <a:latin typeface="Calibri"/>
-            </a:endParaRPr>
-          </a:p>
-          <a:p>
-            <a:pPr lvl="1" marL="864000" indent="-324000">
+          </a:p>
+          <a:p>
+            <a:pPr marL="864000" lvl="1" indent="-324000">
               <a:spcBef>
                 <a:spcPts val="1134"/>
               </a:spcBef>
@@ -7587,7 +8641,7 @@
               <a:buChar char=""/>
             </a:pPr>
             <a:r>
-              <a:rPr b="0" lang="de-DE" sz="1800" spc="-1" strike="noStrike">
+              <a:rPr lang="de-DE" sz="1800" b="0" strike="noStrike" spc="-1">
                 <a:solidFill>
                   <a:srgbClr val="000000"/>
                 </a:solidFill>
@@ -7595,12 +8649,6 @@
               </a:rPr>
               <a:t>Entitäten der Projektlandschaft</a:t>
             </a:r>
-            <a:endParaRPr b="0" lang="de-DE" sz="1800" spc="-1" strike="noStrike">
-              <a:solidFill>
-                <a:srgbClr val="000000"/>
-              </a:solidFill>
-              <a:latin typeface="Calibri"/>
-            </a:endParaRPr>
           </a:p>
           <a:p>
             <a:pPr marL="432000" indent="-324000">
@@ -7615,7 +8663,7 @@
               <a:buChar char=""/>
             </a:pPr>
             <a:r>
-              <a:rPr b="0" lang="de-DE" sz="2600" spc="-1" strike="noStrike">
+              <a:rPr lang="de-DE" sz="2600" b="0" strike="noStrike" spc="-1">
                 <a:solidFill>
                   <a:srgbClr val="000000"/>
                 </a:solidFill>
@@ -7623,15 +8671,9 @@
               </a:rPr>
               <a:t>game</a:t>
             </a:r>
-            <a:endParaRPr b="0" lang="de-DE" sz="2600" spc="-1" strike="noStrike">
-              <a:solidFill>
-                <a:srgbClr val="000000"/>
-              </a:solidFill>
-              <a:latin typeface="Calibri"/>
-            </a:endParaRPr>
-          </a:p>
-          <a:p>
-            <a:pPr lvl="1" marL="864000" indent="-324000">
+          </a:p>
+          <a:p>
+            <a:pPr marL="864000" lvl="1" indent="-324000">
               <a:spcBef>
                 <a:spcPts val="1134"/>
               </a:spcBef>
@@ -7643,7 +8685,7 @@
               <a:buChar char=""/>
             </a:pPr>
             <a:r>
-              <a:rPr b="0" lang="de-DE" sz="1800" spc="-1" strike="noStrike">
+              <a:rPr lang="de-DE" sz="1800" b="0" strike="noStrike" spc="-1">
                 <a:solidFill>
                   <a:srgbClr val="000000"/>
                 </a:solidFill>
@@ -7651,12 +8693,6 @@
               </a:rPr>
               <a:t>Entitäten bzgl. der Spiel-Laufzeit</a:t>
             </a:r>
-            <a:endParaRPr b="0" lang="de-DE" sz="1800" spc="-1" strike="noStrike">
-              <a:solidFill>
-                <a:srgbClr val="000000"/>
-              </a:solidFill>
-              <a:latin typeface="Calibri"/>
-            </a:endParaRPr>
           </a:p>
           <a:p>
             <a:pPr marL="432000" indent="-324000">
@@ -7671,7 +8707,7 @@
               <a:buChar char=""/>
             </a:pPr>
             <a:r>
-              <a:rPr b="0" lang="de-DE" sz="2600" spc="-1" strike="noStrike">
+              <a:rPr lang="de-DE" sz="2600" b="0" strike="noStrike" spc="-1">
                 <a:solidFill>
                   <a:srgbClr val="000000"/>
                 </a:solidFill>
@@ -7679,15 +8715,9 @@
               </a:rPr>
               <a:t>math</a:t>
             </a:r>
-            <a:endParaRPr b="0" lang="de-DE" sz="2600" spc="-1" strike="noStrike">
-              <a:solidFill>
-                <a:srgbClr val="000000"/>
-              </a:solidFill>
-              <a:latin typeface="Calibri"/>
-            </a:endParaRPr>
-          </a:p>
-          <a:p>
-            <a:pPr lvl="1" marL="864000" indent="-324000">
+          </a:p>
+          <a:p>
+            <a:pPr marL="864000" lvl="1" indent="-324000">
               <a:spcBef>
                 <a:spcPts val="1134"/>
               </a:spcBef>
@@ -7699,7 +8729,7 @@
               <a:buChar char=""/>
             </a:pPr>
             <a:r>
-              <a:rPr b="0" lang="de-DE" sz="1800" spc="-1" strike="noStrike">
+              <a:rPr lang="de-DE" sz="1800" b="0" strike="noStrike" spc="-1">
                 <a:solidFill>
                   <a:srgbClr val="000000"/>
                 </a:solidFill>
@@ -7707,12 +8737,6 @@
               </a:rPr>
               <a:t>Implementierung von gängigen (2d) Vektor-Operationen</a:t>
             </a:r>
-            <a:endParaRPr b="0" lang="de-DE" sz="1800" spc="-1" strike="noStrike">
-              <a:solidFill>
-                <a:srgbClr val="000000"/>
-              </a:solidFill>
-              <a:latin typeface="Calibri"/>
-            </a:endParaRPr>
           </a:p>
         </p:txBody>
       </p:sp>
@@ -7739,6 +8763,7 @@
           <a:bodyPr anchor="ctr">
             <a:noAutofit/>
           </a:bodyPr>
+          <a:lstStyle/>
           <a:p>
             <a:pPr algn="r">
               <a:lnSpc>
@@ -7746,15 +8771,15 @@
               </a:lnSpc>
             </a:pPr>
             <a:fld id="{55217DAC-0690-436C-826E-8007CF02F717}" type="slidenum">
-              <a:rPr b="0" lang="de-DE" sz="1200" spc="-1" strike="noStrike">
+              <a:rPr lang="de-DE" sz="1200" b="0" strike="noStrike" spc="-1">
                 <a:solidFill>
-                  <a:srgbClr val="8b8b8b"/>
+                  <a:srgbClr val="8B8B8B"/>
                 </a:solidFill>
                 <a:latin typeface="Calibri"/>
               </a:rPr>
-              <a:t>4</a:t>
+              <a:t>5</a:t>
             </a:fld>
-            <a:endParaRPr b="0" lang="zxx" sz="1200" spc="-1" strike="noStrike">
+            <a:endParaRPr lang="zxx" sz="1200" b="0" strike="noStrike" spc="-1">
               <a:latin typeface="Times New Roman"/>
             </a:endParaRPr>
           </a:p>
@@ -7762,13 +8787,13 @@
       </p:sp>
       <p:pic>
         <p:nvPicPr>
-          <p:cNvPr id="146" name="" descr=""/>
+          <p:cNvPr id="146" name="Grafik 145"/>
           <p:cNvPicPr/>
           <p:nvPr/>
         </p:nvPicPr>
         <p:blipFill>
-          <a:blip r:embed="rId1"/>
-          <a:srcRect l="21683" t="10122" r="0" b="46648"/>
+          <a:blip r:embed="rId2"/>
+          <a:srcRect l="21683" t="10122" b="46648"/>
           <a:stretch/>
         </p:blipFill>
         <p:spPr>
@@ -7786,19 +8811,14 @@
       </p:pic>
     </p:spTree>
   </p:cSld>
-  <mc:AlternateContent>
-    <mc:Choice Requires="p14">
-      <p:transition spd="slow" p14:dur="2000"/>
-    </mc:Choice>
-    <mc:Fallback>
-      <p:transition spd="slow"/>
-    </mc:Fallback>
-  </mc:AlternateContent>
+  <p:clrMapOvr>
+    <a:masterClrMapping/>
+  </p:clrMapOvr>
 </p:sld>
 </file>
 
 <file path=ppt/slides/slide6.xml><?xml version="1.0" encoding="utf-8"?>
-<p:sld xmlns:a="http://schemas.openxmlformats.org/drawingml/2006/main" xmlns:p="http://schemas.openxmlformats.org/presentationml/2006/main" xmlns:r="http://schemas.openxmlformats.org/officeDocument/2006/relationships" xmlns:p14="http://schemas.microsoft.com/office/powerpoint/2010/main" xmlns:p15="http://schemas.microsoft.com/office/powerpoint/2012/main" xmlns:mc="http://schemas.openxmlformats.org/markup-compatibility/2006">
+<p:sld xmlns:a="http://schemas.openxmlformats.org/drawingml/2006/main" xmlns:r="http://schemas.openxmlformats.org/officeDocument/2006/relationships" xmlns:p="http://schemas.openxmlformats.org/presentationml/2006/main">
   <p:cSld>
     <p:spTree>
       <p:nvGrpSpPr>
@@ -7837,6 +8857,7 @@
           <a:bodyPr anchor="ctr">
             <a:noAutofit/>
           </a:bodyPr>
+          <a:lstStyle/>
           <a:p>
             <a:pPr>
               <a:lnSpc>
@@ -7844,7 +8865,7 @@
               </a:lnSpc>
             </a:pPr>
             <a:r>
-              <a:rPr b="0" lang="de-DE" sz="4400" spc="-1" strike="noStrike">
+              <a:rPr lang="de-DE" sz="4400" b="0" strike="noStrike" spc="-1">
                 <a:solidFill>
                   <a:srgbClr val="000000"/>
                 </a:solidFill>
@@ -7852,7 +8873,7 @@
               </a:rPr>
               <a:t>Core / Common  - SnakeCore</a:t>
             </a:r>
-            <a:endParaRPr b="0" lang="zxx" sz="4400" spc="-1" strike="noStrike">
+            <a:endParaRPr lang="zxx" sz="4400" b="0" strike="noStrike" spc="-1">
               <a:solidFill>
                 <a:srgbClr val="000000"/>
               </a:solidFill>
@@ -7881,9 +8902,10 @@
           </a:ln>
         </p:spPr>
         <p:txBody>
-          <a:bodyPr lIns="0" rIns="0" tIns="0" bIns="0">
+          <a:bodyPr lIns="0" tIns="0" rIns="0" bIns="0">
             <a:normAutofit/>
           </a:bodyPr>
+          <a:lstStyle/>
           <a:p>
             <a:pPr marL="432000" indent="-324000">
               <a:spcBef>
@@ -7897,7 +8919,7 @@
               <a:buChar char=""/>
             </a:pPr>
             <a:r>
-              <a:rPr b="0" lang="de-DE" sz="2600" spc="-1" strike="noStrike">
+              <a:rPr lang="de-DE" sz="2600" b="0" strike="noStrike" spc="-1">
                 <a:solidFill>
                   <a:srgbClr val="000000"/>
                 </a:solidFill>
@@ -7905,15 +8927,9 @@
               </a:rPr>
               <a:t>Pattern</a:t>
             </a:r>
-            <a:endParaRPr b="0" lang="de-DE" sz="2600" spc="-1" strike="noStrike">
-              <a:solidFill>
-                <a:srgbClr val="000000"/>
-              </a:solidFill>
-              <a:latin typeface="Calibri"/>
-            </a:endParaRPr>
-          </a:p>
-          <a:p>
-            <a:pPr lvl="1" marL="864000" indent="-324000">
+          </a:p>
+          <a:p>
+            <a:pPr marL="864000" lvl="1" indent="-324000">
               <a:spcBef>
                 <a:spcPts val="1134"/>
               </a:spcBef>
@@ -7925,7 +8941,7 @@
               <a:buChar char=""/>
             </a:pPr>
             <a:r>
-              <a:rPr b="0" lang="de-DE" sz="1800" spc="-1" strike="noStrike">
+              <a:rPr lang="de-DE" sz="1800" b="0" strike="noStrike" spc="-1">
                 <a:solidFill>
                   <a:srgbClr val="000000"/>
                 </a:solidFill>
@@ -7933,12 +8949,6 @@
               </a:rPr>
               <a:t>Implementierung der Design-Pattern</a:t>
             </a:r>
-            <a:endParaRPr b="0" lang="de-DE" sz="1800" spc="-1" strike="noStrike">
-              <a:solidFill>
-                <a:srgbClr val="000000"/>
-              </a:solidFill>
-              <a:latin typeface="Calibri"/>
-            </a:endParaRPr>
           </a:p>
           <a:p>
             <a:pPr marL="432000" indent="-324000">
@@ -7953,7 +8963,7 @@
               <a:buChar char=""/>
             </a:pPr>
             <a:r>
-              <a:rPr b="0" lang="de-DE" sz="2600" spc="-1" strike="noStrike">
+              <a:rPr lang="de-DE" sz="2600" b="0" strike="noStrike" spc="-1">
                 <a:solidFill>
                   <a:srgbClr val="000000"/>
                 </a:solidFill>
@@ -7961,15 +8971,9 @@
               </a:rPr>
               <a:t>Util</a:t>
             </a:r>
-            <a:endParaRPr b="0" lang="de-DE" sz="2600" spc="-1" strike="noStrike">
-              <a:solidFill>
-                <a:srgbClr val="000000"/>
-              </a:solidFill>
-              <a:latin typeface="Calibri"/>
-            </a:endParaRPr>
-          </a:p>
-          <a:p>
-            <a:pPr lvl="1" marL="864000" indent="-324000">
+          </a:p>
+          <a:p>
+            <a:pPr marL="864000" lvl="1" indent="-324000">
               <a:spcBef>
                 <a:spcPts val="1134"/>
               </a:spcBef>
@@ -7981,7 +8985,7 @@
               <a:buChar char=""/>
             </a:pPr>
             <a:r>
-              <a:rPr b="0" lang="de-DE" sz="1800" spc="-1" strike="noStrike">
+              <a:rPr lang="de-DE" sz="1800" b="0" strike="noStrike" spc="-1">
                 <a:solidFill>
                   <a:srgbClr val="000000"/>
                 </a:solidFill>
@@ -7989,15 +8993,9 @@
               </a:rPr>
               <a:t>Hilfsklassen: GameResources verwaltet Bilder &amp; Sounds</a:t>
             </a:r>
-            <a:endParaRPr b="0" lang="de-DE" sz="1800" spc="-1" strike="noStrike">
-              <a:solidFill>
-                <a:srgbClr val="000000"/>
-              </a:solidFill>
-              <a:latin typeface="Calibri"/>
-            </a:endParaRPr>
-          </a:p>
-          <a:p>
-            <a:pPr lvl="1" marL="864000" indent="-324000">
+          </a:p>
+          <a:p>
+            <a:pPr marL="864000" lvl="1" indent="-324000">
               <a:spcBef>
                 <a:spcPts val="1134"/>
               </a:spcBef>
@@ -8009,7 +9007,7 @@
               <a:buChar char=""/>
             </a:pPr>
             <a:r>
-              <a:rPr b="0" lang="de-DE" sz="1800" spc="-1" strike="noStrike">
+              <a:rPr lang="de-DE" sz="1800" b="0" strike="noStrike" spc="-1">
                 <a:solidFill>
                   <a:srgbClr val="000000"/>
                 </a:solidFill>
@@ -8017,12 +9015,6 @@
               </a:rPr>
               <a:t>RNG (Random Number Generator): Klasse zur Erzeugung von Zufallszahlen</a:t>
             </a:r>
-            <a:endParaRPr b="0" lang="de-DE" sz="1800" spc="-1" strike="noStrike">
-              <a:solidFill>
-                <a:srgbClr val="000000"/>
-              </a:solidFill>
-              <a:latin typeface="Calibri"/>
-            </a:endParaRPr>
           </a:p>
           <a:p>
             <a:pPr marL="432000" indent="-324000">
@@ -8037,7 +9029,7 @@
               <a:buChar char=""/>
             </a:pPr>
             <a:r>
-              <a:rPr b="0" lang="de-DE" sz="2600" spc="-1" strike="noStrike">
+              <a:rPr lang="de-DE" sz="2600" b="0" strike="noStrike" spc="-1">
                 <a:solidFill>
                   <a:srgbClr val="000000"/>
                 </a:solidFill>
@@ -8045,15 +9037,9 @@
               </a:rPr>
               <a:t>ws.client</a:t>
             </a:r>
-            <a:endParaRPr b="0" lang="de-DE" sz="2600" spc="-1" strike="noStrike">
-              <a:solidFill>
-                <a:srgbClr val="000000"/>
-              </a:solidFill>
-              <a:latin typeface="Calibri"/>
-            </a:endParaRPr>
-          </a:p>
-          <a:p>
-            <a:pPr lvl="1" marL="864000" indent="-324000">
+          </a:p>
+          <a:p>
+            <a:pPr marL="864000" lvl="1" indent="-324000">
               <a:spcBef>
                 <a:spcPts val="1134"/>
               </a:spcBef>
@@ -8065,7 +9051,7 @@
               <a:buChar char=""/>
             </a:pPr>
             <a:r>
-              <a:rPr b="0" lang="de-DE" sz="1800" spc="-1" strike="noStrike">
+              <a:rPr lang="de-DE" sz="1800" b="0" strike="noStrike" spc="-1">
                 <a:solidFill>
                   <a:srgbClr val="000000"/>
                 </a:solidFill>
@@ -8073,12 +9059,6 @@
               </a:rPr>
               <a:t>Implementierung des Stomp-Clients, TestApp, ...</a:t>
             </a:r>
-            <a:endParaRPr b="0" lang="de-DE" sz="1800" spc="-1" strike="noStrike">
-              <a:solidFill>
-                <a:srgbClr val="000000"/>
-              </a:solidFill>
-              <a:latin typeface="Calibri"/>
-            </a:endParaRPr>
           </a:p>
           <a:p>
             <a:pPr marL="432000" indent="-324000">
@@ -8093,7 +9073,7 @@
               <a:buChar char=""/>
             </a:pPr>
             <a:r>
-              <a:rPr b="0" lang="de-DE" sz="2800" spc="-1" strike="noStrike">
+              <a:rPr lang="de-DE" sz="2800" b="0" strike="noStrike" spc="-1">
                 <a:solidFill>
                   <a:srgbClr val="000000"/>
                 </a:solidFill>
@@ -8101,15 +9081,9 @@
               </a:rPr>
               <a:t>ws.model</a:t>
             </a:r>
-            <a:endParaRPr b="0" lang="de-DE" sz="2800" spc="-1" strike="noStrike">
-              <a:solidFill>
-                <a:srgbClr val="000000"/>
-              </a:solidFill>
-              <a:latin typeface="Calibri"/>
-            </a:endParaRPr>
-          </a:p>
-          <a:p>
-            <a:pPr lvl="1" marL="864000" indent="-324000">
+          </a:p>
+          <a:p>
+            <a:pPr marL="864000" lvl="1" indent="-324000">
               <a:spcBef>
                 <a:spcPts val="1134"/>
               </a:spcBef>
@@ -8121,7 +9095,7 @@
               <a:buChar char=""/>
             </a:pPr>
             <a:r>
-              <a:rPr b="0" lang="de-DE" sz="2000" spc="-1" strike="noStrike">
+              <a:rPr lang="de-DE" sz="2000" b="0" strike="noStrike" spc="-1">
                 <a:solidFill>
                   <a:srgbClr val="000000"/>
                 </a:solidFill>
@@ -8129,12 +9103,6 @@
               </a:rPr>
               <a:t>Entitäten d. Nachrichtenaustauschs </a:t>
             </a:r>
-            <a:endParaRPr b="0" lang="de-DE" sz="2000" spc="-1" strike="noStrike">
-              <a:solidFill>
-                <a:srgbClr val="000000"/>
-              </a:solidFill>
-              <a:latin typeface="Calibri"/>
-            </a:endParaRPr>
           </a:p>
         </p:txBody>
       </p:sp>
@@ -8161,6 +9129,7 @@
           <a:bodyPr anchor="ctr">
             <a:noAutofit/>
           </a:bodyPr>
+          <a:lstStyle/>
           <a:p>
             <a:pPr algn="r">
               <a:lnSpc>
@@ -8168,15 +9137,15 @@
               </a:lnSpc>
             </a:pPr>
             <a:fld id="{370157C3-FEB8-42AE-98FB-7CFDA30B6191}" type="slidenum">
-              <a:rPr b="0" lang="de-DE" sz="1200" spc="-1" strike="noStrike">
+              <a:rPr lang="de-DE" sz="1200" b="0" strike="noStrike" spc="-1">
                 <a:solidFill>
-                  <a:srgbClr val="8b8b8b"/>
+                  <a:srgbClr val="8B8B8B"/>
                 </a:solidFill>
                 <a:latin typeface="Calibri"/>
               </a:rPr>
               <a:t>6</a:t>
             </a:fld>
-            <a:endParaRPr b="0" lang="zxx" sz="1200" spc="-1" strike="noStrike">
+            <a:endParaRPr lang="zxx" sz="1200" b="0" strike="noStrike" spc="-1">
               <a:latin typeface="Times New Roman"/>
             </a:endParaRPr>
           </a:p>
@@ -8184,13 +9153,13 @@
       </p:sp>
       <p:pic>
         <p:nvPicPr>
-          <p:cNvPr id="150" name="" descr=""/>
+          <p:cNvPr id="150" name="Grafik 149"/>
           <p:cNvPicPr/>
           <p:nvPr/>
         </p:nvPicPr>
         <p:blipFill>
-          <a:blip r:embed="rId1"/>
-          <a:srcRect l="21683" t="53269" r="0" b="5126"/>
+          <a:blip r:embed="rId2"/>
+          <a:srcRect l="21683" t="53269" b="5126"/>
           <a:stretch/>
         </p:blipFill>
         <p:spPr>
@@ -8208,19 +9177,14 @@
       </p:pic>
     </p:spTree>
   </p:cSld>
-  <mc:AlternateContent>
-    <mc:Choice Requires="p14">
-      <p:transition spd="slow" p14:dur="2000"/>
-    </mc:Choice>
-    <mc:Fallback>
-      <p:transition spd="slow"/>
-    </mc:Fallback>
-  </mc:AlternateContent>
+  <p:clrMapOvr>
+    <a:masterClrMapping/>
+  </p:clrMapOvr>
 </p:sld>
 </file>
 
 <file path=ppt/slides/slide7.xml><?xml version="1.0" encoding="utf-8"?>
-<p:sld xmlns:a="http://schemas.openxmlformats.org/drawingml/2006/main" xmlns:p="http://schemas.openxmlformats.org/presentationml/2006/main" xmlns:r="http://schemas.openxmlformats.org/officeDocument/2006/relationships" xmlns:p14="http://schemas.microsoft.com/office/powerpoint/2010/main" xmlns:p15="http://schemas.microsoft.com/office/powerpoint/2012/main" xmlns:mc="http://schemas.openxmlformats.org/markup-compatibility/2006">
+<p:sld xmlns:a="http://schemas.openxmlformats.org/drawingml/2006/main" xmlns:r="http://schemas.openxmlformats.org/officeDocument/2006/relationships" xmlns:p="http://schemas.openxmlformats.org/presentationml/2006/main">
   <p:cSld>
     <p:spTree>
       <p:nvGrpSpPr>
@@ -8259,6 +9223,7 @@
           <a:bodyPr anchor="ctr">
             <a:noAutofit/>
           </a:bodyPr>
+          <a:lstStyle/>
           <a:p>
             <a:pPr>
               <a:lnSpc>
@@ -8266,7 +9231,7 @@
               </a:lnSpc>
             </a:pPr>
             <a:r>
-              <a:rPr b="0" lang="de-DE" sz="4400" spc="-1" strike="noStrike">
+              <a:rPr lang="de-DE" sz="4400" b="0" strike="noStrike" spc="-1">
                 <a:solidFill>
                   <a:srgbClr val="000000"/>
                 </a:solidFill>
@@ -8274,7 +9239,7 @@
               </a:rPr>
               <a:t>Backend  - SnakeServer</a:t>
             </a:r>
-            <a:endParaRPr b="0" lang="zxx" sz="4400" spc="-1" strike="noStrike">
+            <a:endParaRPr lang="zxx" sz="4400" b="0" strike="noStrike" spc="-1">
               <a:solidFill>
                 <a:srgbClr val="000000"/>
               </a:solidFill>
@@ -8303,9 +9268,10 @@
           </a:ln>
         </p:spPr>
         <p:txBody>
-          <a:bodyPr lIns="0" rIns="0" tIns="0" bIns="0">
+          <a:bodyPr lIns="0" tIns="0" rIns="0" bIns="0">
             <a:normAutofit/>
           </a:bodyPr>
+          <a:lstStyle/>
           <a:p>
             <a:pPr marL="432000" indent="-324000">
               <a:spcBef>
@@ -8319,7 +9285,7 @@
               <a:buChar char=""/>
             </a:pPr>
             <a:r>
-              <a:rPr b="0" lang="de-DE" sz="3200" spc="-1" strike="noStrike">
+              <a:rPr lang="de-DE" sz="3200" b="0" strike="noStrike" spc="-1">
                 <a:solidFill>
                   <a:srgbClr val="000000"/>
                 </a:solidFill>
@@ -8329,7 +9295,7 @@
             </a:r>
             <a:br/>
             <a:r>
-              <a:rPr b="0" lang="de-DE" sz="3200" spc="-1" strike="noStrike">
+              <a:rPr lang="de-DE" sz="3200" b="0" strike="noStrike" spc="-1">
                 <a:solidFill>
                   <a:srgbClr val="000000"/>
                 </a:solidFill>
@@ -8337,12 +9303,6 @@
               </a:rPr>
               <a:t> </a:t>
             </a:r>
-            <a:endParaRPr b="0" lang="de-DE" sz="3200" spc="-1" strike="noStrike">
-              <a:solidFill>
-                <a:srgbClr val="000000"/>
-              </a:solidFill>
-              <a:latin typeface="Calibri"/>
-            </a:endParaRPr>
           </a:p>
           <a:p>
             <a:pPr marL="432000" indent="-324000">
@@ -8357,7 +9317,7 @@
               <a:buChar char=""/>
             </a:pPr>
             <a:r>
-              <a:rPr b="0" lang="de-DE" sz="3200" spc="-1" strike="noStrike">
+              <a:rPr lang="de-DE" sz="3200" b="0" strike="noStrike" spc="-1">
                 <a:solidFill>
                   <a:srgbClr val="000000"/>
                 </a:solidFill>
@@ -8367,7 +9327,7 @@
             </a:r>
             <a:br/>
             <a:r>
-              <a:rPr b="0" lang="de-DE" sz="3200" spc="-1" strike="noStrike">
+              <a:rPr lang="de-DE" sz="3200" b="0" strike="noStrike" spc="-1">
                 <a:solidFill>
                   <a:srgbClr val="000000"/>
                 </a:solidFill>
@@ -8375,12 +9335,6 @@
               </a:rPr>
               <a:t> </a:t>
             </a:r>
-            <a:endParaRPr b="0" lang="de-DE" sz="3200" spc="-1" strike="noStrike">
-              <a:solidFill>
-                <a:srgbClr val="000000"/>
-              </a:solidFill>
-              <a:latin typeface="Calibri"/>
-            </a:endParaRPr>
           </a:p>
           <a:p>
             <a:pPr marL="432000" indent="-324000">
@@ -8395,7 +9349,7 @@
               <a:buChar char=""/>
             </a:pPr>
             <a:r>
-              <a:rPr b="0" lang="de-DE" sz="3200" spc="-1" strike="noStrike">
+              <a:rPr lang="de-DE" sz="3200" b="0" strike="noStrike" spc="-1">
                 <a:solidFill>
                   <a:srgbClr val="000000"/>
                 </a:solidFill>
@@ -8405,7 +9359,7 @@
             </a:r>
             <a:br/>
             <a:r>
-              <a:rPr b="0" lang="de-DE" sz="3200" spc="-1" strike="noStrike">
+              <a:rPr lang="de-DE" sz="3200" b="0" strike="noStrike" spc="-1">
                 <a:solidFill>
                   <a:srgbClr val="000000"/>
                 </a:solidFill>
@@ -8413,12 +9367,6 @@
               </a:rPr>
               <a:t> </a:t>
             </a:r>
-            <a:endParaRPr b="0" lang="de-DE" sz="3200" spc="-1" strike="noStrike">
-              <a:solidFill>
-                <a:srgbClr val="000000"/>
-              </a:solidFill>
-              <a:latin typeface="Calibri"/>
-            </a:endParaRPr>
           </a:p>
           <a:p>
             <a:pPr marL="432000" indent="-324000">
@@ -8433,7 +9381,7 @@
               <a:buChar char=""/>
             </a:pPr>
             <a:r>
-              <a:rPr b="0" lang="de-DE" sz="3200" spc="-1" strike="noStrike">
+              <a:rPr lang="de-DE" sz="3200" b="0" strike="noStrike" spc="-1">
                 <a:solidFill>
                   <a:srgbClr val="000000"/>
                 </a:solidFill>
@@ -8441,12 +9389,6 @@
               </a:rPr>
               <a:t>Spring Web (HTTP, RESTful Webservices, …)</a:t>
             </a:r>
-            <a:endParaRPr b="0" lang="de-DE" sz="3200" spc="-1" strike="noStrike">
-              <a:solidFill>
-                <a:srgbClr val="000000"/>
-              </a:solidFill>
-              <a:latin typeface="Calibri"/>
-            </a:endParaRPr>
           </a:p>
         </p:txBody>
       </p:sp>
@@ -8473,6 +9415,7 @@
           <a:bodyPr anchor="ctr">
             <a:noAutofit/>
           </a:bodyPr>
+          <a:lstStyle/>
           <a:p>
             <a:pPr algn="r">
               <a:lnSpc>
@@ -8480,15 +9423,15 @@
               </a:lnSpc>
             </a:pPr>
             <a:fld id="{10986C2A-0A1F-4DCC-914F-45F1E000C499}" type="slidenum">
-              <a:rPr b="0" lang="de-DE" sz="1200" spc="-1" strike="noStrike">
+              <a:rPr lang="de-DE" sz="1200" b="0" strike="noStrike" spc="-1">
                 <a:solidFill>
-                  <a:srgbClr val="8b8b8b"/>
+                  <a:srgbClr val="8B8B8B"/>
                 </a:solidFill>
                 <a:latin typeface="Calibri"/>
               </a:rPr>
               <a:t>7</a:t>
             </a:fld>
-            <a:endParaRPr b="0" lang="zxx" sz="1200" spc="-1" strike="noStrike">
+            <a:endParaRPr lang="zxx" sz="1200" b="0" strike="noStrike" spc="-1">
               <a:latin typeface="Times New Roman"/>
             </a:endParaRPr>
           </a:p>
@@ -8496,30 +9439,7 @@
       </p:sp>
       <p:pic>
         <p:nvPicPr>
-          <p:cNvPr id="154" name="" descr=""/>
-          <p:cNvPicPr/>
-          <p:nvPr/>
-        </p:nvPicPr>
-        <p:blipFill>
-          <a:blip r:embed="rId1"/>
-          <a:stretch/>
-        </p:blipFill>
-        <p:spPr>
-          <a:xfrm>
-            <a:off x="8623440" y="1541880"/>
-            <a:ext cx="3015360" cy="978120"/>
-          </a:xfrm>
-          <a:prstGeom prst="rect">
-            <a:avLst/>
-          </a:prstGeom>
-          <a:ln w="0">
-            <a:noFill/>
-          </a:ln>
-        </p:spPr>
-      </p:pic>
-      <p:pic>
-        <p:nvPicPr>
-          <p:cNvPr id="155" name="" descr=""/>
+          <p:cNvPr id="154" name="Grafik 153"/>
           <p:cNvPicPr/>
           <p:nvPr/>
         </p:nvPicPr>
@@ -8529,8 +9449,8 @@
         </p:blipFill>
         <p:spPr>
           <a:xfrm>
-            <a:off x="10800000" y="2805840"/>
-            <a:ext cx="1121760" cy="614160"/>
+            <a:off x="8623440" y="1541880"/>
+            <a:ext cx="3015360" cy="978120"/>
           </a:xfrm>
           <a:prstGeom prst="rect">
             <a:avLst/>
@@ -8542,7 +9462,7 @@
       </p:pic>
       <p:pic>
         <p:nvPicPr>
-          <p:cNvPr id="156" name="" descr=""/>
+          <p:cNvPr id="155" name="Grafik 154"/>
           <p:cNvPicPr/>
           <p:nvPr/>
         </p:nvPicPr>
@@ -8552,8 +9472,8 @@
         </p:blipFill>
         <p:spPr>
           <a:xfrm>
-            <a:off x="8674920" y="3798360"/>
-            <a:ext cx="3025080" cy="701640"/>
+            <a:off x="10800000" y="2805840"/>
+            <a:ext cx="1121760" cy="614160"/>
           </a:xfrm>
           <a:prstGeom prst="rect">
             <a:avLst/>
@@ -8565,7 +9485,7 @@
       </p:pic>
       <p:pic>
         <p:nvPicPr>
-          <p:cNvPr id="157" name="" descr=""/>
+          <p:cNvPr id="156" name="Grafik 155"/>
           <p:cNvPicPr/>
           <p:nvPr/>
         </p:nvPicPr>
@@ -8575,8 +9495,8 @@
         </p:blipFill>
         <p:spPr>
           <a:xfrm>
-            <a:off x="7587360" y="2805840"/>
-            <a:ext cx="3032640" cy="654480"/>
+            <a:off x="8674920" y="3798360"/>
+            <a:ext cx="3025080" cy="701640"/>
           </a:xfrm>
           <a:prstGeom prst="rect">
             <a:avLst/>
@@ -8586,21 +9506,39 @@
           </a:ln>
         </p:spPr>
       </p:pic>
+      <p:pic>
+        <p:nvPicPr>
+          <p:cNvPr id="157" name="Grafik 156"/>
+          <p:cNvPicPr/>
+          <p:nvPr/>
+        </p:nvPicPr>
+        <p:blipFill>
+          <a:blip r:embed="rId5"/>
+          <a:stretch/>
+        </p:blipFill>
+        <p:spPr>
+          <a:xfrm>
+            <a:off x="7587360" y="2805840"/>
+            <a:ext cx="3032640" cy="654480"/>
+          </a:xfrm>
+          <a:prstGeom prst="rect">
+            <a:avLst/>
+          </a:prstGeom>
+          <a:ln w="0">
+            <a:noFill/>
+          </a:ln>
+        </p:spPr>
+      </p:pic>
     </p:spTree>
   </p:cSld>
-  <mc:AlternateContent>
-    <mc:Choice Requires="p14">
-      <p:transition spd="slow" p14:dur="2000"/>
-    </mc:Choice>
-    <mc:Fallback>
-      <p:transition spd="slow"/>
-    </mc:Fallback>
-  </mc:AlternateContent>
+  <p:clrMapOvr>
+    <a:masterClrMapping/>
+  </p:clrMapOvr>
 </p:sld>
 </file>
 
 <file path=ppt/slides/slide8.xml><?xml version="1.0" encoding="utf-8"?>
-<p:sld xmlns:a="http://schemas.openxmlformats.org/drawingml/2006/main" xmlns:p="http://schemas.openxmlformats.org/presentationml/2006/main" xmlns:r="http://schemas.openxmlformats.org/officeDocument/2006/relationships" xmlns:p14="http://schemas.microsoft.com/office/powerpoint/2010/main" xmlns:p15="http://schemas.microsoft.com/office/powerpoint/2012/main" xmlns:mc="http://schemas.openxmlformats.org/markup-compatibility/2006">
+<p:sld xmlns:a="http://schemas.openxmlformats.org/drawingml/2006/main" xmlns:r="http://schemas.openxmlformats.org/officeDocument/2006/relationships" xmlns:p="http://schemas.openxmlformats.org/presentationml/2006/main">
   <p:cSld>
     <p:spTree>
       <p:nvGrpSpPr>
@@ -8639,6 +9577,7 @@
           <a:bodyPr anchor="ctr">
             <a:noAutofit/>
           </a:bodyPr>
+          <a:lstStyle/>
           <a:p>
             <a:pPr>
               <a:lnSpc>
@@ -8646,7 +9585,7 @@
               </a:lnSpc>
             </a:pPr>
             <a:r>
-              <a:rPr b="0" lang="de-DE" sz="4400" spc="-1" strike="noStrike">
+              <a:rPr lang="de-DE" sz="4400" b="0" strike="noStrike" spc="-1">
                 <a:solidFill>
                   <a:srgbClr val="000000"/>
                 </a:solidFill>
@@ -8654,7 +9593,7 @@
               </a:rPr>
               <a:t>Kommunikation</a:t>
             </a:r>
-            <a:endParaRPr b="0" lang="zxx" sz="4400" spc="-1" strike="noStrike">
+            <a:endParaRPr lang="zxx" sz="4400" b="0" strike="noStrike" spc="-1">
               <a:solidFill>
                 <a:srgbClr val="000000"/>
               </a:solidFill>
@@ -8686,6 +9625,7 @@
           <a:bodyPr>
             <a:noAutofit/>
           </a:bodyPr>
+          <a:lstStyle/>
           <a:p>
             <a:pPr marL="228600" indent="-228240">
               <a:lnSpc>
@@ -8701,7 +9641,7 @@
               <a:buChar char="•"/>
             </a:pPr>
             <a:r>
-              <a:rPr b="0" lang="de-DE" sz="2800" spc="-1" strike="noStrike">
+              <a:rPr lang="de-DE" sz="2800" b="0" strike="noStrike" spc="-1">
                 <a:solidFill>
                   <a:srgbClr val="000000"/>
                 </a:solidFill>
@@ -8709,7 +9649,7 @@
               </a:rPr>
               <a:t>HTTP &lt;-&gt; RESTful Webservices</a:t>
             </a:r>
-            <a:endParaRPr b="0" lang="zxx" sz="2800" spc="-1" strike="noStrike">
+            <a:endParaRPr lang="zxx" sz="2800" b="0" strike="noStrike" spc="-1">
               <a:solidFill>
                 <a:srgbClr val="000000"/>
               </a:solidFill>
@@ -8731,7 +9671,7 @@
               <a:buChar char="•"/>
             </a:pPr>
             <a:r>
-              <a:rPr b="0" lang="de-DE" sz="2800" spc="-1" strike="noStrike">
+              <a:rPr lang="de-DE" sz="2800" b="0" strike="noStrike" spc="-1">
                 <a:solidFill>
                   <a:srgbClr val="000000"/>
                 </a:solidFill>
@@ -8739,7 +9679,7 @@
               </a:rPr>
               <a:t>STOMP &lt;-&gt; WebSockets</a:t>
             </a:r>
-            <a:endParaRPr b="0" lang="zxx" sz="2800" spc="-1" strike="noStrike">
+            <a:endParaRPr lang="zxx" sz="2800" b="0" strike="noStrike" spc="-1">
               <a:solidFill>
                 <a:srgbClr val="000000"/>
               </a:solidFill>
@@ -8761,7 +9701,7 @@
               <a:buChar char="•"/>
             </a:pPr>
             <a:r>
-              <a:rPr b="0" lang="de-DE" sz="2800" spc="-1" strike="noStrike">
+              <a:rPr lang="de-DE" sz="2800" b="0" strike="noStrike" spc="-1">
                 <a:solidFill>
                   <a:srgbClr val="000000"/>
                 </a:solidFill>
@@ -8769,7 +9709,7 @@
               </a:rPr>
               <a:t>Spring Data Messaging</a:t>
             </a:r>
-            <a:endParaRPr b="0" lang="zxx" sz="2800" spc="-1" strike="noStrike">
+            <a:endParaRPr lang="zxx" sz="2800" b="0" strike="noStrike" spc="-1">
               <a:solidFill>
                 <a:srgbClr val="000000"/>
               </a:solidFill>
@@ -8801,6 +9741,7 @@
           <a:bodyPr anchor="ctr">
             <a:noAutofit/>
           </a:bodyPr>
+          <a:lstStyle/>
           <a:p>
             <a:pPr algn="r">
               <a:lnSpc>
@@ -8808,15 +9749,15 @@
               </a:lnSpc>
             </a:pPr>
             <a:fld id="{78ECE22C-7D64-406C-B284-71A71B517490}" type="slidenum">
-              <a:rPr b="0" lang="de-DE" sz="1200" spc="-1" strike="noStrike">
+              <a:rPr lang="de-DE" sz="1200" b="0" strike="noStrike" spc="-1">
                 <a:solidFill>
-                  <a:srgbClr val="8b8b8b"/>
+                  <a:srgbClr val="8B8B8B"/>
                 </a:solidFill>
                 <a:latin typeface="Calibri"/>
               </a:rPr>
-              <a:t>&lt;Foliennummer&gt;</a:t>
+              <a:t>8</a:t>
             </a:fld>
-            <a:endParaRPr b="0" lang="zxx" sz="1200" spc="-1" strike="noStrike">
+            <a:endParaRPr lang="zxx" sz="1200" b="0" strike="noStrike" spc="-1">
               <a:latin typeface="Times New Roman"/>
             </a:endParaRPr>
           </a:p>
@@ -8824,19 +9765,14 @@
       </p:sp>
     </p:spTree>
   </p:cSld>
-  <mc:AlternateContent>
-    <mc:Choice Requires="p14">
-      <p:transition spd="slow" p14:dur="2000"/>
-    </mc:Choice>
-    <mc:Fallback>
-      <p:transition spd="slow"/>
-    </mc:Fallback>
-  </mc:AlternateContent>
+  <p:clrMapOvr>
+    <a:masterClrMapping/>
+  </p:clrMapOvr>
 </p:sld>
 </file>
 
 <file path=ppt/slides/slide9.xml><?xml version="1.0" encoding="utf-8"?>
-<p:sld xmlns:a="http://schemas.openxmlformats.org/drawingml/2006/main" xmlns:p="http://schemas.openxmlformats.org/presentationml/2006/main" xmlns:r="http://schemas.openxmlformats.org/officeDocument/2006/relationships" xmlns:p14="http://schemas.microsoft.com/office/powerpoint/2010/main" xmlns:p15="http://schemas.microsoft.com/office/powerpoint/2012/main" xmlns:mc="http://schemas.openxmlformats.org/markup-compatibility/2006">
+<p:sld xmlns:a="http://schemas.openxmlformats.org/drawingml/2006/main" xmlns:r="http://schemas.openxmlformats.org/officeDocument/2006/relationships" xmlns:p="http://schemas.openxmlformats.org/presentationml/2006/main">
   <p:cSld>
     <p:spTree>
       <p:nvGrpSpPr>
@@ -8875,6 +9811,7 @@
           <a:bodyPr anchor="ctr">
             <a:noAutofit/>
           </a:bodyPr>
+          <a:lstStyle/>
           <a:p>
             <a:pPr>
               <a:lnSpc>
@@ -8882,7 +9819,7 @@
               </a:lnSpc>
             </a:pPr>
             <a:r>
-              <a:rPr b="0" lang="de-DE" sz="4400" spc="-1" strike="noStrike">
+              <a:rPr lang="de-DE" sz="4400" b="0" strike="noStrike" spc="-1">
                 <a:solidFill>
                   <a:srgbClr val="000000"/>
                 </a:solidFill>
@@ -8890,7 +9827,7 @@
               </a:rPr>
               <a:t>Frontend  - SnakeFX</a:t>
             </a:r>
-            <a:endParaRPr b="0" lang="zxx" sz="4400" spc="-1" strike="noStrike">
+            <a:endParaRPr lang="zxx" sz="4400" b="0" strike="noStrike" spc="-1">
               <a:solidFill>
                 <a:srgbClr val="000000"/>
               </a:solidFill>
@@ -8922,6 +9859,7 @@
           <a:bodyPr>
             <a:normAutofit/>
           </a:bodyPr>
+          <a:lstStyle/>
           <a:p>
             <a:pPr marL="228600" indent="-228240">
               <a:lnSpc>
@@ -8937,7 +9875,7 @@
               <a:buChar char="•"/>
             </a:pPr>
             <a:r>
-              <a:rPr b="0" lang="de-DE" sz="2800" spc="-1" strike="noStrike">
+              <a:rPr lang="de-DE" sz="2800" b="0" strike="noStrike" spc="-1">
                 <a:solidFill>
                   <a:srgbClr val="000000"/>
                 </a:solidFill>
@@ -8945,7 +9883,7 @@
               </a:rPr>
               <a:t>In JavaFX implementiert</a:t>
             </a:r>
-            <a:endParaRPr b="0" lang="zxx" sz="2800" spc="-1" strike="noStrike">
+            <a:endParaRPr lang="zxx" sz="2800" b="0" strike="noStrike" spc="-1">
               <a:solidFill>
                 <a:srgbClr val="000000"/>
               </a:solidFill>
@@ -8967,7 +9905,7 @@
               <a:buChar char="•"/>
             </a:pPr>
             <a:r>
-              <a:rPr b="0" lang="de-DE" sz="2800" spc="-1" strike="noStrike">
+              <a:rPr lang="de-DE" sz="2800" b="0" strike="noStrike" spc="-1">
                 <a:solidFill>
                   <a:srgbClr val="000000"/>
                 </a:solidFill>
@@ -8975,7 +9913,7 @@
               </a:rPr>
               <a:t>Vererbungshierarchien zwischen Controller</a:t>
             </a:r>
-            <a:endParaRPr b="0" lang="zxx" sz="2800" spc="-1" strike="noStrike">
+            <a:endParaRPr lang="zxx" sz="2800" b="0" strike="noStrike" spc="-1">
               <a:solidFill>
                 <a:srgbClr val="000000"/>
               </a:solidFill>
@@ -8997,7 +9935,7 @@
               <a:buChar char="•"/>
             </a:pPr>
             <a:r>
-              <a:rPr b="0" lang="de-DE" sz="2800" spc="-1" strike="noStrike">
+              <a:rPr lang="de-DE" sz="2800" b="0" strike="noStrike" spc="-1">
                 <a:solidFill>
                   <a:srgbClr val="000000"/>
                 </a:solidFill>
@@ -9005,7 +9943,7 @@
               </a:rPr>
               <a:t>Nutzt Dependency Injection (DI) für Views in Controllern</a:t>
             </a:r>
-            <a:endParaRPr b="0" lang="zxx" sz="2800" spc="-1" strike="noStrike">
+            <a:endParaRPr lang="zxx" sz="2800" b="0" strike="noStrike" spc="-1">
               <a:solidFill>
                 <a:srgbClr val="000000"/>
               </a:solidFill>
@@ -9027,7 +9965,7 @@
               <a:buChar char="•"/>
             </a:pPr>
             <a:r>
-              <a:rPr b="0" lang="de-DE" sz="2800" spc="-1" strike="noStrike">
+              <a:rPr lang="de-DE" sz="2800" b="0" strike="noStrike" spc="-1">
                 <a:solidFill>
                   <a:srgbClr val="000000"/>
                 </a:solidFill>
@@ -9035,15 +9973,15 @@
               </a:rPr>
               <a:t>Besitzt Zugriff auf STOMP-Client Impl.</a:t>
             </a:r>
-            <a:endParaRPr b="0" lang="zxx" sz="2800" spc="-1" strike="noStrike">
-              <a:solidFill>
-                <a:srgbClr val="000000"/>
-              </a:solidFill>
-              <a:latin typeface="Calibri"/>
-            </a:endParaRPr>
-          </a:p>
-          <a:p>
-            <a:pPr lvl="1" marL="685800" indent="-228240">
+            <a:endParaRPr lang="zxx" sz="2800" b="0" strike="noStrike" spc="-1">
+              <a:solidFill>
+                <a:srgbClr val="000000"/>
+              </a:solidFill>
+              <a:latin typeface="Calibri"/>
+            </a:endParaRPr>
+          </a:p>
+          <a:p>
+            <a:pPr marL="685800" lvl="1" indent="-228240">
               <a:lnSpc>
                 <a:spcPct val="90000"/>
               </a:lnSpc>
@@ -9057,7 +9995,7 @@
               <a:buChar char="•"/>
             </a:pPr>
             <a:r>
-              <a:rPr b="0" lang="de-DE" sz="2400" spc="-1" strike="noStrike">
+              <a:rPr lang="de-DE" sz="2400" b="0" strike="noStrike" spc="-1">
                 <a:solidFill>
                   <a:srgbClr val="000000"/>
                 </a:solidFill>
@@ -9065,15 +10003,15 @@
               </a:rPr>
               <a:t>Dadurch Subscribe auf Endpoints möglich, sowie Listener um auch Nachrichten zu reagieren</a:t>
             </a:r>
-            <a:endParaRPr b="0" lang="zxx" sz="2400" spc="-1" strike="noStrike">
-              <a:solidFill>
-                <a:srgbClr val="000000"/>
-              </a:solidFill>
-              <a:latin typeface="Calibri"/>
-            </a:endParaRPr>
-          </a:p>
-          <a:p>
-            <a:pPr lvl="1" marL="685800" indent="-228240">
+            <a:endParaRPr lang="zxx" sz="2400" b="0" strike="noStrike" spc="-1">
+              <a:solidFill>
+                <a:srgbClr val="000000"/>
+              </a:solidFill>
+              <a:latin typeface="Calibri"/>
+            </a:endParaRPr>
+          </a:p>
+          <a:p>
+            <a:pPr marL="685800" lvl="1" indent="-228240">
               <a:lnSpc>
                 <a:spcPct val="90000"/>
               </a:lnSpc>
@@ -9087,7 +10025,7 @@
               <a:buChar char="•"/>
             </a:pPr>
             <a:r>
-              <a:rPr b="0" lang="de-DE" sz="2400" spc="-1" strike="noStrike">
+              <a:rPr lang="de-DE" sz="2400" b="0" strike="noStrike" spc="-1">
                 <a:solidFill>
                   <a:srgbClr val="000000"/>
                 </a:solidFill>
@@ -9095,7 +10033,7 @@
               </a:rPr>
               <a:t>Message-Transport um Daten an das Backend zu senden</a:t>
             </a:r>
-            <a:endParaRPr b="0" lang="zxx" sz="2400" spc="-1" strike="noStrike">
+            <a:endParaRPr lang="zxx" sz="2400" b="0" strike="noStrike" spc="-1">
               <a:solidFill>
                 <a:srgbClr val="000000"/>
               </a:solidFill>
@@ -9117,7 +10055,7 @@
               <a:buChar char="•"/>
             </a:pPr>
             <a:r>
-              <a:rPr b="0" lang="de-DE" sz="2800" spc="-1" strike="noStrike">
+              <a:rPr lang="de-DE" sz="2800" b="0" strike="noStrike" spc="-1">
                 <a:solidFill>
                   <a:srgbClr val="000000"/>
                 </a:solidFill>
@@ -9125,15 +10063,15 @@
               </a:rPr>
               <a:t>Besitzt Zugriff auf HTTP-Client Impl.</a:t>
             </a:r>
-            <a:endParaRPr b="0" lang="zxx" sz="2800" spc="-1" strike="noStrike">
-              <a:solidFill>
-                <a:srgbClr val="000000"/>
-              </a:solidFill>
-              <a:latin typeface="Calibri"/>
-            </a:endParaRPr>
-          </a:p>
-          <a:p>
-            <a:pPr lvl="1" marL="685800" indent="-228240">
+            <a:endParaRPr lang="zxx" sz="2800" b="0" strike="noStrike" spc="-1">
+              <a:solidFill>
+                <a:srgbClr val="000000"/>
+              </a:solidFill>
+              <a:latin typeface="Calibri"/>
+            </a:endParaRPr>
+          </a:p>
+          <a:p>
+            <a:pPr marL="685800" lvl="1" indent="-228240">
               <a:lnSpc>
                 <a:spcPct val="90000"/>
               </a:lnSpc>
@@ -9147,7 +10085,7 @@
               <a:buChar char="•"/>
             </a:pPr>
             <a:r>
-              <a:rPr b="0" lang="de-DE" sz="2400" spc="-1" strike="noStrike">
+              <a:rPr lang="de-DE" sz="2400" b="0" strike="noStrike" spc="-1">
                 <a:solidFill>
                   <a:srgbClr val="000000"/>
                 </a:solidFill>
@@ -9157,7 +10095,7 @@
             </a:r>
             <a:br/>
             <a:r>
-              <a:rPr b="0" lang="de-DE" sz="2400" spc="-1" strike="noStrike">
+              <a:rPr lang="de-DE" sz="2400" b="0" strike="noStrike" spc="-1">
                 <a:solidFill>
                   <a:srgbClr val="000000"/>
                 </a:solidFill>
@@ -9165,7 +10103,7 @@
               </a:rPr>
               <a:t>wie z.B. bei Login, Register Operationen oder Polling für HTTP</a:t>
             </a:r>
-            <a:endParaRPr b="0" lang="zxx" sz="2400" spc="-1" strike="noStrike">
+            <a:endParaRPr lang="zxx" sz="2400" b="0" strike="noStrike" spc="-1">
               <a:solidFill>
                 <a:srgbClr val="000000"/>
               </a:solidFill>
@@ -9197,6 +10135,7 @@
           <a:bodyPr anchor="ctr">
             <a:noAutofit/>
           </a:bodyPr>
+          <a:lstStyle/>
           <a:p>
             <a:pPr algn="r">
               <a:lnSpc>
@@ -9204,15 +10143,15 @@
               </a:lnSpc>
             </a:pPr>
             <a:fld id="{F6CFB0C8-1DED-4B42-89D1-ED56CD4B1E59}" type="slidenum">
-              <a:rPr b="0" lang="de-DE" sz="1200" spc="-1" strike="noStrike">
+              <a:rPr lang="de-DE" sz="1200" b="0" strike="noStrike" spc="-1">
                 <a:solidFill>
-                  <a:srgbClr val="8b8b8b"/>
+                  <a:srgbClr val="8B8B8B"/>
                 </a:solidFill>
                 <a:latin typeface="Calibri"/>
               </a:rPr>
-              <a:t>&lt;Foliennummer&gt;</a:t>
+              <a:t>9</a:t>
             </a:fld>
-            <a:endParaRPr b="0" lang="zxx" sz="1200" spc="-1" strike="noStrike">
+            <a:endParaRPr lang="zxx" sz="1200" b="0" strike="noStrike" spc="-1">
               <a:latin typeface="Times New Roman"/>
             </a:endParaRPr>
           </a:p>
@@ -9220,14 +10159,9 @@
       </p:sp>
     </p:spTree>
   </p:cSld>
-  <mc:AlternateContent>
-    <mc:Choice Requires="p14">
-      <p:transition spd="slow" p14:dur="2000"/>
-    </mc:Choice>
-    <mc:Fallback>
-      <p:transition spd="slow"/>
-    </mc:Fallback>
-  </mc:AlternateContent>
+  <p:clrMapOvr>
+    <a:masterClrMapping/>
+  </p:clrMapOvr>
 </p:sld>
 </file>
 
@@ -9242,34 +10176,34 @@
         <a:sysClr val="window" lastClr="FFFFFF"/>
       </a:lt1>
       <a:dk2>
-        <a:srgbClr val="44546a"/>
+        <a:srgbClr val="44546A"/>
       </a:dk2>
       <a:lt2>
-        <a:srgbClr val="e7e6e6"/>
+        <a:srgbClr val="E7E6E6"/>
       </a:lt2>
       <a:accent1>
-        <a:srgbClr val="4472c4"/>
+        <a:srgbClr val="4472C4"/>
       </a:accent1>
       <a:accent2>
-        <a:srgbClr val="ed7d31"/>
+        <a:srgbClr val="ED7D31"/>
       </a:accent2>
       <a:accent3>
-        <a:srgbClr val="a5a5a5"/>
+        <a:srgbClr val="A5A5A5"/>
       </a:accent3>
       <a:accent4>
-        <a:srgbClr val="ffc000"/>
+        <a:srgbClr val="FFC000"/>
       </a:accent4>
       <a:accent5>
-        <a:srgbClr val="5b9bd5"/>
+        <a:srgbClr val="5B9BD5"/>
       </a:accent5>
       <a:accent6>
-        <a:srgbClr val="70ad47"/>
+        <a:srgbClr val="70AD47"/>
       </a:accent6>
       <a:hlink>
-        <a:srgbClr val="0563c1"/>
+        <a:srgbClr val="0563C1"/>
       </a:hlink>
       <a:folHlink>
-        <a:srgbClr val="954f72"/>
+        <a:srgbClr val="954F72"/>
       </a:folHlink>
     </a:clrScheme>
     <a:fontScheme name="Office">
@@ -9454,6 +10388,8 @@
       </a:bgFillStyleLst>
     </a:fmtScheme>
   </a:themeElements>
+  <a:objectDefaults/>
+  <a:extraClrSchemeLst/>
 </a:theme>
 </file>
 
@@ -9468,34 +10404,34 @@
         <a:sysClr val="window" lastClr="FFFFFF"/>
       </a:lt1>
       <a:dk2>
-        <a:srgbClr val="44546a"/>
+        <a:srgbClr val="44546A"/>
       </a:dk2>
       <a:lt2>
-        <a:srgbClr val="e7e6e6"/>
+        <a:srgbClr val="E7E6E6"/>
       </a:lt2>
       <a:accent1>
-        <a:srgbClr val="4472c4"/>
+        <a:srgbClr val="4472C4"/>
       </a:accent1>
       <a:accent2>
-        <a:srgbClr val="ed7d31"/>
+        <a:srgbClr val="ED7D31"/>
       </a:accent2>
       <a:accent3>
-        <a:srgbClr val="a5a5a5"/>
+        <a:srgbClr val="A5A5A5"/>
       </a:accent3>
       <a:accent4>
-        <a:srgbClr val="ffc000"/>
+        <a:srgbClr val="FFC000"/>
       </a:accent4>
       <a:accent5>
-        <a:srgbClr val="5b9bd5"/>
+        <a:srgbClr val="5B9BD5"/>
       </a:accent5>
       <a:accent6>
-        <a:srgbClr val="70ad47"/>
+        <a:srgbClr val="70AD47"/>
       </a:accent6>
       <a:hlink>
-        <a:srgbClr val="0563c1"/>
+        <a:srgbClr val="0563C1"/>
       </a:hlink>
       <a:folHlink>
-        <a:srgbClr val="954f72"/>
+        <a:srgbClr val="954F72"/>
       </a:folHlink>
     </a:clrScheme>
     <a:fontScheme name="Office">
@@ -9680,6 +10616,8 @@
       </a:bgFillStyleLst>
     </a:fmtScheme>
   </a:themeElements>
+  <a:objectDefaults/>
+  <a:extraClrSchemeLst/>
 </a:theme>
 </file>
 
@@ -9694,34 +10632,34 @@
         <a:sysClr val="window" lastClr="FFFFFF"/>
       </a:lt1>
       <a:dk2>
-        <a:srgbClr val="44546a"/>
+        <a:srgbClr val="44546A"/>
       </a:dk2>
       <a:lt2>
-        <a:srgbClr val="e7e6e6"/>
+        <a:srgbClr val="E7E6E6"/>
       </a:lt2>
       <a:accent1>
-        <a:srgbClr val="4472c4"/>
+        <a:srgbClr val="4472C4"/>
       </a:accent1>
       <a:accent2>
-        <a:srgbClr val="ed7d31"/>
+        <a:srgbClr val="ED7D31"/>
       </a:accent2>
       <a:accent3>
-        <a:srgbClr val="a5a5a5"/>
+        <a:srgbClr val="A5A5A5"/>
       </a:accent3>
       <a:accent4>
-        <a:srgbClr val="ffc000"/>
+        <a:srgbClr val="FFC000"/>
       </a:accent4>
       <a:accent5>
-        <a:srgbClr val="5b9bd5"/>
+        <a:srgbClr val="5B9BD5"/>
       </a:accent5>
       <a:accent6>
-        <a:srgbClr val="70ad47"/>
+        <a:srgbClr val="70AD47"/>
       </a:accent6>
       <a:hlink>
-        <a:srgbClr val="0563c1"/>
+        <a:srgbClr val="0563C1"/>
       </a:hlink>
       <a:folHlink>
-        <a:srgbClr val="954f72"/>
+        <a:srgbClr val="954F72"/>
       </a:folHlink>
     </a:clrScheme>
     <a:fontScheme name="Office">
@@ -9906,5 +10844,7 @@
       </a:bgFillStyleLst>
     </a:fmtScheme>
   </a:themeElements>
+  <a:objectDefaults/>
+  <a:extraClrSchemeLst/>
 </a:theme>
 </file>